--- a/English-presentation.pptx
+++ b/English-presentation.pptx
@@ -153,7 +153,7 @@
           <p:cNvPr id="2" name="Titre 1">
             <a:extLst>
               <a:ext uri="{FF2B5EF4-FFF2-40B4-BE49-F238E27FC236}">
-                <a16:creationId xmlns="" xmlns:a16="http://schemas.microsoft.com/office/drawing/2014/main" id="{23453CFE-B8DF-4006-AB37-FF95D943AEDD}"/>
+                <a16:creationId xmlns:a16="http://schemas.microsoft.com/office/drawing/2014/main" xmlns="" id="{23453CFE-B8DF-4006-AB37-FF95D943AEDD}"/>
               </a:ext>
             </a:extLst>
           </p:cNvPr>
@@ -190,7 +190,7 @@
           <p:cNvPr id="3" name="Sous-titre 2">
             <a:extLst>
               <a:ext uri="{FF2B5EF4-FFF2-40B4-BE49-F238E27FC236}">
-                <a16:creationId xmlns="" xmlns:a16="http://schemas.microsoft.com/office/drawing/2014/main" id="{F50608DF-EB91-4AFF-8D4C-F927CCF54DB4}"/>
+                <a16:creationId xmlns:a16="http://schemas.microsoft.com/office/drawing/2014/main" xmlns="" id="{F50608DF-EB91-4AFF-8D4C-F927CCF54DB4}"/>
               </a:ext>
             </a:extLst>
           </p:cNvPr>
@@ -260,7 +260,7 @@
           <p:cNvPr id="4" name="Espace réservé de la date 3">
             <a:extLst>
               <a:ext uri="{FF2B5EF4-FFF2-40B4-BE49-F238E27FC236}">
-                <a16:creationId xmlns="" xmlns:a16="http://schemas.microsoft.com/office/drawing/2014/main" id="{87003961-FF64-4C84-AEA0-3993913627BB}"/>
+                <a16:creationId xmlns:a16="http://schemas.microsoft.com/office/drawing/2014/main" xmlns="" id="{87003961-FF64-4C84-AEA0-3993913627BB}"/>
               </a:ext>
             </a:extLst>
           </p:cNvPr>
@@ -289,7 +289,7 @@
           <p:cNvPr id="5" name="Espace réservé du pied de page 4">
             <a:extLst>
               <a:ext uri="{FF2B5EF4-FFF2-40B4-BE49-F238E27FC236}">
-                <a16:creationId xmlns="" xmlns:a16="http://schemas.microsoft.com/office/drawing/2014/main" id="{6AC396D5-4B93-4D29-9FA2-1A41540E13FC}"/>
+                <a16:creationId xmlns:a16="http://schemas.microsoft.com/office/drawing/2014/main" xmlns="" id="{6AC396D5-4B93-4D29-9FA2-1A41540E13FC}"/>
               </a:ext>
             </a:extLst>
           </p:cNvPr>
@@ -314,7 +314,7 @@
           <p:cNvPr id="6" name="Espace réservé du numéro de diapositive 5">
             <a:extLst>
               <a:ext uri="{FF2B5EF4-FFF2-40B4-BE49-F238E27FC236}">
-                <a16:creationId xmlns="" xmlns:a16="http://schemas.microsoft.com/office/drawing/2014/main" id="{1E4960FA-ECB6-4347-915D-5B2AE75ECF48}"/>
+                <a16:creationId xmlns:a16="http://schemas.microsoft.com/office/drawing/2014/main" xmlns="" id="{1E4960FA-ECB6-4347-915D-5B2AE75ECF48}"/>
               </a:ext>
             </a:extLst>
           </p:cNvPr>
@@ -373,7 +373,7 @@
           <p:cNvPr id="2" name="Titre 1">
             <a:extLst>
               <a:ext uri="{FF2B5EF4-FFF2-40B4-BE49-F238E27FC236}">
-                <a16:creationId xmlns="" xmlns:a16="http://schemas.microsoft.com/office/drawing/2014/main" id="{C3AF6F88-61E5-4739-A96D-67F5F1E4DE80}"/>
+                <a16:creationId xmlns:a16="http://schemas.microsoft.com/office/drawing/2014/main" xmlns="" id="{C3AF6F88-61E5-4739-A96D-67F5F1E4DE80}"/>
               </a:ext>
             </a:extLst>
           </p:cNvPr>
@@ -401,7 +401,7 @@
           <p:cNvPr id="3" name="Espace réservé du texte vertical 2">
             <a:extLst>
               <a:ext uri="{FF2B5EF4-FFF2-40B4-BE49-F238E27FC236}">
-                <a16:creationId xmlns="" xmlns:a16="http://schemas.microsoft.com/office/drawing/2014/main" id="{B06CDCB6-01AB-4E10-8E1E-23EE1B8A7555}"/>
+                <a16:creationId xmlns:a16="http://schemas.microsoft.com/office/drawing/2014/main" xmlns="" id="{B06CDCB6-01AB-4E10-8E1E-23EE1B8A7555}"/>
               </a:ext>
             </a:extLst>
           </p:cNvPr>
@@ -458,7 +458,7 @@
           <p:cNvPr id="4" name="Espace réservé de la date 3">
             <a:extLst>
               <a:ext uri="{FF2B5EF4-FFF2-40B4-BE49-F238E27FC236}">
-                <a16:creationId xmlns="" xmlns:a16="http://schemas.microsoft.com/office/drawing/2014/main" id="{90AEEC51-6785-4E14-A31A-3C1086F9FE3B}"/>
+                <a16:creationId xmlns:a16="http://schemas.microsoft.com/office/drawing/2014/main" xmlns="" id="{90AEEC51-6785-4E14-A31A-3C1086F9FE3B}"/>
               </a:ext>
             </a:extLst>
           </p:cNvPr>
@@ -487,7 +487,7 @@
           <p:cNvPr id="5" name="Espace réservé du pied de page 4">
             <a:extLst>
               <a:ext uri="{FF2B5EF4-FFF2-40B4-BE49-F238E27FC236}">
-                <a16:creationId xmlns="" xmlns:a16="http://schemas.microsoft.com/office/drawing/2014/main" id="{3CDB858B-CD42-46C2-A28F-301833144B37}"/>
+                <a16:creationId xmlns:a16="http://schemas.microsoft.com/office/drawing/2014/main" xmlns="" id="{3CDB858B-CD42-46C2-A28F-301833144B37}"/>
               </a:ext>
             </a:extLst>
           </p:cNvPr>
@@ -512,7 +512,7 @@
           <p:cNvPr id="6" name="Espace réservé du numéro de diapositive 5">
             <a:extLst>
               <a:ext uri="{FF2B5EF4-FFF2-40B4-BE49-F238E27FC236}">
-                <a16:creationId xmlns="" xmlns:a16="http://schemas.microsoft.com/office/drawing/2014/main" id="{90DB1982-2592-478D-9A5A-AC2B74386A8D}"/>
+                <a16:creationId xmlns:a16="http://schemas.microsoft.com/office/drawing/2014/main" xmlns="" id="{90DB1982-2592-478D-9A5A-AC2B74386A8D}"/>
               </a:ext>
             </a:extLst>
           </p:cNvPr>
@@ -571,7 +571,7 @@
           <p:cNvPr id="2" name="Titre vertical 1">
             <a:extLst>
               <a:ext uri="{FF2B5EF4-FFF2-40B4-BE49-F238E27FC236}">
-                <a16:creationId xmlns="" xmlns:a16="http://schemas.microsoft.com/office/drawing/2014/main" id="{6F141E36-5A65-4798-BEAD-03FB5EF3DD6F}"/>
+                <a16:creationId xmlns:a16="http://schemas.microsoft.com/office/drawing/2014/main" xmlns="" id="{6F141E36-5A65-4798-BEAD-03FB5EF3DD6F}"/>
               </a:ext>
             </a:extLst>
           </p:cNvPr>
@@ -604,7 +604,7 @@
           <p:cNvPr id="3" name="Espace réservé du texte vertical 2">
             <a:extLst>
               <a:ext uri="{FF2B5EF4-FFF2-40B4-BE49-F238E27FC236}">
-                <a16:creationId xmlns="" xmlns:a16="http://schemas.microsoft.com/office/drawing/2014/main" id="{5ECE3933-A715-438C-9C9F-E0CFF67D3811}"/>
+                <a16:creationId xmlns:a16="http://schemas.microsoft.com/office/drawing/2014/main" xmlns="" id="{5ECE3933-A715-438C-9C9F-E0CFF67D3811}"/>
               </a:ext>
             </a:extLst>
           </p:cNvPr>
@@ -666,7 +666,7 @@
           <p:cNvPr id="4" name="Espace réservé de la date 3">
             <a:extLst>
               <a:ext uri="{FF2B5EF4-FFF2-40B4-BE49-F238E27FC236}">
-                <a16:creationId xmlns="" xmlns:a16="http://schemas.microsoft.com/office/drawing/2014/main" id="{F6D6EC3E-FBE5-4E30-8310-28A1B4EDE09E}"/>
+                <a16:creationId xmlns:a16="http://schemas.microsoft.com/office/drawing/2014/main" xmlns="" id="{F6D6EC3E-FBE5-4E30-8310-28A1B4EDE09E}"/>
               </a:ext>
             </a:extLst>
           </p:cNvPr>
@@ -695,7 +695,7 @@
           <p:cNvPr id="5" name="Espace réservé du pied de page 4">
             <a:extLst>
               <a:ext uri="{FF2B5EF4-FFF2-40B4-BE49-F238E27FC236}">
-                <a16:creationId xmlns="" xmlns:a16="http://schemas.microsoft.com/office/drawing/2014/main" id="{2076F195-91C3-4B97-AE9F-4A9F410F4892}"/>
+                <a16:creationId xmlns:a16="http://schemas.microsoft.com/office/drawing/2014/main" xmlns="" id="{2076F195-91C3-4B97-AE9F-4A9F410F4892}"/>
               </a:ext>
             </a:extLst>
           </p:cNvPr>
@@ -720,7 +720,7 @@
           <p:cNvPr id="6" name="Espace réservé du numéro de diapositive 5">
             <a:extLst>
               <a:ext uri="{FF2B5EF4-FFF2-40B4-BE49-F238E27FC236}">
-                <a16:creationId xmlns="" xmlns:a16="http://schemas.microsoft.com/office/drawing/2014/main" id="{537A55FB-7A4F-48ED-BFB0-3F8B8E975595}"/>
+                <a16:creationId xmlns:a16="http://schemas.microsoft.com/office/drawing/2014/main" xmlns="" id="{537A55FB-7A4F-48ED-BFB0-3F8B8E975595}"/>
               </a:ext>
             </a:extLst>
           </p:cNvPr>
@@ -779,7 +779,7 @@
           <p:cNvPr id="2" name="Titre 1">
             <a:extLst>
               <a:ext uri="{FF2B5EF4-FFF2-40B4-BE49-F238E27FC236}">
-                <a16:creationId xmlns="" xmlns:a16="http://schemas.microsoft.com/office/drawing/2014/main" id="{E09D159F-3C14-468C-BE2B-7FC5E29B5D06}"/>
+                <a16:creationId xmlns:a16="http://schemas.microsoft.com/office/drawing/2014/main" xmlns="" id="{E09D159F-3C14-468C-BE2B-7FC5E29B5D06}"/>
               </a:ext>
             </a:extLst>
           </p:cNvPr>
@@ -807,7 +807,7 @@
           <p:cNvPr id="3" name="Espace réservé du contenu 2">
             <a:extLst>
               <a:ext uri="{FF2B5EF4-FFF2-40B4-BE49-F238E27FC236}">
-                <a16:creationId xmlns="" xmlns:a16="http://schemas.microsoft.com/office/drawing/2014/main" id="{6FD588FD-BA97-4EB3-A316-CB3F9DD50607}"/>
+                <a16:creationId xmlns:a16="http://schemas.microsoft.com/office/drawing/2014/main" xmlns="" id="{6FD588FD-BA97-4EB3-A316-CB3F9DD50607}"/>
               </a:ext>
             </a:extLst>
           </p:cNvPr>
@@ -864,7 +864,7 @@
           <p:cNvPr id="4" name="Espace réservé de la date 3">
             <a:extLst>
               <a:ext uri="{FF2B5EF4-FFF2-40B4-BE49-F238E27FC236}">
-                <a16:creationId xmlns="" xmlns:a16="http://schemas.microsoft.com/office/drawing/2014/main" id="{29C56289-5866-4268-BEF3-0BFB876FAA28}"/>
+                <a16:creationId xmlns:a16="http://schemas.microsoft.com/office/drawing/2014/main" xmlns="" id="{29C56289-5866-4268-BEF3-0BFB876FAA28}"/>
               </a:ext>
             </a:extLst>
           </p:cNvPr>
@@ -893,7 +893,7 @@
           <p:cNvPr id="5" name="Espace réservé du pied de page 4">
             <a:extLst>
               <a:ext uri="{FF2B5EF4-FFF2-40B4-BE49-F238E27FC236}">
-                <a16:creationId xmlns="" xmlns:a16="http://schemas.microsoft.com/office/drawing/2014/main" id="{25390311-224C-40DD-A581-233F3BE53935}"/>
+                <a16:creationId xmlns:a16="http://schemas.microsoft.com/office/drawing/2014/main" xmlns="" id="{25390311-224C-40DD-A581-233F3BE53935}"/>
               </a:ext>
             </a:extLst>
           </p:cNvPr>
@@ -918,7 +918,7 @@
           <p:cNvPr id="6" name="Espace réservé du numéro de diapositive 5">
             <a:extLst>
               <a:ext uri="{FF2B5EF4-FFF2-40B4-BE49-F238E27FC236}">
-                <a16:creationId xmlns="" xmlns:a16="http://schemas.microsoft.com/office/drawing/2014/main" id="{D3813BF7-109B-45CC-8198-FB7341518A5B}"/>
+                <a16:creationId xmlns:a16="http://schemas.microsoft.com/office/drawing/2014/main" xmlns="" id="{D3813BF7-109B-45CC-8198-FB7341518A5B}"/>
               </a:ext>
             </a:extLst>
           </p:cNvPr>
@@ -977,7 +977,7 @@
           <p:cNvPr id="2" name="Titre 1">
             <a:extLst>
               <a:ext uri="{FF2B5EF4-FFF2-40B4-BE49-F238E27FC236}">
-                <a16:creationId xmlns="" xmlns:a16="http://schemas.microsoft.com/office/drawing/2014/main" id="{F5D9C235-7B90-4F33-B2FC-1D5383A53116}"/>
+                <a16:creationId xmlns:a16="http://schemas.microsoft.com/office/drawing/2014/main" xmlns="" id="{F5D9C235-7B90-4F33-B2FC-1D5383A53116}"/>
               </a:ext>
             </a:extLst>
           </p:cNvPr>
@@ -1014,7 +1014,7 @@
           <p:cNvPr id="3" name="Espace réservé du texte 2">
             <a:extLst>
               <a:ext uri="{FF2B5EF4-FFF2-40B4-BE49-F238E27FC236}">
-                <a16:creationId xmlns="" xmlns:a16="http://schemas.microsoft.com/office/drawing/2014/main" id="{D6F5629A-0CA9-403C-A321-E9F7FDF23D96}"/>
+                <a16:creationId xmlns:a16="http://schemas.microsoft.com/office/drawing/2014/main" xmlns="" id="{D6F5629A-0CA9-403C-A321-E9F7FDF23D96}"/>
               </a:ext>
             </a:extLst>
           </p:cNvPr>
@@ -1139,7 +1139,7 @@
           <p:cNvPr id="4" name="Espace réservé de la date 3">
             <a:extLst>
               <a:ext uri="{FF2B5EF4-FFF2-40B4-BE49-F238E27FC236}">
-                <a16:creationId xmlns="" xmlns:a16="http://schemas.microsoft.com/office/drawing/2014/main" id="{D662CC2E-459C-41B3-AB33-0B57BA3F6C12}"/>
+                <a16:creationId xmlns:a16="http://schemas.microsoft.com/office/drawing/2014/main" xmlns="" id="{D662CC2E-459C-41B3-AB33-0B57BA3F6C12}"/>
               </a:ext>
             </a:extLst>
           </p:cNvPr>
@@ -1168,7 +1168,7 @@
           <p:cNvPr id="5" name="Espace réservé du pied de page 4">
             <a:extLst>
               <a:ext uri="{FF2B5EF4-FFF2-40B4-BE49-F238E27FC236}">
-                <a16:creationId xmlns="" xmlns:a16="http://schemas.microsoft.com/office/drawing/2014/main" id="{67281138-2AFF-4151-86D7-72D3BD9EB883}"/>
+                <a16:creationId xmlns:a16="http://schemas.microsoft.com/office/drawing/2014/main" xmlns="" id="{67281138-2AFF-4151-86D7-72D3BD9EB883}"/>
               </a:ext>
             </a:extLst>
           </p:cNvPr>
@@ -1193,7 +1193,7 @@
           <p:cNvPr id="6" name="Espace réservé du numéro de diapositive 5">
             <a:extLst>
               <a:ext uri="{FF2B5EF4-FFF2-40B4-BE49-F238E27FC236}">
-                <a16:creationId xmlns="" xmlns:a16="http://schemas.microsoft.com/office/drawing/2014/main" id="{94EE8ABC-93EA-4846-97D0-C8EA55DD667D}"/>
+                <a16:creationId xmlns:a16="http://schemas.microsoft.com/office/drawing/2014/main" xmlns="" id="{94EE8ABC-93EA-4846-97D0-C8EA55DD667D}"/>
               </a:ext>
             </a:extLst>
           </p:cNvPr>
@@ -1252,7 +1252,7 @@
           <p:cNvPr id="2" name="Titre 1">
             <a:extLst>
               <a:ext uri="{FF2B5EF4-FFF2-40B4-BE49-F238E27FC236}">
-                <a16:creationId xmlns="" xmlns:a16="http://schemas.microsoft.com/office/drawing/2014/main" id="{4A7ADC1E-25AE-4CF4-86BA-203BE7BBFEB0}"/>
+                <a16:creationId xmlns:a16="http://schemas.microsoft.com/office/drawing/2014/main" xmlns="" id="{4A7ADC1E-25AE-4CF4-86BA-203BE7BBFEB0}"/>
               </a:ext>
             </a:extLst>
           </p:cNvPr>
@@ -1280,7 +1280,7 @@
           <p:cNvPr id="3" name="Espace réservé du contenu 2">
             <a:extLst>
               <a:ext uri="{FF2B5EF4-FFF2-40B4-BE49-F238E27FC236}">
-                <a16:creationId xmlns="" xmlns:a16="http://schemas.microsoft.com/office/drawing/2014/main" id="{4EE4A84D-F0DF-4EDE-9A4B-52FAD4CD3EC8}"/>
+                <a16:creationId xmlns:a16="http://schemas.microsoft.com/office/drawing/2014/main" xmlns="" id="{4EE4A84D-F0DF-4EDE-9A4B-52FAD4CD3EC8}"/>
               </a:ext>
             </a:extLst>
           </p:cNvPr>
@@ -1342,7 +1342,7 @@
           <p:cNvPr id="4" name="Espace réservé du contenu 3">
             <a:extLst>
               <a:ext uri="{FF2B5EF4-FFF2-40B4-BE49-F238E27FC236}">
-                <a16:creationId xmlns="" xmlns:a16="http://schemas.microsoft.com/office/drawing/2014/main" id="{E92066D0-3D88-4937-A263-51FB8ED2CF49}"/>
+                <a16:creationId xmlns:a16="http://schemas.microsoft.com/office/drawing/2014/main" xmlns="" id="{E92066D0-3D88-4937-A263-51FB8ED2CF49}"/>
               </a:ext>
             </a:extLst>
           </p:cNvPr>
@@ -1404,7 +1404,7 @@
           <p:cNvPr id="5" name="Espace réservé de la date 4">
             <a:extLst>
               <a:ext uri="{FF2B5EF4-FFF2-40B4-BE49-F238E27FC236}">
-                <a16:creationId xmlns="" xmlns:a16="http://schemas.microsoft.com/office/drawing/2014/main" id="{D47F1169-FAE9-4465-B745-653F2A3E9F79}"/>
+                <a16:creationId xmlns:a16="http://schemas.microsoft.com/office/drawing/2014/main" xmlns="" id="{D47F1169-FAE9-4465-B745-653F2A3E9F79}"/>
               </a:ext>
             </a:extLst>
           </p:cNvPr>
@@ -1433,7 +1433,7 @@
           <p:cNvPr id="6" name="Espace réservé du pied de page 5">
             <a:extLst>
               <a:ext uri="{FF2B5EF4-FFF2-40B4-BE49-F238E27FC236}">
-                <a16:creationId xmlns="" xmlns:a16="http://schemas.microsoft.com/office/drawing/2014/main" id="{2883D469-731A-4735-9C46-59343679585E}"/>
+                <a16:creationId xmlns:a16="http://schemas.microsoft.com/office/drawing/2014/main" xmlns="" id="{2883D469-731A-4735-9C46-59343679585E}"/>
               </a:ext>
             </a:extLst>
           </p:cNvPr>
@@ -1458,7 +1458,7 @@
           <p:cNvPr id="7" name="Espace réservé du numéro de diapositive 6">
             <a:extLst>
               <a:ext uri="{FF2B5EF4-FFF2-40B4-BE49-F238E27FC236}">
-                <a16:creationId xmlns="" xmlns:a16="http://schemas.microsoft.com/office/drawing/2014/main" id="{BD47AF0C-B297-481B-91EE-FAFF0449F4BC}"/>
+                <a16:creationId xmlns:a16="http://schemas.microsoft.com/office/drawing/2014/main" xmlns="" id="{BD47AF0C-B297-481B-91EE-FAFF0449F4BC}"/>
               </a:ext>
             </a:extLst>
           </p:cNvPr>
@@ -1517,7 +1517,7 @@
           <p:cNvPr id="2" name="Titre 1">
             <a:extLst>
               <a:ext uri="{FF2B5EF4-FFF2-40B4-BE49-F238E27FC236}">
-                <a16:creationId xmlns="" xmlns:a16="http://schemas.microsoft.com/office/drawing/2014/main" id="{1141DE55-2891-4535-8496-127E2A346C51}"/>
+                <a16:creationId xmlns:a16="http://schemas.microsoft.com/office/drawing/2014/main" xmlns="" id="{1141DE55-2891-4535-8496-127E2A346C51}"/>
               </a:ext>
             </a:extLst>
           </p:cNvPr>
@@ -1550,7 +1550,7 @@
           <p:cNvPr id="3" name="Espace réservé du texte 2">
             <a:extLst>
               <a:ext uri="{FF2B5EF4-FFF2-40B4-BE49-F238E27FC236}">
-                <a16:creationId xmlns="" xmlns:a16="http://schemas.microsoft.com/office/drawing/2014/main" id="{0B08BB4F-D3C6-4648-A69B-67B67DE71EB7}"/>
+                <a16:creationId xmlns:a16="http://schemas.microsoft.com/office/drawing/2014/main" xmlns="" id="{0B08BB4F-D3C6-4648-A69B-67B67DE71EB7}"/>
               </a:ext>
             </a:extLst>
           </p:cNvPr>
@@ -1621,7 +1621,7 @@
           <p:cNvPr id="4" name="Espace réservé du contenu 3">
             <a:extLst>
               <a:ext uri="{FF2B5EF4-FFF2-40B4-BE49-F238E27FC236}">
-                <a16:creationId xmlns="" xmlns:a16="http://schemas.microsoft.com/office/drawing/2014/main" id="{0B7455D8-E1F1-465E-8B25-31963E7909D9}"/>
+                <a16:creationId xmlns:a16="http://schemas.microsoft.com/office/drawing/2014/main" xmlns="" id="{0B7455D8-E1F1-465E-8B25-31963E7909D9}"/>
               </a:ext>
             </a:extLst>
           </p:cNvPr>
@@ -1683,7 +1683,7 @@
           <p:cNvPr id="5" name="Espace réservé du texte 4">
             <a:extLst>
               <a:ext uri="{FF2B5EF4-FFF2-40B4-BE49-F238E27FC236}">
-                <a16:creationId xmlns="" xmlns:a16="http://schemas.microsoft.com/office/drawing/2014/main" id="{87FDFF8B-A404-4C6C-92D0-EB3603953C86}"/>
+                <a16:creationId xmlns:a16="http://schemas.microsoft.com/office/drawing/2014/main" xmlns="" id="{87FDFF8B-A404-4C6C-92D0-EB3603953C86}"/>
               </a:ext>
             </a:extLst>
           </p:cNvPr>
@@ -1754,7 +1754,7 @@
           <p:cNvPr id="6" name="Espace réservé du contenu 5">
             <a:extLst>
               <a:ext uri="{FF2B5EF4-FFF2-40B4-BE49-F238E27FC236}">
-                <a16:creationId xmlns="" xmlns:a16="http://schemas.microsoft.com/office/drawing/2014/main" id="{E84B1AD4-88FE-4D19-92E5-FD4680ED9220}"/>
+                <a16:creationId xmlns:a16="http://schemas.microsoft.com/office/drawing/2014/main" xmlns="" id="{E84B1AD4-88FE-4D19-92E5-FD4680ED9220}"/>
               </a:ext>
             </a:extLst>
           </p:cNvPr>
@@ -1816,7 +1816,7 @@
           <p:cNvPr id="7" name="Espace réservé de la date 6">
             <a:extLst>
               <a:ext uri="{FF2B5EF4-FFF2-40B4-BE49-F238E27FC236}">
-                <a16:creationId xmlns="" xmlns:a16="http://schemas.microsoft.com/office/drawing/2014/main" id="{CF0A8264-1C95-41F5-A075-3357BC15654F}"/>
+                <a16:creationId xmlns:a16="http://schemas.microsoft.com/office/drawing/2014/main" xmlns="" id="{CF0A8264-1C95-41F5-A075-3357BC15654F}"/>
               </a:ext>
             </a:extLst>
           </p:cNvPr>
@@ -1845,7 +1845,7 @@
           <p:cNvPr id="8" name="Espace réservé du pied de page 7">
             <a:extLst>
               <a:ext uri="{FF2B5EF4-FFF2-40B4-BE49-F238E27FC236}">
-                <a16:creationId xmlns="" xmlns:a16="http://schemas.microsoft.com/office/drawing/2014/main" id="{4445AF8C-0229-40E5-9D9E-786AC17B805C}"/>
+                <a16:creationId xmlns:a16="http://schemas.microsoft.com/office/drawing/2014/main" xmlns="" id="{4445AF8C-0229-40E5-9D9E-786AC17B805C}"/>
               </a:ext>
             </a:extLst>
           </p:cNvPr>
@@ -1870,7 +1870,7 @@
           <p:cNvPr id="9" name="Espace réservé du numéro de diapositive 8">
             <a:extLst>
               <a:ext uri="{FF2B5EF4-FFF2-40B4-BE49-F238E27FC236}">
-                <a16:creationId xmlns="" xmlns:a16="http://schemas.microsoft.com/office/drawing/2014/main" id="{F692F6F1-4791-44B8-85CD-E5ED655E661A}"/>
+                <a16:creationId xmlns:a16="http://schemas.microsoft.com/office/drawing/2014/main" xmlns="" id="{F692F6F1-4791-44B8-85CD-E5ED655E661A}"/>
               </a:ext>
             </a:extLst>
           </p:cNvPr>
@@ -1929,7 +1929,7 @@
           <p:cNvPr id="2" name="Titre 1">
             <a:extLst>
               <a:ext uri="{FF2B5EF4-FFF2-40B4-BE49-F238E27FC236}">
-                <a16:creationId xmlns="" xmlns:a16="http://schemas.microsoft.com/office/drawing/2014/main" id="{EB44F1C5-A15F-4EB8-95D6-8DF041B6AB8A}"/>
+                <a16:creationId xmlns:a16="http://schemas.microsoft.com/office/drawing/2014/main" xmlns="" id="{EB44F1C5-A15F-4EB8-95D6-8DF041B6AB8A}"/>
               </a:ext>
             </a:extLst>
           </p:cNvPr>
@@ -1957,7 +1957,7 @@
           <p:cNvPr id="3" name="Espace réservé de la date 2">
             <a:extLst>
               <a:ext uri="{FF2B5EF4-FFF2-40B4-BE49-F238E27FC236}">
-                <a16:creationId xmlns="" xmlns:a16="http://schemas.microsoft.com/office/drawing/2014/main" id="{3AD757FA-CDC4-4EF8-8CF3-58299ADF0A9E}"/>
+                <a16:creationId xmlns:a16="http://schemas.microsoft.com/office/drawing/2014/main" xmlns="" id="{3AD757FA-CDC4-4EF8-8CF3-58299ADF0A9E}"/>
               </a:ext>
             </a:extLst>
           </p:cNvPr>
@@ -1986,7 +1986,7 @@
           <p:cNvPr id="4" name="Espace réservé du pied de page 3">
             <a:extLst>
               <a:ext uri="{FF2B5EF4-FFF2-40B4-BE49-F238E27FC236}">
-                <a16:creationId xmlns="" xmlns:a16="http://schemas.microsoft.com/office/drawing/2014/main" id="{0578AFE5-CB30-4925-9ED0-CB12ACD060EE}"/>
+                <a16:creationId xmlns:a16="http://schemas.microsoft.com/office/drawing/2014/main" xmlns="" id="{0578AFE5-CB30-4925-9ED0-CB12ACD060EE}"/>
               </a:ext>
             </a:extLst>
           </p:cNvPr>
@@ -2011,7 +2011,7 @@
           <p:cNvPr id="5" name="Espace réservé du numéro de diapositive 4">
             <a:extLst>
               <a:ext uri="{FF2B5EF4-FFF2-40B4-BE49-F238E27FC236}">
-                <a16:creationId xmlns="" xmlns:a16="http://schemas.microsoft.com/office/drawing/2014/main" id="{1808E937-166A-4740-AF31-74DF9CA6C262}"/>
+                <a16:creationId xmlns:a16="http://schemas.microsoft.com/office/drawing/2014/main" xmlns="" id="{1808E937-166A-4740-AF31-74DF9CA6C262}"/>
               </a:ext>
             </a:extLst>
           </p:cNvPr>
@@ -2070,7 +2070,7 @@
           <p:cNvPr id="2" name="Espace réservé de la date 1">
             <a:extLst>
               <a:ext uri="{FF2B5EF4-FFF2-40B4-BE49-F238E27FC236}">
-                <a16:creationId xmlns="" xmlns:a16="http://schemas.microsoft.com/office/drawing/2014/main" id="{79FD0C89-D7FB-4987-B5D0-12E162600DB8}"/>
+                <a16:creationId xmlns:a16="http://schemas.microsoft.com/office/drawing/2014/main" xmlns="" id="{79FD0C89-D7FB-4987-B5D0-12E162600DB8}"/>
               </a:ext>
             </a:extLst>
           </p:cNvPr>
@@ -2099,7 +2099,7 @@
           <p:cNvPr id="3" name="Espace réservé du pied de page 2">
             <a:extLst>
               <a:ext uri="{FF2B5EF4-FFF2-40B4-BE49-F238E27FC236}">
-                <a16:creationId xmlns="" xmlns:a16="http://schemas.microsoft.com/office/drawing/2014/main" id="{67B99209-700A-4498-A157-8866811F1338}"/>
+                <a16:creationId xmlns:a16="http://schemas.microsoft.com/office/drawing/2014/main" xmlns="" id="{67B99209-700A-4498-A157-8866811F1338}"/>
               </a:ext>
             </a:extLst>
           </p:cNvPr>
@@ -2124,7 +2124,7 @@
           <p:cNvPr id="4" name="Espace réservé du numéro de diapositive 3">
             <a:extLst>
               <a:ext uri="{FF2B5EF4-FFF2-40B4-BE49-F238E27FC236}">
-                <a16:creationId xmlns="" xmlns:a16="http://schemas.microsoft.com/office/drawing/2014/main" id="{E0A8A0DA-4A70-4F32-B7EC-5FC0074EA831}"/>
+                <a16:creationId xmlns:a16="http://schemas.microsoft.com/office/drawing/2014/main" xmlns="" id="{E0A8A0DA-4A70-4F32-B7EC-5FC0074EA831}"/>
               </a:ext>
             </a:extLst>
           </p:cNvPr>
@@ -2183,7 +2183,7 @@
           <p:cNvPr id="2" name="Titre 1">
             <a:extLst>
               <a:ext uri="{FF2B5EF4-FFF2-40B4-BE49-F238E27FC236}">
-                <a16:creationId xmlns="" xmlns:a16="http://schemas.microsoft.com/office/drawing/2014/main" id="{934C31A5-A2B3-4711-899C-898990CBEF3E}"/>
+                <a16:creationId xmlns:a16="http://schemas.microsoft.com/office/drawing/2014/main" xmlns="" id="{934C31A5-A2B3-4711-899C-898990CBEF3E}"/>
               </a:ext>
             </a:extLst>
           </p:cNvPr>
@@ -2220,7 +2220,7 @@
           <p:cNvPr id="3" name="Espace réservé du contenu 2">
             <a:extLst>
               <a:ext uri="{FF2B5EF4-FFF2-40B4-BE49-F238E27FC236}">
-                <a16:creationId xmlns="" xmlns:a16="http://schemas.microsoft.com/office/drawing/2014/main" id="{0F0BFFE1-EB71-4FC3-A2EF-1753084B1D41}"/>
+                <a16:creationId xmlns:a16="http://schemas.microsoft.com/office/drawing/2014/main" xmlns="" id="{0F0BFFE1-EB71-4FC3-A2EF-1753084B1D41}"/>
               </a:ext>
             </a:extLst>
           </p:cNvPr>
@@ -2310,7 +2310,7 @@
           <p:cNvPr id="4" name="Espace réservé du texte 3">
             <a:extLst>
               <a:ext uri="{FF2B5EF4-FFF2-40B4-BE49-F238E27FC236}">
-                <a16:creationId xmlns="" xmlns:a16="http://schemas.microsoft.com/office/drawing/2014/main" id="{8AFAC3A3-9044-4877-9539-7B2F175B5D5B}"/>
+                <a16:creationId xmlns:a16="http://schemas.microsoft.com/office/drawing/2014/main" xmlns="" id="{8AFAC3A3-9044-4877-9539-7B2F175B5D5B}"/>
               </a:ext>
             </a:extLst>
           </p:cNvPr>
@@ -2381,7 +2381,7 @@
           <p:cNvPr id="5" name="Espace réservé de la date 4">
             <a:extLst>
               <a:ext uri="{FF2B5EF4-FFF2-40B4-BE49-F238E27FC236}">
-                <a16:creationId xmlns="" xmlns:a16="http://schemas.microsoft.com/office/drawing/2014/main" id="{4887D2A8-0917-48C2-82A8-5C7AFCC5F054}"/>
+                <a16:creationId xmlns:a16="http://schemas.microsoft.com/office/drawing/2014/main" xmlns="" id="{4887D2A8-0917-48C2-82A8-5C7AFCC5F054}"/>
               </a:ext>
             </a:extLst>
           </p:cNvPr>
@@ -2410,7 +2410,7 @@
           <p:cNvPr id="6" name="Espace réservé du pied de page 5">
             <a:extLst>
               <a:ext uri="{FF2B5EF4-FFF2-40B4-BE49-F238E27FC236}">
-                <a16:creationId xmlns="" xmlns:a16="http://schemas.microsoft.com/office/drawing/2014/main" id="{355CF846-166A-45BD-9A78-4A9333466559}"/>
+                <a16:creationId xmlns:a16="http://schemas.microsoft.com/office/drawing/2014/main" xmlns="" id="{355CF846-166A-45BD-9A78-4A9333466559}"/>
               </a:ext>
             </a:extLst>
           </p:cNvPr>
@@ -2435,7 +2435,7 @@
           <p:cNvPr id="7" name="Espace réservé du numéro de diapositive 6">
             <a:extLst>
               <a:ext uri="{FF2B5EF4-FFF2-40B4-BE49-F238E27FC236}">
-                <a16:creationId xmlns="" xmlns:a16="http://schemas.microsoft.com/office/drawing/2014/main" id="{642116C1-1D10-4335-9084-FC4050E11191}"/>
+                <a16:creationId xmlns:a16="http://schemas.microsoft.com/office/drawing/2014/main" xmlns="" id="{642116C1-1D10-4335-9084-FC4050E11191}"/>
               </a:ext>
             </a:extLst>
           </p:cNvPr>
@@ -2494,7 +2494,7 @@
           <p:cNvPr id="2" name="Titre 1">
             <a:extLst>
               <a:ext uri="{FF2B5EF4-FFF2-40B4-BE49-F238E27FC236}">
-                <a16:creationId xmlns="" xmlns:a16="http://schemas.microsoft.com/office/drawing/2014/main" id="{B6BC3A09-0062-4D06-B5A6-B8B199BAA8EA}"/>
+                <a16:creationId xmlns:a16="http://schemas.microsoft.com/office/drawing/2014/main" xmlns="" id="{B6BC3A09-0062-4D06-B5A6-B8B199BAA8EA}"/>
               </a:ext>
             </a:extLst>
           </p:cNvPr>
@@ -2531,7 +2531,7 @@
           <p:cNvPr id="3" name="Espace réservé pour une image  2">
             <a:extLst>
               <a:ext uri="{FF2B5EF4-FFF2-40B4-BE49-F238E27FC236}">
-                <a16:creationId xmlns="" xmlns:a16="http://schemas.microsoft.com/office/drawing/2014/main" id="{5228A083-8F19-43A8-B10D-CA4DCDB2B889}"/>
+                <a16:creationId xmlns:a16="http://schemas.microsoft.com/office/drawing/2014/main" xmlns="" id="{5228A083-8F19-43A8-B10D-CA4DCDB2B889}"/>
               </a:ext>
             </a:extLst>
           </p:cNvPr>
@@ -2598,7 +2598,7 @@
           <p:cNvPr id="4" name="Espace réservé du texte 3">
             <a:extLst>
               <a:ext uri="{FF2B5EF4-FFF2-40B4-BE49-F238E27FC236}">
-                <a16:creationId xmlns="" xmlns:a16="http://schemas.microsoft.com/office/drawing/2014/main" id="{98149A16-C9A2-470D-9B12-C59C5C935CC1}"/>
+                <a16:creationId xmlns:a16="http://schemas.microsoft.com/office/drawing/2014/main" xmlns="" id="{98149A16-C9A2-470D-9B12-C59C5C935CC1}"/>
               </a:ext>
             </a:extLst>
           </p:cNvPr>
@@ -2669,7 +2669,7 @@
           <p:cNvPr id="5" name="Espace réservé de la date 4">
             <a:extLst>
               <a:ext uri="{FF2B5EF4-FFF2-40B4-BE49-F238E27FC236}">
-                <a16:creationId xmlns="" xmlns:a16="http://schemas.microsoft.com/office/drawing/2014/main" id="{B52379AF-EA13-4738-B230-C0BC6CDD6DAA}"/>
+                <a16:creationId xmlns:a16="http://schemas.microsoft.com/office/drawing/2014/main" xmlns="" id="{B52379AF-EA13-4738-B230-C0BC6CDD6DAA}"/>
               </a:ext>
             </a:extLst>
           </p:cNvPr>
@@ -2698,7 +2698,7 @@
           <p:cNvPr id="6" name="Espace réservé du pied de page 5">
             <a:extLst>
               <a:ext uri="{FF2B5EF4-FFF2-40B4-BE49-F238E27FC236}">
-                <a16:creationId xmlns="" xmlns:a16="http://schemas.microsoft.com/office/drawing/2014/main" id="{83C351C0-0349-406E-8511-DC94FF0D26B7}"/>
+                <a16:creationId xmlns:a16="http://schemas.microsoft.com/office/drawing/2014/main" xmlns="" id="{83C351C0-0349-406E-8511-DC94FF0D26B7}"/>
               </a:ext>
             </a:extLst>
           </p:cNvPr>
@@ -2723,7 +2723,7 @@
           <p:cNvPr id="7" name="Espace réservé du numéro de diapositive 6">
             <a:extLst>
               <a:ext uri="{FF2B5EF4-FFF2-40B4-BE49-F238E27FC236}">
-                <a16:creationId xmlns="" xmlns:a16="http://schemas.microsoft.com/office/drawing/2014/main" id="{485DDF73-D666-4CF6-97B1-9435E7D10AAA}"/>
+                <a16:creationId xmlns:a16="http://schemas.microsoft.com/office/drawing/2014/main" xmlns="" id="{485DDF73-D666-4CF6-97B1-9435E7D10AAA}"/>
               </a:ext>
             </a:extLst>
           </p:cNvPr>
@@ -2787,7 +2787,7 @@
           <p:cNvPr id="2" name="Espace réservé du titre 1">
             <a:extLst>
               <a:ext uri="{FF2B5EF4-FFF2-40B4-BE49-F238E27FC236}">
-                <a16:creationId xmlns="" xmlns:a16="http://schemas.microsoft.com/office/drawing/2014/main" id="{0FAA5F44-8926-48ED-913B-604FAFC98236}"/>
+                <a16:creationId xmlns:a16="http://schemas.microsoft.com/office/drawing/2014/main" xmlns="" id="{0FAA5F44-8926-48ED-913B-604FAFC98236}"/>
               </a:ext>
             </a:extLst>
           </p:cNvPr>
@@ -2825,7 +2825,7 @@
           <p:cNvPr id="3" name="Espace réservé du texte 2">
             <a:extLst>
               <a:ext uri="{FF2B5EF4-FFF2-40B4-BE49-F238E27FC236}">
-                <a16:creationId xmlns="" xmlns:a16="http://schemas.microsoft.com/office/drawing/2014/main" id="{ADA217A9-9A5A-4CBD-8944-790C9D0F19AF}"/>
+                <a16:creationId xmlns:a16="http://schemas.microsoft.com/office/drawing/2014/main" xmlns="" id="{ADA217A9-9A5A-4CBD-8944-790C9D0F19AF}"/>
               </a:ext>
             </a:extLst>
           </p:cNvPr>
@@ -2892,7 +2892,7 @@
           <p:cNvPr id="4" name="Espace réservé de la date 3">
             <a:extLst>
               <a:ext uri="{FF2B5EF4-FFF2-40B4-BE49-F238E27FC236}">
-                <a16:creationId xmlns="" xmlns:a16="http://schemas.microsoft.com/office/drawing/2014/main" id="{4BFCA85C-4F2C-4FDD-9DA7-516F7299B46F}"/>
+                <a16:creationId xmlns:a16="http://schemas.microsoft.com/office/drawing/2014/main" xmlns="" id="{4BFCA85C-4F2C-4FDD-9DA7-516F7299B46F}"/>
               </a:ext>
             </a:extLst>
           </p:cNvPr>
@@ -2939,7 +2939,7 @@
           <p:cNvPr id="5" name="Espace réservé du pied de page 4">
             <a:extLst>
               <a:ext uri="{FF2B5EF4-FFF2-40B4-BE49-F238E27FC236}">
-                <a16:creationId xmlns="" xmlns:a16="http://schemas.microsoft.com/office/drawing/2014/main" id="{7C24F75F-0BD9-419D-AB28-F84F2CA3DCF5}"/>
+                <a16:creationId xmlns:a16="http://schemas.microsoft.com/office/drawing/2014/main" xmlns="" id="{7C24F75F-0BD9-419D-AB28-F84F2CA3DCF5}"/>
               </a:ext>
             </a:extLst>
           </p:cNvPr>
@@ -2982,7 +2982,7 @@
           <p:cNvPr id="6" name="Espace réservé du numéro de diapositive 5">
             <a:extLst>
               <a:ext uri="{FF2B5EF4-FFF2-40B4-BE49-F238E27FC236}">
-                <a16:creationId xmlns="" xmlns:a16="http://schemas.microsoft.com/office/drawing/2014/main" id="{F38AD347-4A22-4C19-8A50-0B5A99C692D6}"/>
+                <a16:creationId xmlns:a16="http://schemas.microsoft.com/office/drawing/2014/main" xmlns="" id="{F38AD347-4A22-4C19-8A50-0B5A99C692D6}"/>
               </a:ext>
             </a:extLst>
           </p:cNvPr>
@@ -3350,7 +3350,7 @@
           <p:cNvPr id="4" name="ZoneTexte 3">
             <a:extLst>
               <a:ext uri="{FF2B5EF4-FFF2-40B4-BE49-F238E27FC236}">
-                <a16:creationId xmlns="" xmlns:a16="http://schemas.microsoft.com/office/drawing/2014/main" id="{C04AC1F7-66BC-45AD-B9DA-35565D22FC3D}"/>
+                <a16:creationId xmlns:a16="http://schemas.microsoft.com/office/drawing/2014/main" xmlns="" id="{C04AC1F7-66BC-45AD-B9DA-35565D22FC3D}"/>
               </a:ext>
             </a:extLst>
           </p:cNvPr>
@@ -3478,7 +3478,7 @@
           <p:cNvPr id="6" name="Connecteur droit 5">
             <a:extLst>
               <a:ext uri="{FF2B5EF4-FFF2-40B4-BE49-F238E27FC236}">
-                <a16:creationId xmlns="" xmlns:a16="http://schemas.microsoft.com/office/drawing/2014/main" id="{20DC168E-E1D3-4652-956D-060CA6E6533A}"/>
+                <a16:creationId xmlns:a16="http://schemas.microsoft.com/office/drawing/2014/main" xmlns="" id="{20DC168E-E1D3-4652-956D-060CA6E6533A}"/>
               </a:ext>
             </a:extLst>
           </p:cNvPr>
@@ -3514,7 +3514,7 @@
           <p:cNvPr id="1028" name="Picture 4" descr="RÃ©sultat de recherche d'images pour &quot;uga&quot;">
             <a:extLst>
               <a:ext uri="{FF2B5EF4-FFF2-40B4-BE49-F238E27FC236}">
-                <a16:creationId xmlns="" xmlns:a16="http://schemas.microsoft.com/office/drawing/2014/main" id="{0BF0A0EB-4839-4F8B-BCF6-D177A166677D}"/>
+                <a16:creationId xmlns:a16="http://schemas.microsoft.com/office/drawing/2014/main" xmlns="" id="{0BF0A0EB-4839-4F8B-BCF6-D177A166677D}"/>
               </a:ext>
             </a:extLst>
           </p:cNvPr>
@@ -3561,7 +3561,7 @@
           <p:cNvPr id="2" name="ZoneTexte 1">
             <a:extLst>
               <a:ext uri="{FF2B5EF4-FFF2-40B4-BE49-F238E27FC236}">
-                <a16:creationId xmlns="" xmlns:a16="http://schemas.microsoft.com/office/drawing/2014/main" id="{91194ABD-5326-4623-8719-6EC600089264}"/>
+                <a16:creationId xmlns:a16="http://schemas.microsoft.com/office/drawing/2014/main" xmlns="" id="{91194ABD-5326-4623-8719-6EC600089264}"/>
               </a:ext>
             </a:extLst>
           </p:cNvPr>
@@ -3637,6 +3637,13 @@
   <p:clrMapOvr>
     <a:masterClrMapping/>
   </p:clrMapOvr>
+  <p:timing>
+    <p:tnLst>
+      <p:par>
+        <p:cTn id="1" dur="indefinite" restart="never" nodeType="tmRoot"/>
+      </p:par>
+    </p:tnLst>
+  </p:timing>
 </p:sld>
 </file>
 
@@ -3662,7 +3669,7 @@
           <p:cNvPr id="10" name="Picture 4" descr="RÃ©sultat de recherche d'images pour &quot;uga&quot;">
             <a:extLst>
               <a:ext uri="{FF2B5EF4-FFF2-40B4-BE49-F238E27FC236}">
-                <a16:creationId xmlns:a16="http://schemas.microsoft.com/office/drawing/2014/main" xmlns="" id="{45159814-FD32-4012-9694-D110A593A367}"/>
+                <a16:creationId xmlns="" xmlns:a16="http://schemas.microsoft.com/office/drawing/2014/main" id="{45159814-FD32-4012-9694-D110A593A367}"/>
               </a:ext>
             </a:extLst>
           </p:cNvPr>
@@ -3709,7 +3716,7 @@
           <p:cNvPr id="53" name="ZoneTexte 52">
             <a:extLst>
               <a:ext uri="{FF2B5EF4-FFF2-40B4-BE49-F238E27FC236}">
-                <a16:creationId xmlns:a16="http://schemas.microsoft.com/office/drawing/2014/main" xmlns="" id="{486036A8-D81C-40F9-98BE-042B285741F3}"/>
+                <a16:creationId xmlns="" xmlns:a16="http://schemas.microsoft.com/office/drawing/2014/main" id="{486036A8-D81C-40F9-98BE-042B285741F3}"/>
               </a:ext>
             </a:extLst>
           </p:cNvPr>
@@ -3905,7 +3912,7 @@
           <p:cNvPr id="19" name="Groupe 18">
             <a:extLst>
               <a:ext uri="{FF2B5EF4-FFF2-40B4-BE49-F238E27FC236}">
-                <a16:creationId xmlns:a16="http://schemas.microsoft.com/office/drawing/2014/main" xmlns="" id="{93799E7A-2DFE-4762-AF90-C3410A1148AE}"/>
+                <a16:creationId xmlns="" xmlns:a16="http://schemas.microsoft.com/office/drawing/2014/main" id="{93799E7A-2DFE-4762-AF90-C3410A1148AE}"/>
               </a:ext>
             </a:extLst>
           </p:cNvPr>
@@ -3925,7 +3932,7 @@
             <p:cNvPr id="20" name="Connecteur droit 19">
               <a:extLst>
                 <a:ext uri="{FF2B5EF4-FFF2-40B4-BE49-F238E27FC236}">
-                  <a16:creationId xmlns:a16="http://schemas.microsoft.com/office/drawing/2014/main" xmlns="" id="{0D958259-2332-4D5E-A898-61EC2EF804A9}"/>
+                  <a16:creationId xmlns="" xmlns:a16="http://schemas.microsoft.com/office/drawing/2014/main" id="{0D958259-2332-4D5E-A898-61EC2EF804A9}"/>
                 </a:ext>
               </a:extLst>
             </p:cNvPr>
@@ -3968,7 +3975,7 @@
             <p:cNvPr id="21" name="ZoneTexte 20">
               <a:extLst>
                 <a:ext uri="{FF2B5EF4-FFF2-40B4-BE49-F238E27FC236}">
-                  <a16:creationId xmlns:a16="http://schemas.microsoft.com/office/drawing/2014/main" xmlns="" id="{C2E08385-BAF9-4FDF-8E28-8EE7E0227114}"/>
+                  <a16:creationId xmlns="" xmlns:a16="http://schemas.microsoft.com/office/drawing/2014/main" id="{C2E08385-BAF9-4FDF-8E28-8EE7E0227114}"/>
                 </a:ext>
               </a:extLst>
             </p:cNvPr>
@@ -4012,7 +4019,7 @@
           <p:cNvPr id="22" name="Rectangle 21">
             <a:extLst>
               <a:ext uri="{FF2B5EF4-FFF2-40B4-BE49-F238E27FC236}">
-                <a16:creationId xmlns:a16="http://schemas.microsoft.com/office/drawing/2014/main" xmlns="" id="{0C3CA151-AB30-44D4-89DF-2892828A8829}"/>
+                <a16:creationId xmlns="" xmlns:a16="http://schemas.microsoft.com/office/drawing/2014/main" id="{0C3CA151-AB30-44D4-89DF-2892828A8829}"/>
               </a:ext>
             </a:extLst>
           </p:cNvPr>
@@ -4059,7 +4066,7 @@
           <a:p>
             <a:pPr algn="ctr"/>
             <a:r>
-              <a:rPr lang="fr-FR" sz="2800" b="1" dirty="0">
+              <a:rPr lang="fr-FR" sz="2800" b="1" dirty="0" smtClean="0">
                 <a:solidFill>
                   <a:schemeClr val="tx1">
                     <a:lumMod val="95000"/>
@@ -4068,8 +4075,17 @@
                 </a:solidFill>
                 <a:latin typeface="Abadi Extra Light" panose="020B0204020104020204" pitchFamily="34" charset="0"/>
               </a:rPr>
-              <a:t>3</a:t>
-            </a:r>
+              <a:t>10</a:t>
+            </a:r>
+            <a:endParaRPr lang="fr-FR" sz="2800" b="1" dirty="0">
+              <a:solidFill>
+                <a:schemeClr val="tx1">
+                  <a:lumMod val="95000"/>
+                  <a:lumOff val="5000"/>
+                </a:schemeClr>
+              </a:solidFill>
+              <a:latin typeface="Abadi Extra Light" panose="020B0204020104020204" pitchFamily="34" charset="0"/>
+            </a:endParaRPr>
           </a:p>
         </p:txBody>
       </p:sp>
@@ -4092,7 +4108,7 @@
             <p:cNvPr id="38" name="ZoneTexte 1">
               <a:extLst>
                 <a:ext uri="{FF2B5EF4-FFF2-40B4-BE49-F238E27FC236}">
-                  <a16:creationId xmlns:a16="http://schemas.microsoft.com/office/drawing/2014/main" xmlns="" id="{91194ABD-5326-4623-8719-6EC600089264}"/>
+                  <a16:creationId xmlns="" xmlns:a16="http://schemas.microsoft.com/office/drawing/2014/main" id="{91194ABD-5326-4623-8719-6EC600089264}"/>
                 </a:ext>
               </a:extLst>
             </p:cNvPr>
@@ -4368,7 +4384,7 @@
           <p:cNvPr id="33" name="Image 3" descr="Une image contenant moniteur, ordinateur&#10;&#10;Description générée avec un niveau de confiance très élevé">
             <a:extLst>
               <a:ext uri="{FF2B5EF4-FFF2-40B4-BE49-F238E27FC236}">
-                <a16:creationId xmlns="" xmlns:a16="http://schemas.microsoft.com/office/drawing/2014/main" id="{073E7450-0931-417B-8062-AC307EBCB71D}"/>
+                <a16:creationId xmlns:a16="http://schemas.microsoft.com/office/drawing/2014/main" xmlns="" id="{073E7450-0931-417B-8062-AC307EBCB71D}"/>
               </a:ext>
             </a:extLst>
           </p:cNvPr>
@@ -4398,7 +4414,7 @@
           <p:cNvPr id="34" name="Groupe 22">
             <a:extLst>
               <a:ext uri="{FF2B5EF4-FFF2-40B4-BE49-F238E27FC236}">
-                <a16:creationId xmlns:a16="http://schemas.microsoft.com/office/drawing/2014/main" xmlns="" id="{3A92BEEB-A1E2-4C8A-BEAD-F49C6FBF1FAC}"/>
+                <a16:creationId xmlns="" xmlns:a16="http://schemas.microsoft.com/office/drawing/2014/main" id="{3A92BEEB-A1E2-4C8A-BEAD-F49C6FBF1FAC}"/>
               </a:ext>
             </a:extLst>
           </p:cNvPr>
@@ -4418,7 +4434,7 @@
             <p:cNvPr id="35" name="Groupe 23">
               <a:extLst>
                 <a:ext uri="{FF2B5EF4-FFF2-40B4-BE49-F238E27FC236}">
-                  <a16:creationId xmlns:a16="http://schemas.microsoft.com/office/drawing/2014/main" xmlns="" id="{46FBA561-CFA6-45B6-8ADE-0FB028A6F938}"/>
+                  <a16:creationId xmlns="" xmlns:a16="http://schemas.microsoft.com/office/drawing/2014/main" id="{46FBA561-CFA6-45B6-8ADE-0FB028A6F938}"/>
                 </a:ext>
               </a:extLst>
             </p:cNvPr>
@@ -4438,7 +4454,7 @@
               <p:cNvPr id="45" name="ZoneTexte 30">
                 <a:extLst>
                   <a:ext uri="{FF2B5EF4-FFF2-40B4-BE49-F238E27FC236}">
-                    <a16:creationId xmlns:a16="http://schemas.microsoft.com/office/drawing/2014/main" xmlns="" id="{10AA42D1-AA27-44F4-AC01-7E4C28651565}"/>
+                    <a16:creationId xmlns="" xmlns:a16="http://schemas.microsoft.com/office/drawing/2014/main" id="{10AA42D1-AA27-44F4-AC01-7E4C28651565}"/>
                   </a:ext>
                 </a:extLst>
               </p:cNvPr>
@@ -4491,7 +4507,7 @@
               <p:cNvPr id="46" name="Connecteur droit 31">
                 <a:extLst>
                   <a:ext uri="{FF2B5EF4-FFF2-40B4-BE49-F238E27FC236}">
-                    <a16:creationId xmlns:a16="http://schemas.microsoft.com/office/drawing/2014/main" xmlns="" id="{B20BCB14-5A20-422E-A06B-8178F7FF14F4}"/>
+                    <a16:creationId xmlns="" xmlns:a16="http://schemas.microsoft.com/office/drawing/2014/main" id="{B20BCB14-5A20-422E-A06B-8178F7FF14F4}"/>
                   </a:ext>
                 </a:extLst>
               </p:cNvPr>
@@ -4537,7 +4553,7 @@
             <p:cNvPr id="36" name="Groupe 24">
               <a:extLst>
                 <a:ext uri="{FF2B5EF4-FFF2-40B4-BE49-F238E27FC236}">
-                  <a16:creationId xmlns:a16="http://schemas.microsoft.com/office/drawing/2014/main" xmlns="" id="{E31F5622-A2BA-4298-9BD7-5978D11BF62B}"/>
+                  <a16:creationId xmlns="" xmlns:a16="http://schemas.microsoft.com/office/drawing/2014/main" id="{E31F5622-A2BA-4298-9BD7-5978D11BF62B}"/>
                 </a:ext>
               </a:extLst>
             </p:cNvPr>
@@ -4557,7 +4573,7 @@
               <p:cNvPr id="43" name="ZoneTexte 28">
                 <a:extLst>
                   <a:ext uri="{FF2B5EF4-FFF2-40B4-BE49-F238E27FC236}">
-                    <a16:creationId xmlns:a16="http://schemas.microsoft.com/office/drawing/2014/main" xmlns="" id="{AABC5411-A25E-4B14-9255-F4390BFAFD09}"/>
+                    <a16:creationId xmlns="" xmlns:a16="http://schemas.microsoft.com/office/drawing/2014/main" id="{AABC5411-A25E-4B14-9255-F4390BFAFD09}"/>
                   </a:ext>
                 </a:extLst>
               </p:cNvPr>
@@ -4600,7 +4616,7 @@
               <p:cNvPr id="44" name="Connecteur droit 29">
                 <a:extLst>
                   <a:ext uri="{FF2B5EF4-FFF2-40B4-BE49-F238E27FC236}">
-                    <a16:creationId xmlns:a16="http://schemas.microsoft.com/office/drawing/2014/main" xmlns="" id="{DBA493D9-EAD3-491E-944D-31C23DBA7812}"/>
+                    <a16:creationId xmlns="" xmlns:a16="http://schemas.microsoft.com/office/drawing/2014/main" id="{DBA493D9-EAD3-491E-944D-31C23DBA7812}"/>
                   </a:ext>
                 </a:extLst>
               </p:cNvPr>
@@ -4644,7 +4660,7 @@
             <p:cNvPr id="40" name="Groupe 25">
               <a:extLst>
                 <a:ext uri="{FF2B5EF4-FFF2-40B4-BE49-F238E27FC236}">
-                  <a16:creationId xmlns:a16="http://schemas.microsoft.com/office/drawing/2014/main" xmlns="" id="{C9532792-E619-4EBA-B95D-536C3466862B}"/>
+                  <a16:creationId xmlns="" xmlns:a16="http://schemas.microsoft.com/office/drawing/2014/main" id="{C9532792-E619-4EBA-B95D-536C3466862B}"/>
                 </a:ext>
               </a:extLst>
             </p:cNvPr>
@@ -4664,7 +4680,7 @@
               <p:cNvPr id="41" name="ZoneTexte 26">
                 <a:extLst>
                   <a:ext uri="{FF2B5EF4-FFF2-40B4-BE49-F238E27FC236}">
-                    <a16:creationId xmlns:a16="http://schemas.microsoft.com/office/drawing/2014/main" xmlns="" id="{DAE6088A-6F59-41E8-ADFB-C6E3A2ED5CFE}"/>
+                    <a16:creationId xmlns="" xmlns:a16="http://schemas.microsoft.com/office/drawing/2014/main" id="{DAE6088A-6F59-41E8-ADFB-C6E3A2ED5CFE}"/>
                   </a:ext>
                 </a:extLst>
               </p:cNvPr>
@@ -4717,7 +4733,7 @@
               <p:cNvPr id="42" name="Connecteur droit 27">
                 <a:extLst>
                   <a:ext uri="{FF2B5EF4-FFF2-40B4-BE49-F238E27FC236}">
-                    <a16:creationId xmlns:a16="http://schemas.microsoft.com/office/drawing/2014/main" xmlns="" id="{AC47ED8C-AE50-4C27-B399-2211690DBFDC}"/>
+                    <a16:creationId xmlns="" xmlns:a16="http://schemas.microsoft.com/office/drawing/2014/main" id="{AC47ED8C-AE50-4C27-B399-2211690DBFDC}"/>
                   </a:ext>
                 </a:extLst>
               </p:cNvPr>
@@ -4801,7 +4817,7 @@
           <p:cNvPr id="10" name="Picture 4" descr="RÃ©sultat de recherche d'images pour &quot;uga&quot;">
             <a:extLst>
               <a:ext uri="{FF2B5EF4-FFF2-40B4-BE49-F238E27FC236}">
-                <a16:creationId xmlns:a16="http://schemas.microsoft.com/office/drawing/2014/main" xmlns="" id="{45159814-FD32-4012-9694-D110A593A367}"/>
+                <a16:creationId xmlns="" xmlns:a16="http://schemas.microsoft.com/office/drawing/2014/main" id="{45159814-FD32-4012-9694-D110A593A367}"/>
               </a:ext>
             </a:extLst>
           </p:cNvPr>
@@ -4848,7 +4864,7 @@
           <p:cNvPr id="19" name="Groupe 18">
             <a:extLst>
               <a:ext uri="{FF2B5EF4-FFF2-40B4-BE49-F238E27FC236}">
-                <a16:creationId xmlns:a16="http://schemas.microsoft.com/office/drawing/2014/main" xmlns="" id="{93799E7A-2DFE-4762-AF90-C3410A1148AE}"/>
+                <a16:creationId xmlns="" xmlns:a16="http://schemas.microsoft.com/office/drawing/2014/main" id="{93799E7A-2DFE-4762-AF90-C3410A1148AE}"/>
               </a:ext>
             </a:extLst>
           </p:cNvPr>
@@ -4868,7 +4884,7 @@
             <p:cNvPr id="20" name="Connecteur droit 19">
               <a:extLst>
                 <a:ext uri="{FF2B5EF4-FFF2-40B4-BE49-F238E27FC236}">
-                  <a16:creationId xmlns:a16="http://schemas.microsoft.com/office/drawing/2014/main" xmlns="" id="{0D958259-2332-4D5E-A898-61EC2EF804A9}"/>
+                  <a16:creationId xmlns="" xmlns:a16="http://schemas.microsoft.com/office/drawing/2014/main" id="{0D958259-2332-4D5E-A898-61EC2EF804A9}"/>
                 </a:ext>
               </a:extLst>
             </p:cNvPr>
@@ -4911,7 +4927,7 @@
             <p:cNvPr id="21" name="ZoneTexte 20">
               <a:extLst>
                 <a:ext uri="{FF2B5EF4-FFF2-40B4-BE49-F238E27FC236}">
-                  <a16:creationId xmlns:a16="http://schemas.microsoft.com/office/drawing/2014/main" xmlns="" id="{C2E08385-BAF9-4FDF-8E28-8EE7E0227114}"/>
+                  <a16:creationId xmlns="" xmlns:a16="http://schemas.microsoft.com/office/drawing/2014/main" id="{C2E08385-BAF9-4FDF-8E28-8EE7E0227114}"/>
                 </a:ext>
               </a:extLst>
             </p:cNvPr>
@@ -4952,7 +4968,7 @@
           <p:cNvPr id="22" name="Rectangle 21">
             <a:extLst>
               <a:ext uri="{FF2B5EF4-FFF2-40B4-BE49-F238E27FC236}">
-                <a16:creationId xmlns:a16="http://schemas.microsoft.com/office/drawing/2014/main" xmlns="" id="{0C3CA151-AB30-44D4-89DF-2892828A8829}"/>
+                <a16:creationId xmlns="" xmlns:a16="http://schemas.microsoft.com/office/drawing/2014/main" id="{0C3CA151-AB30-44D4-89DF-2892828A8829}"/>
               </a:ext>
             </a:extLst>
           </p:cNvPr>
@@ -4999,7 +5015,7 @@
           <a:p>
             <a:pPr algn="ctr"/>
             <a:r>
-              <a:rPr lang="fr-FR" sz="2800" b="1" dirty="0">
+              <a:rPr lang="fr-FR" sz="2800" b="1" dirty="0" smtClean="0">
                 <a:solidFill>
                   <a:schemeClr val="tx1">
                     <a:lumMod val="95000"/>
@@ -5008,8 +5024,17 @@
                 </a:solidFill>
                 <a:latin typeface="Abadi Extra Light" panose="020B0204020104020204" pitchFamily="34" charset="0"/>
               </a:rPr>
-              <a:t>3</a:t>
-            </a:r>
+              <a:t>11</a:t>
+            </a:r>
+            <a:endParaRPr lang="fr-FR" sz="2800" b="1" dirty="0">
+              <a:solidFill>
+                <a:schemeClr val="tx1">
+                  <a:lumMod val="95000"/>
+                  <a:lumOff val="5000"/>
+                </a:schemeClr>
+              </a:solidFill>
+              <a:latin typeface="Abadi Extra Light" panose="020B0204020104020204" pitchFamily="34" charset="0"/>
+            </a:endParaRPr>
           </a:p>
         </p:txBody>
       </p:sp>
@@ -5032,7 +5057,7 @@
             <p:cNvPr id="38" name="ZoneTexte 1">
               <a:extLst>
                 <a:ext uri="{FF2B5EF4-FFF2-40B4-BE49-F238E27FC236}">
-                  <a16:creationId xmlns:a16="http://schemas.microsoft.com/office/drawing/2014/main" xmlns="" id="{91194ABD-5326-4623-8719-6EC600089264}"/>
+                  <a16:creationId xmlns="" xmlns:a16="http://schemas.microsoft.com/office/drawing/2014/main" id="{91194ABD-5326-4623-8719-6EC600089264}"/>
                 </a:ext>
               </a:extLst>
             </p:cNvPr>
@@ -5308,7 +5333,7 @@
           <p:cNvPr id="33" name="ZoneTexte 52">
             <a:extLst>
               <a:ext uri="{FF2B5EF4-FFF2-40B4-BE49-F238E27FC236}">
-                <a16:creationId xmlns="" xmlns:a16="http://schemas.microsoft.com/office/drawing/2014/main" id="{486036A8-D81C-40F9-98BE-042B285741F3}"/>
+                <a16:creationId xmlns:a16="http://schemas.microsoft.com/office/drawing/2014/main" xmlns="" id="{486036A8-D81C-40F9-98BE-042B285741F3}"/>
               </a:ext>
             </a:extLst>
           </p:cNvPr>
@@ -5791,7 +5816,7 @@
           <p:cNvPr id="34" name="Groupe 22">
             <a:extLst>
               <a:ext uri="{FF2B5EF4-FFF2-40B4-BE49-F238E27FC236}">
-                <a16:creationId xmlns:a16="http://schemas.microsoft.com/office/drawing/2014/main" xmlns="" id="{3A92BEEB-A1E2-4C8A-BEAD-F49C6FBF1FAC}"/>
+                <a16:creationId xmlns="" xmlns:a16="http://schemas.microsoft.com/office/drawing/2014/main" id="{3A92BEEB-A1E2-4C8A-BEAD-F49C6FBF1FAC}"/>
               </a:ext>
             </a:extLst>
           </p:cNvPr>
@@ -5811,7 +5836,7 @@
             <p:cNvPr id="35" name="Groupe 23">
               <a:extLst>
                 <a:ext uri="{FF2B5EF4-FFF2-40B4-BE49-F238E27FC236}">
-                  <a16:creationId xmlns:a16="http://schemas.microsoft.com/office/drawing/2014/main" xmlns="" id="{46FBA561-CFA6-45B6-8ADE-0FB028A6F938}"/>
+                  <a16:creationId xmlns="" xmlns:a16="http://schemas.microsoft.com/office/drawing/2014/main" id="{46FBA561-CFA6-45B6-8ADE-0FB028A6F938}"/>
                 </a:ext>
               </a:extLst>
             </p:cNvPr>
@@ -5831,7 +5856,7 @@
               <p:cNvPr id="45" name="ZoneTexte 30">
                 <a:extLst>
                   <a:ext uri="{FF2B5EF4-FFF2-40B4-BE49-F238E27FC236}">
-                    <a16:creationId xmlns:a16="http://schemas.microsoft.com/office/drawing/2014/main" xmlns="" id="{10AA42D1-AA27-44F4-AC01-7E4C28651565}"/>
+                    <a16:creationId xmlns="" xmlns:a16="http://schemas.microsoft.com/office/drawing/2014/main" id="{10AA42D1-AA27-44F4-AC01-7E4C28651565}"/>
                   </a:ext>
                 </a:extLst>
               </p:cNvPr>
@@ -5884,7 +5909,7 @@
               <p:cNvPr id="46" name="Connecteur droit 31">
                 <a:extLst>
                   <a:ext uri="{FF2B5EF4-FFF2-40B4-BE49-F238E27FC236}">
-                    <a16:creationId xmlns:a16="http://schemas.microsoft.com/office/drawing/2014/main" xmlns="" id="{B20BCB14-5A20-422E-A06B-8178F7FF14F4}"/>
+                    <a16:creationId xmlns="" xmlns:a16="http://schemas.microsoft.com/office/drawing/2014/main" id="{B20BCB14-5A20-422E-A06B-8178F7FF14F4}"/>
                   </a:ext>
                 </a:extLst>
               </p:cNvPr>
@@ -5930,7 +5955,7 @@
             <p:cNvPr id="36" name="Groupe 24">
               <a:extLst>
                 <a:ext uri="{FF2B5EF4-FFF2-40B4-BE49-F238E27FC236}">
-                  <a16:creationId xmlns:a16="http://schemas.microsoft.com/office/drawing/2014/main" xmlns="" id="{E31F5622-A2BA-4298-9BD7-5978D11BF62B}"/>
+                  <a16:creationId xmlns="" xmlns:a16="http://schemas.microsoft.com/office/drawing/2014/main" id="{E31F5622-A2BA-4298-9BD7-5978D11BF62B}"/>
                 </a:ext>
               </a:extLst>
             </p:cNvPr>
@@ -5950,7 +5975,7 @@
               <p:cNvPr id="43" name="ZoneTexte 28">
                 <a:extLst>
                   <a:ext uri="{FF2B5EF4-FFF2-40B4-BE49-F238E27FC236}">
-                    <a16:creationId xmlns:a16="http://schemas.microsoft.com/office/drawing/2014/main" xmlns="" id="{AABC5411-A25E-4B14-9255-F4390BFAFD09}"/>
+                    <a16:creationId xmlns="" xmlns:a16="http://schemas.microsoft.com/office/drawing/2014/main" id="{AABC5411-A25E-4B14-9255-F4390BFAFD09}"/>
                   </a:ext>
                 </a:extLst>
               </p:cNvPr>
@@ -5993,7 +6018,7 @@
               <p:cNvPr id="44" name="Connecteur droit 29">
                 <a:extLst>
                   <a:ext uri="{FF2B5EF4-FFF2-40B4-BE49-F238E27FC236}">
-                    <a16:creationId xmlns:a16="http://schemas.microsoft.com/office/drawing/2014/main" xmlns="" id="{DBA493D9-EAD3-491E-944D-31C23DBA7812}"/>
+                    <a16:creationId xmlns="" xmlns:a16="http://schemas.microsoft.com/office/drawing/2014/main" id="{DBA493D9-EAD3-491E-944D-31C23DBA7812}"/>
                   </a:ext>
                 </a:extLst>
               </p:cNvPr>
@@ -6037,7 +6062,7 @@
             <p:cNvPr id="40" name="Groupe 25">
               <a:extLst>
                 <a:ext uri="{FF2B5EF4-FFF2-40B4-BE49-F238E27FC236}">
-                  <a16:creationId xmlns:a16="http://schemas.microsoft.com/office/drawing/2014/main" xmlns="" id="{C9532792-E619-4EBA-B95D-536C3466862B}"/>
+                  <a16:creationId xmlns="" xmlns:a16="http://schemas.microsoft.com/office/drawing/2014/main" id="{C9532792-E619-4EBA-B95D-536C3466862B}"/>
                 </a:ext>
               </a:extLst>
             </p:cNvPr>
@@ -6057,7 +6082,7 @@
               <p:cNvPr id="41" name="ZoneTexte 26">
                 <a:extLst>
                   <a:ext uri="{FF2B5EF4-FFF2-40B4-BE49-F238E27FC236}">
-                    <a16:creationId xmlns:a16="http://schemas.microsoft.com/office/drawing/2014/main" xmlns="" id="{DAE6088A-6F59-41E8-ADFB-C6E3A2ED5CFE}"/>
+                    <a16:creationId xmlns="" xmlns:a16="http://schemas.microsoft.com/office/drawing/2014/main" id="{DAE6088A-6F59-41E8-ADFB-C6E3A2ED5CFE}"/>
                   </a:ext>
                 </a:extLst>
               </p:cNvPr>
@@ -6110,7 +6135,7 @@
               <p:cNvPr id="42" name="Connecteur droit 27">
                 <a:extLst>
                   <a:ext uri="{FF2B5EF4-FFF2-40B4-BE49-F238E27FC236}">
-                    <a16:creationId xmlns:a16="http://schemas.microsoft.com/office/drawing/2014/main" xmlns="" id="{AC47ED8C-AE50-4C27-B399-2211690DBFDC}"/>
+                    <a16:creationId xmlns="" xmlns:a16="http://schemas.microsoft.com/office/drawing/2014/main" id="{AC47ED8C-AE50-4C27-B399-2211690DBFDC}"/>
                   </a:ext>
                 </a:extLst>
               </p:cNvPr>
@@ -6194,7 +6219,7 @@
           <p:cNvPr id="10" name="Picture 4" descr="RÃ©sultat de recherche d'images pour &quot;uga&quot;">
             <a:extLst>
               <a:ext uri="{FF2B5EF4-FFF2-40B4-BE49-F238E27FC236}">
-                <a16:creationId xmlns:a16="http://schemas.microsoft.com/office/drawing/2014/main" xmlns="" id="{45159814-FD32-4012-9694-D110A593A367}"/>
+                <a16:creationId xmlns="" xmlns:a16="http://schemas.microsoft.com/office/drawing/2014/main" id="{45159814-FD32-4012-9694-D110A593A367}"/>
               </a:ext>
             </a:extLst>
           </p:cNvPr>
@@ -6241,7 +6266,7 @@
           <p:cNvPr id="53" name="ZoneTexte 52">
             <a:extLst>
               <a:ext uri="{FF2B5EF4-FFF2-40B4-BE49-F238E27FC236}">
-                <a16:creationId xmlns:a16="http://schemas.microsoft.com/office/drawing/2014/main" xmlns="" id="{486036A8-D81C-40F9-98BE-042B285741F3}"/>
+                <a16:creationId xmlns="" xmlns:a16="http://schemas.microsoft.com/office/drawing/2014/main" id="{486036A8-D81C-40F9-98BE-042B285741F3}"/>
               </a:ext>
             </a:extLst>
           </p:cNvPr>
@@ -6420,7 +6445,7 @@
           <p:cNvPr id="19" name="Groupe 18">
             <a:extLst>
               <a:ext uri="{FF2B5EF4-FFF2-40B4-BE49-F238E27FC236}">
-                <a16:creationId xmlns:a16="http://schemas.microsoft.com/office/drawing/2014/main" xmlns="" id="{93799E7A-2DFE-4762-AF90-C3410A1148AE}"/>
+                <a16:creationId xmlns="" xmlns:a16="http://schemas.microsoft.com/office/drawing/2014/main" id="{93799E7A-2DFE-4762-AF90-C3410A1148AE}"/>
               </a:ext>
             </a:extLst>
           </p:cNvPr>
@@ -6440,7 +6465,7 @@
             <p:cNvPr id="20" name="Connecteur droit 19">
               <a:extLst>
                 <a:ext uri="{FF2B5EF4-FFF2-40B4-BE49-F238E27FC236}">
-                  <a16:creationId xmlns:a16="http://schemas.microsoft.com/office/drawing/2014/main" xmlns="" id="{0D958259-2332-4D5E-A898-61EC2EF804A9}"/>
+                  <a16:creationId xmlns="" xmlns:a16="http://schemas.microsoft.com/office/drawing/2014/main" id="{0D958259-2332-4D5E-A898-61EC2EF804A9}"/>
                 </a:ext>
               </a:extLst>
             </p:cNvPr>
@@ -6483,7 +6508,7 @@
             <p:cNvPr id="21" name="ZoneTexte 20">
               <a:extLst>
                 <a:ext uri="{FF2B5EF4-FFF2-40B4-BE49-F238E27FC236}">
-                  <a16:creationId xmlns:a16="http://schemas.microsoft.com/office/drawing/2014/main" xmlns="" id="{C2E08385-BAF9-4FDF-8E28-8EE7E0227114}"/>
+                  <a16:creationId xmlns="" xmlns:a16="http://schemas.microsoft.com/office/drawing/2014/main" id="{C2E08385-BAF9-4FDF-8E28-8EE7E0227114}"/>
                 </a:ext>
               </a:extLst>
             </p:cNvPr>
@@ -6534,72 +6559,6 @@
           </p:txBody>
         </p:sp>
       </p:grpSp>
-      <p:sp>
-        <p:nvSpPr>
-          <p:cNvPr id="22" name="Rectangle 21">
-            <a:extLst>
-              <a:ext uri="{FF2B5EF4-FFF2-40B4-BE49-F238E27FC236}">
-                <a16:creationId xmlns:a16="http://schemas.microsoft.com/office/drawing/2014/main" xmlns="" id="{0C3CA151-AB30-44D4-89DF-2892828A8829}"/>
-              </a:ext>
-            </a:extLst>
-          </p:cNvPr>
-          <p:cNvSpPr/>
-          <p:nvPr/>
-        </p:nvSpPr>
-        <p:spPr>
-          <a:xfrm>
-            <a:off x="11569148" y="0"/>
-            <a:ext cx="622852" cy="851256"/>
-          </a:xfrm>
-          <a:prstGeom prst="rect">
-            <a:avLst/>
-          </a:prstGeom>
-          <a:noFill/>
-          <a:ln>
-            <a:solidFill>
-              <a:schemeClr val="tx1">
-                <a:lumMod val="75000"/>
-                <a:lumOff val="25000"/>
-              </a:schemeClr>
-            </a:solidFill>
-          </a:ln>
-        </p:spPr>
-        <p:style>
-          <a:lnRef idx="2">
-            <a:schemeClr val="accent1">
-              <a:shade val="50000"/>
-            </a:schemeClr>
-          </a:lnRef>
-          <a:fillRef idx="1">
-            <a:schemeClr val="accent1"/>
-          </a:fillRef>
-          <a:effectRef idx="0">
-            <a:schemeClr val="accent1"/>
-          </a:effectRef>
-          <a:fontRef idx="minor">
-            <a:schemeClr val="lt1"/>
-          </a:fontRef>
-        </p:style>
-        <p:txBody>
-          <a:bodyPr rtlCol="0" anchor="ctr"/>
-          <a:lstStyle/>
-          <a:p>
-            <a:pPr algn="ctr"/>
-            <a:r>
-              <a:rPr lang="fr-FR" sz="2800" b="1" dirty="0">
-                <a:solidFill>
-                  <a:schemeClr val="tx1">
-                    <a:lumMod val="95000"/>
-                    <a:lumOff val="5000"/>
-                  </a:schemeClr>
-                </a:solidFill>
-                <a:latin typeface="Abadi Extra Light" panose="020B0204020104020204" pitchFamily="34" charset="0"/>
-              </a:rPr>
-              <a:t>3</a:t>
-            </a:r>
-          </a:p>
-        </p:txBody>
-      </p:sp>
       <p:grpSp>
         <p:nvGrpSpPr>
           <p:cNvPr id="37" name="Group 36"/>
@@ -6619,7 +6578,7 @@
             <p:cNvPr id="38" name="ZoneTexte 1">
               <a:extLst>
                 <a:ext uri="{FF2B5EF4-FFF2-40B4-BE49-F238E27FC236}">
-                  <a16:creationId xmlns:a16="http://schemas.microsoft.com/office/drawing/2014/main" xmlns="" id="{91194ABD-5326-4623-8719-6EC600089264}"/>
+                  <a16:creationId xmlns="" xmlns:a16="http://schemas.microsoft.com/office/drawing/2014/main" id="{91194ABD-5326-4623-8719-6EC600089264}"/>
                 </a:ext>
               </a:extLst>
             </p:cNvPr>
@@ -6895,7 +6854,7 @@
           <p:cNvPr id="40" name="Groupe 22">
             <a:extLst>
               <a:ext uri="{FF2B5EF4-FFF2-40B4-BE49-F238E27FC236}">
-                <a16:creationId xmlns:a16="http://schemas.microsoft.com/office/drawing/2014/main" xmlns="" id="{3A92BEEB-A1E2-4C8A-BEAD-F49C6FBF1FAC}"/>
+                <a16:creationId xmlns="" xmlns:a16="http://schemas.microsoft.com/office/drawing/2014/main" id="{3A92BEEB-A1E2-4C8A-BEAD-F49C6FBF1FAC}"/>
               </a:ext>
             </a:extLst>
           </p:cNvPr>
@@ -6915,7 +6874,7 @@
             <p:cNvPr id="41" name="Groupe 23">
               <a:extLst>
                 <a:ext uri="{FF2B5EF4-FFF2-40B4-BE49-F238E27FC236}">
-                  <a16:creationId xmlns:a16="http://schemas.microsoft.com/office/drawing/2014/main" xmlns="" id="{46FBA561-CFA6-45B6-8ADE-0FB028A6F938}"/>
+                  <a16:creationId xmlns="" xmlns:a16="http://schemas.microsoft.com/office/drawing/2014/main" id="{46FBA561-CFA6-45B6-8ADE-0FB028A6F938}"/>
                 </a:ext>
               </a:extLst>
             </p:cNvPr>
@@ -6935,7 +6894,7 @@
               <p:cNvPr id="48" name="ZoneTexte 30">
                 <a:extLst>
                   <a:ext uri="{FF2B5EF4-FFF2-40B4-BE49-F238E27FC236}">
-                    <a16:creationId xmlns:a16="http://schemas.microsoft.com/office/drawing/2014/main" xmlns="" id="{10AA42D1-AA27-44F4-AC01-7E4C28651565}"/>
+                    <a16:creationId xmlns="" xmlns:a16="http://schemas.microsoft.com/office/drawing/2014/main" id="{10AA42D1-AA27-44F4-AC01-7E4C28651565}"/>
                   </a:ext>
                 </a:extLst>
               </p:cNvPr>
@@ -6988,7 +6947,7 @@
               <p:cNvPr id="49" name="Connecteur droit 31">
                 <a:extLst>
                   <a:ext uri="{FF2B5EF4-FFF2-40B4-BE49-F238E27FC236}">
-                    <a16:creationId xmlns:a16="http://schemas.microsoft.com/office/drawing/2014/main" xmlns="" id="{B20BCB14-5A20-422E-A06B-8178F7FF14F4}"/>
+                    <a16:creationId xmlns="" xmlns:a16="http://schemas.microsoft.com/office/drawing/2014/main" id="{B20BCB14-5A20-422E-A06B-8178F7FF14F4}"/>
                   </a:ext>
                 </a:extLst>
               </p:cNvPr>
@@ -7034,7 +6993,7 @@
             <p:cNvPr id="42" name="Groupe 24">
               <a:extLst>
                 <a:ext uri="{FF2B5EF4-FFF2-40B4-BE49-F238E27FC236}">
-                  <a16:creationId xmlns:a16="http://schemas.microsoft.com/office/drawing/2014/main" xmlns="" id="{E31F5622-A2BA-4298-9BD7-5978D11BF62B}"/>
+                  <a16:creationId xmlns="" xmlns:a16="http://schemas.microsoft.com/office/drawing/2014/main" id="{E31F5622-A2BA-4298-9BD7-5978D11BF62B}"/>
                 </a:ext>
               </a:extLst>
             </p:cNvPr>
@@ -7054,7 +7013,7 @@
               <p:cNvPr id="46" name="ZoneTexte 28">
                 <a:extLst>
                   <a:ext uri="{FF2B5EF4-FFF2-40B4-BE49-F238E27FC236}">
-                    <a16:creationId xmlns:a16="http://schemas.microsoft.com/office/drawing/2014/main" xmlns="" id="{AABC5411-A25E-4B14-9255-F4390BFAFD09}"/>
+                    <a16:creationId xmlns="" xmlns:a16="http://schemas.microsoft.com/office/drawing/2014/main" id="{AABC5411-A25E-4B14-9255-F4390BFAFD09}"/>
                   </a:ext>
                 </a:extLst>
               </p:cNvPr>
@@ -7097,7 +7056,7 @@
               <p:cNvPr id="47" name="Connecteur droit 29">
                 <a:extLst>
                   <a:ext uri="{FF2B5EF4-FFF2-40B4-BE49-F238E27FC236}">
-                    <a16:creationId xmlns:a16="http://schemas.microsoft.com/office/drawing/2014/main" xmlns="" id="{DBA493D9-EAD3-491E-944D-31C23DBA7812}"/>
+                    <a16:creationId xmlns="" xmlns:a16="http://schemas.microsoft.com/office/drawing/2014/main" id="{DBA493D9-EAD3-491E-944D-31C23DBA7812}"/>
                   </a:ext>
                 </a:extLst>
               </p:cNvPr>
@@ -7141,7 +7100,7 @@
             <p:cNvPr id="43" name="Groupe 25">
               <a:extLst>
                 <a:ext uri="{FF2B5EF4-FFF2-40B4-BE49-F238E27FC236}">
-                  <a16:creationId xmlns:a16="http://schemas.microsoft.com/office/drawing/2014/main" xmlns="" id="{C9532792-E619-4EBA-B95D-536C3466862B}"/>
+                  <a16:creationId xmlns="" xmlns:a16="http://schemas.microsoft.com/office/drawing/2014/main" id="{C9532792-E619-4EBA-B95D-536C3466862B}"/>
                 </a:ext>
               </a:extLst>
             </p:cNvPr>
@@ -7161,7 +7120,7 @@
               <p:cNvPr id="44" name="ZoneTexte 26">
                 <a:extLst>
                   <a:ext uri="{FF2B5EF4-FFF2-40B4-BE49-F238E27FC236}">
-                    <a16:creationId xmlns:a16="http://schemas.microsoft.com/office/drawing/2014/main" xmlns="" id="{DAE6088A-6F59-41E8-ADFB-C6E3A2ED5CFE}"/>
+                    <a16:creationId xmlns="" xmlns:a16="http://schemas.microsoft.com/office/drawing/2014/main" id="{DAE6088A-6F59-41E8-ADFB-C6E3A2ED5CFE}"/>
                   </a:ext>
                 </a:extLst>
               </p:cNvPr>
@@ -7214,7 +7173,7 @@
               <p:cNvPr id="45" name="Connecteur droit 27">
                 <a:extLst>
                   <a:ext uri="{FF2B5EF4-FFF2-40B4-BE49-F238E27FC236}">
-                    <a16:creationId xmlns:a16="http://schemas.microsoft.com/office/drawing/2014/main" xmlns="" id="{AC47ED8C-AE50-4C27-B399-2211690DBFDC}"/>
+                    <a16:creationId xmlns="" xmlns:a16="http://schemas.microsoft.com/office/drawing/2014/main" id="{AC47ED8C-AE50-4C27-B399-2211690DBFDC}"/>
                   </a:ext>
                 </a:extLst>
               </p:cNvPr>
@@ -7256,6 +7215,81 @@
           </p:cxnSp>
         </p:grpSp>
       </p:grpSp>
+      <p:sp>
+        <p:nvSpPr>
+          <p:cNvPr id="23" name="Rectangle 22">
+            <a:extLst>
+              <a:ext uri="{FF2B5EF4-FFF2-40B4-BE49-F238E27FC236}">
+                <a16:creationId xmlns="" xmlns:a16="http://schemas.microsoft.com/office/drawing/2014/main" id="{0C3CA151-AB30-44D4-89DF-2892828A8829}"/>
+              </a:ext>
+            </a:extLst>
+          </p:cNvPr>
+          <p:cNvSpPr/>
+          <p:nvPr/>
+        </p:nvSpPr>
+        <p:spPr>
+          <a:xfrm>
+            <a:off x="11553986" y="0"/>
+            <a:ext cx="638014" cy="851256"/>
+          </a:xfrm>
+          <a:prstGeom prst="rect">
+            <a:avLst/>
+          </a:prstGeom>
+          <a:noFill/>
+          <a:ln>
+            <a:solidFill>
+              <a:schemeClr val="tx1">
+                <a:lumMod val="75000"/>
+                <a:lumOff val="25000"/>
+              </a:schemeClr>
+            </a:solidFill>
+          </a:ln>
+        </p:spPr>
+        <p:style>
+          <a:lnRef idx="2">
+            <a:schemeClr val="accent1">
+              <a:shade val="50000"/>
+            </a:schemeClr>
+          </a:lnRef>
+          <a:fillRef idx="1">
+            <a:schemeClr val="accent1"/>
+          </a:fillRef>
+          <a:effectRef idx="0">
+            <a:schemeClr val="accent1"/>
+          </a:effectRef>
+          <a:fontRef idx="minor">
+            <a:schemeClr val="lt1"/>
+          </a:fontRef>
+        </p:style>
+        <p:txBody>
+          <a:bodyPr rtlCol="0" anchor="ctr"/>
+          <a:lstStyle/>
+          <a:p>
+            <a:pPr algn="ctr"/>
+            <a:r>
+              <a:rPr lang="fr-FR" sz="2800" b="1" dirty="0" smtClean="0">
+                <a:solidFill>
+                  <a:schemeClr val="tx1">
+                    <a:lumMod val="95000"/>
+                    <a:lumOff val="5000"/>
+                  </a:schemeClr>
+                </a:solidFill>
+                <a:latin typeface="Abadi Extra Light" panose="020B0204020104020204" pitchFamily="34" charset="0"/>
+              </a:rPr>
+              <a:t>12</a:t>
+            </a:r>
+            <a:endParaRPr lang="fr-FR" sz="2800" b="1" dirty="0">
+              <a:solidFill>
+                <a:schemeClr val="tx1">
+                  <a:lumMod val="95000"/>
+                  <a:lumOff val="5000"/>
+                </a:schemeClr>
+              </a:solidFill>
+              <a:latin typeface="Abadi Extra Light" panose="020B0204020104020204" pitchFamily="34" charset="0"/>
+            </a:endParaRPr>
+          </a:p>
+        </p:txBody>
+      </p:sp>
     </p:spTree>
     <p:extLst>
       <p:ext uri="{BB962C8B-B14F-4D97-AF65-F5344CB8AC3E}">
@@ -7298,7 +7332,7 @@
           <p:cNvPr id="10" name="Picture 4" descr="RÃ©sultat de recherche d'images pour &quot;uga&quot;">
             <a:extLst>
               <a:ext uri="{FF2B5EF4-FFF2-40B4-BE49-F238E27FC236}">
-                <a16:creationId xmlns:a16="http://schemas.microsoft.com/office/drawing/2014/main" xmlns="" id="{45159814-FD32-4012-9694-D110A593A367}"/>
+                <a16:creationId xmlns="" xmlns:a16="http://schemas.microsoft.com/office/drawing/2014/main" id="{45159814-FD32-4012-9694-D110A593A367}"/>
               </a:ext>
             </a:extLst>
           </p:cNvPr>
@@ -7345,7 +7379,7 @@
           <p:cNvPr id="53" name="ZoneTexte 52">
             <a:extLst>
               <a:ext uri="{FF2B5EF4-FFF2-40B4-BE49-F238E27FC236}">
-                <a16:creationId xmlns:a16="http://schemas.microsoft.com/office/drawing/2014/main" xmlns="" id="{486036A8-D81C-40F9-98BE-042B285741F3}"/>
+                <a16:creationId xmlns="" xmlns:a16="http://schemas.microsoft.com/office/drawing/2014/main" id="{486036A8-D81C-40F9-98BE-042B285741F3}"/>
               </a:ext>
             </a:extLst>
           </p:cNvPr>
@@ -7447,15 +7481,6 @@
               </a:rPr>
               <a:t>design</a:t>
             </a:r>
-            <a:endParaRPr lang="fr-FR" sz="2800" dirty="0" smtClean="0">
-              <a:solidFill>
-                <a:schemeClr val="tx1">
-                  <a:lumMod val="95000"/>
-                  <a:lumOff val="5000"/>
-                </a:schemeClr>
-              </a:solidFill>
-              <a:latin typeface="Abadi Extra Light" panose="020B0204020104020204" pitchFamily="34" charset="0"/>
-            </a:endParaRPr>
           </a:p>
           <a:p>
             <a:pPr marL="457200" indent="-457200" algn="just">
@@ -7596,7 +7621,7 @@
           <p:cNvPr id="19" name="Groupe 18">
             <a:extLst>
               <a:ext uri="{FF2B5EF4-FFF2-40B4-BE49-F238E27FC236}">
-                <a16:creationId xmlns:a16="http://schemas.microsoft.com/office/drawing/2014/main" xmlns="" id="{93799E7A-2DFE-4762-AF90-C3410A1148AE}"/>
+                <a16:creationId xmlns="" xmlns:a16="http://schemas.microsoft.com/office/drawing/2014/main" id="{93799E7A-2DFE-4762-AF90-C3410A1148AE}"/>
               </a:ext>
             </a:extLst>
           </p:cNvPr>
@@ -7616,7 +7641,7 @@
             <p:cNvPr id="20" name="Connecteur droit 19">
               <a:extLst>
                 <a:ext uri="{FF2B5EF4-FFF2-40B4-BE49-F238E27FC236}">
-                  <a16:creationId xmlns:a16="http://schemas.microsoft.com/office/drawing/2014/main" xmlns="" id="{0D958259-2332-4D5E-A898-61EC2EF804A9}"/>
+                  <a16:creationId xmlns="" xmlns:a16="http://schemas.microsoft.com/office/drawing/2014/main" id="{0D958259-2332-4D5E-A898-61EC2EF804A9}"/>
                 </a:ext>
               </a:extLst>
             </p:cNvPr>
@@ -7659,7 +7684,7 @@
             <p:cNvPr id="21" name="ZoneTexte 20">
               <a:extLst>
                 <a:ext uri="{FF2B5EF4-FFF2-40B4-BE49-F238E27FC236}">
-                  <a16:creationId xmlns:a16="http://schemas.microsoft.com/office/drawing/2014/main" xmlns="" id="{C2E08385-BAF9-4FDF-8E28-8EE7E0227114}"/>
+                  <a16:creationId xmlns="" xmlns:a16="http://schemas.microsoft.com/office/drawing/2014/main" id="{C2E08385-BAF9-4FDF-8E28-8EE7E0227114}"/>
                 </a:ext>
               </a:extLst>
             </p:cNvPr>
@@ -7698,72 +7723,6 @@
           </p:txBody>
         </p:sp>
       </p:grpSp>
-      <p:sp>
-        <p:nvSpPr>
-          <p:cNvPr id="22" name="Rectangle 21">
-            <a:extLst>
-              <a:ext uri="{FF2B5EF4-FFF2-40B4-BE49-F238E27FC236}">
-                <a16:creationId xmlns:a16="http://schemas.microsoft.com/office/drawing/2014/main" xmlns="" id="{0C3CA151-AB30-44D4-89DF-2892828A8829}"/>
-              </a:ext>
-            </a:extLst>
-          </p:cNvPr>
-          <p:cNvSpPr/>
-          <p:nvPr/>
-        </p:nvSpPr>
-        <p:spPr>
-          <a:xfrm>
-            <a:off x="11569148" y="0"/>
-            <a:ext cx="622852" cy="851256"/>
-          </a:xfrm>
-          <a:prstGeom prst="rect">
-            <a:avLst/>
-          </a:prstGeom>
-          <a:noFill/>
-          <a:ln>
-            <a:solidFill>
-              <a:schemeClr val="tx1">
-                <a:lumMod val="75000"/>
-                <a:lumOff val="25000"/>
-              </a:schemeClr>
-            </a:solidFill>
-          </a:ln>
-        </p:spPr>
-        <p:style>
-          <a:lnRef idx="2">
-            <a:schemeClr val="accent1">
-              <a:shade val="50000"/>
-            </a:schemeClr>
-          </a:lnRef>
-          <a:fillRef idx="1">
-            <a:schemeClr val="accent1"/>
-          </a:fillRef>
-          <a:effectRef idx="0">
-            <a:schemeClr val="accent1"/>
-          </a:effectRef>
-          <a:fontRef idx="minor">
-            <a:schemeClr val="lt1"/>
-          </a:fontRef>
-        </p:style>
-        <p:txBody>
-          <a:bodyPr rtlCol="0" anchor="ctr"/>
-          <a:lstStyle/>
-          <a:p>
-            <a:pPr algn="ctr"/>
-            <a:r>
-              <a:rPr lang="fr-FR" sz="2800" b="1" dirty="0">
-                <a:solidFill>
-                  <a:schemeClr val="tx1">
-                    <a:lumMod val="95000"/>
-                    <a:lumOff val="5000"/>
-                  </a:schemeClr>
-                </a:solidFill>
-                <a:latin typeface="Abadi Extra Light" panose="020B0204020104020204" pitchFamily="34" charset="0"/>
-              </a:rPr>
-              <a:t>3</a:t>
-            </a:r>
-          </a:p>
-        </p:txBody>
-      </p:sp>
       <p:grpSp>
         <p:nvGrpSpPr>
           <p:cNvPr id="37" name="Group 36"/>
@@ -7783,7 +7742,7 @@
             <p:cNvPr id="38" name="ZoneTexte 1">
               <a:extLst>
                 <a:ext uri="{FF2B5EF4-FFF2-40B4-BE49-F238E27FC236}">
-                  <a16:creationId xmlns:a16="http://schemas.microsoft.com/office/drawing/2014/main" xmlns="" id="{91194ABD-5326-4623-8719-6EC600089264}"/>
+                  <a16:creationId xmlns="" xmlns:a16="http://schemas.microsoft.com/office/drawing/2014/main" id="{91194ABD-5326-4623-8719-6EC600089264}"/>
                 </a:ext>
               </a:extLst>
             </p:cNvPr>
@@ -8059,7 +8018,7 @@
           <p:cNvPr id="40" name="Groupe 22">
             <a:extLst>
               <a:ext uri="{FF2B5EF4-FFF2-40B4-BE49-F238E27FC236}">
-                <a16:creationId xmlns:a16="http://schemas.microsoft.com/office/drawing/2014/main" xmlns="" id="{3A92BEEB-A1E2-4C8A-BEAD-F49C6FBF1FAC}"/>
+                <a16:creationId xmlns="" xmlns:a16="http://schemas.microsoft.com/office/drawing/2014/main" id="{3A92BEEB-A1E2-4C8A-BEAD-F49C6FBF1FAC}"/>
               </a:ext>
             </a:extLst>
           </p:cNvPr>
@@ -8079,7 +8038,7 @@
             <p:cNvPr id="41" name="Groupe 23">
               <a:extLst>
                 <a:ext uri="{FF2B5EF4-FFF2-40B4-BE49-F238E27FC236}">
-                  <a16:creationId xmlns:a16="http://schemas.microsoft.com/office/drawing/2014/main" xmlns="" id="{46FBA561-CFA6-45B6-8ADE-0FB028A6F938}"/>
+                  <a16:creationId xmlns="" xmlns:a16="http://schemas.microsoft.com/office/drawing/2014/main" id="{46FBA561-CFA6-45B6-8ADE-0FB028A6F938}"/>
                 </a:ext>
               </a:extLst>
             </p:cNvPr>
@@ -8099,7 +8058,7 @@
               <p:cNvPr id="48" name="ZoneTexte 30">
                 <a:extLst>
                   <a:ext uri="{FF2B5EF4-FFF2-40B4-BE49-F238E27FC236}">
-                    <a16:creationId xmlns:a16="http://schemas.microsoft.com/office/drawing/2014/main" xmlns="" id="{10AA42D1-AA27-44F4-AC01-7E4C28651565}"/>
+                    <a16:creationId xmlns="" xmlns:a16="http://schemas.microsoft.com/office/drawing/2014/main" id="{10AA42D1-AA27-44F4-AC01-7E4C28651565}"/>
                   </a:ext>
                 </a:extLst>
               </p:cNvPr>
@@ -8152,7 +8111,7 @@
               <p:cNvPr id="49" name="Connecteur droit 31">
                 <a:extLst>
                   <a:ext uri="{FF2B5EF4-FFF2-40B4-BE49-F238E27FC236}">
-                    <a16:creationId xmlns:a16="http://schemas.microsoft.com/office/drawing/2014/main" xmlns="" id="{B20BCB14-5A20-422E-A06B-8178F7FF14F4}"/>
+                    <a16:creationId xmlns="" xmlns:a16="http://schemas.microsoft.com/office/drawing/2014/main" id="{B20BCB14-5A20-422E-A06B-8178F7FF14F4}"/>
                   </a:ext>
                 </a:extLst>
               </p:cNvPr>
@@ -8198,7 +8157,7 @@
             <p:cNvPr id="42" name="Groupe 24">
               <a:extLst>
                 <a:ext uri="{FF2B5EF4-FFF2-40B4-BE49-F238E27FC236}">
-                  <a16:creationId xmlns:a16="http://schemas.microsoft.com/office/drawing/2014/main" xmlns="" id="{E31F5622-A2BA-4298-9BD7-5978D11BF62B}"/>
+                  <a16:creationId xmlns="" xmlns:a16="http://schemas.microsoft.com/office/drawing/2014/main" id="{E31F5622-A2BA-4298-9BD7-5978D11BF62B}"/>
                 </a:ext>
               </a:extLst>
             </p:cNvPr>
@@ -8218,7 +8177,7 @@
               <p:cNvPr id="46" name="ZoneTexte 28">
                 <a:extLst>
                   <a:ext uri="{FF2B5EF4-FFF2-40B4-BE49-F238E27FC236}">
-                    <a16:creationId xmlns:a16="http://schemas.microsoft.com/office/drawing/2014/main" xmlns="" id="{AABC5411-A25E-4B14-9255-F4390BFAFD09}"/>
+                    <a16:creationId xmlns="" xmlns:a16="http://schemas.microsoft.com/office/drawing/2014/main" id="{AABC5411-A25E-4B14-9255-F4390BFAFD09}"/>
                   </a:ext>
                 </a:extLst>
               </p:cNvPr>
@@ -8271,7 +8230,7 @@
               <p:cNvPr id="47" name="Connecteur droit 29">
                 <a:extLst>
                   <a:ext uri="{FF2B5EF4-FFF2-40B4-BE49-F238E27FC236}">
-                    <a16:creationId xmlns:a16="http://schemas.microsoft.com/office/drawing/2014/main" xmlns="" id="{DBA493D9-EAD3-491E-944D-31C23DBA7812}"/>
+                    <a16:creationId xmlns="" xmlns:a16="http://schemas.microsoft.com/office/drawing/2014/main" id="{DBA493D9-EAD3-491E-944D-31C23DBA7812}"/>
                   </a:ext>
                 </a:extLst>
               </p:cNvPr>
@@ -8317,7 +8276,7 @@
             <p:cNvPr id="43" name="Groupe 25">
               <a:extLst>
                 <a:ext uri="{FF2B5EF4-FFF2-40B4-BE49-F238E27FC236}">
-                  <a16:creationId xmlns:a16="http://schemas.microsoft.com/office/drawing/2014/main" xmlns="" id="{C9532792-E619-4EBA-B95D-536C3466862B}"/>
+                  <a16:creationId xmlns="" xmlns:a16="http://schemas.microsoft.com/office/drawing/2014/main" id="{C9532792-E619-4EBA-B95D-536C3466862B}"/>
                 </a:ext>
               </a:extLst>
             </p:cNvPr>
@@ -8337,7 +8296,7 @@
               <p:cNvPr id="44" name="ZoneTexte 26">
                 <a:extLst>
                   <a:ext uri="{FF2B5EF4-FFF2-40B4-BE49-F238E27FC236}">
-                    <a16:creationId xmlns:a16="http://schemas.microsoft.com/office/drawing/2014/main" xmlns="" id="{DAE6088A-6F59-41E8-ADFB-C6E3A2ED5CFE}"/>
+                    <a16:creationId xmlns="" xmlns:a16="http://schemas.microsoft.com/office/drawing/2014/main" id="{DAE6088A-6F59-41E8-ADFB-C6E3A2ED5CFE}"/>
                   </a:ext>
                 </a:extLst>
               </p:cNvPr>
@@ -8380,7 +8339,7 @@
               <p:cNvPr id="45" name="Connecteur droit 27">
                 <a:extLst>
                   <a:ext uri="{FF2B5EF4-FFF2-40B4-BE49-F238E27FC236}">
-                    <a16:creationId xmlns:a16="http://schemas.microsoft.com/office/drawing/2014/main" xmlns="" id="{AC47ED8C-AE50-4C27-B399-2211690DBFDC}"/>
+                    <a16:creationId xmlns="" xmlns:a16="http://schemas.microsoft.com/office/drawing/2014/main" id="{AC47ED8C-AE50-4C27-B399-2211690DBFDC}"/>
                   </a:ext>
                 </a:extLst>
               </p:cNvPr>
@@ -8420,6 +8379,81 @@
           </p:cxnSp>
         </p:grpSp>
       </p:grpSp>
+      <p:sp>
+        <p:nvSpPr>
+          <p:cNvPr id="23" name="Rectangle 22">
+            <a:extLst>
+              <a:ext uri="{FF2B5EF4-FFF2-40B4-BE49-F238E27FC236}">
+                <a16:creationId xmlns="" xmlns:a16="http://schemas.microsoft.com/office/drawing/2014/main" id="{0C3CA151-AB30-44D4-89DF-2892828A8829}"/>
+              </a:ext>
+            </a:extLst>
+          </p:cNvPr>
+          <p:cNvSpPr/>
+          <p:nvPr/>
+        </p:nvSpPr>
+        <p:spPr>
+          <a:xfrm>
+            <a:off x="11553986" y="0"/>
+            <a:ext cx="638014" cy="851256"/>
+          </a:xfrm>
+          <a:prstGeom prst="rect">
+            <a:avLst/>
+          </a:prstGeom>
+          <a:noFill/>
+          <a:ln>
+            <a:solidFill>
+              <a:schemeClr val="tx1">
+                <a:lumMod val="75000"/>
+                <a:lumOff val="25000"/>
+              </a:schemeClr>
+            </a:solidFill>
+          </a:ln>
+        </p:spPr>
+        <p:style>
+          <a:lnRef idx="2">
+            <a:schemeClr val="accent1">
+              <a:shade val="50000"/>
+            </a:schemeClr>
+          </a:lnRef>
+          <a:fillRef idx="1">
+            <a:schemeClr val="accent1"/>
+          </a:fillRef>
+          <a:effectRef idx="0">
+            <a:schemeClr val="accent1"/>
+          </a:effectRef>
+          <a:fontRef idx="minor">
+            <a:schemeClr val="lt1"/>
+          </a:fontRef>
+        </p:style>
+        <p:txBody>
+          <a:bodyPr rtlCol="0" anchor="ctr"/>
+          <a:lstStyle/>
+          <a:p>
+            <a:pPr algn="ctr"/>
+            <a:r>
+              <a:rPr lang="fr-FR" sz="2800" b="1" dirty="0" smtClean="0">
+                <a:solidFill>
+                  <a:schemeClr val="tx1">
+                    <a:lumMod val="95000"/>
+                    <a:lumOff val="5000"/>
+                  </a:schemeClr>
+                </a:solidFill>
+                <a:latin typeface="Abadi Extra Light" panose="020B0204020104020204" pitchFamily="34" charset="0"/>
+              </a:rPr>
+              <a:t>13</a:t>
+            </a:r>
+            <a:endParaRPr lang="fr-FR" sz="2800" b="1" dirty="0">
+              <a:solidFill>
+                <a:schemeClr val="tx1">
+                  <a:lumMod val="95000"/>
+                  <a:lumOff val="5000"/>
+                </a:schemeClr>
+              </a:solidFill>
+              <a:latin typeface="Abadi Extra Light" panose="020B0204020104020204" pitchFamily="34" charset="0"/>
+            </a:endParaRPr>
+          </a:p>
+        </p:txBody>
+      </p:sp>
     </p:spTree>
     <p:extLst>
       <p:ext uri="{BB962C8B-B14F-4D97-AF65-F5344CB8AC3E}">
@@ -8462,7 +8496,7 @@
           <p:cNvPr id="10" name="Picture 4" descr="RÃ©sultat de recherche d'images pour &quot;uga&quot;">
             <a:extLst>
               <a:ext uri="{FF2B5EF4-FFF2-40B4-BE49-F238E27FC236}">
-                <a16:creationId xmlns:a16="http://schemas.microsoft.com/office/drawing/2014/main" xmlns="" id="{45159814-FD32-4012-9694-D110A593A367}"/>
+                <a16:creationId xmlns="" xmlns:a16="http://schemas.microsoft.com/office/drawing/2014/main" id="{45159814-FD32-4012-9694-D110A593A367}"/>
               </a:ext>
             </a:extLst>
           </p:cNvPr>
@@ -8509,7 +8543,7 @@
           <p:cNvPr id="53" name="ZoneTexte 52">
             <a:extLst>
               <a:ext uri="{FF2B5EF4-FFF2-40B4-BE49-F238E27FC236}">
-                <a16:creationId xmlns:a16="http://schemas.microsoft.com/office/drawing/2014/main" xmlns="" id="{486036A8-D81C-40F9-98BE-042B285741F3}"/>
+                <a16:creationId xmlns="" xmlns:a16="http://schemas.microsoft.com/office/drawing/2014/main" id="{486036A8-D81C-40F9-98BE-042B285741F3}"/>
               </a:ext>
             </a:extLst>
           </p:cNvPr>
@@ -8790,7 +8824,7 @@
           <p:cNvPr id="19" name="Groupe 18">
             <a:extLst>
               <a:ext uri="{FF2B5EF4-FFF2-40B4-BE49-F238E27FC236}">
-                <a16:creationId xmlns:a16="http://schemas.microsoft.com/office/drawing/2014/main" xmlns="" id="{93799E7A-2DFE-4762-AF90-C3410A1148AE}"/>
+                <a16:creationId xmlns="" xmlns:a16="http://schemas.microsoft.com/office/drawing/2014/main" id="{93799E7A-2DFE-4762-AF90-C3410A1148AE}"/>
               </a:ext>
             </a:extLst>
           </p:cNvPr>
@@ -8810,7 +8844,7 @@
             <p:cNvPr id="20" name="Connecteur droit 19">
               <a:extLst>
                 <a:ext uri="{FF2B5EF4-FFF2-40B4-BE49-F238E27FC236}">
-                  <a16:creationId xmlns:a16="http://schemas.microsoft.com/office/drawing/2014/main" xmlns="" id="{0D958259-2332-4D5E-A898-61EC2EF804A9}"/>
+                  <a16:creationId xmlns="" xmlns:a16="http://schemas.microsoft.com/office/drawing/2014/main" id="{0D958259-2332-4D5E-A898-61EC2EF804A9}"/>
                 </a:ext>
               </a:extLst>
             </p:cNvPr>
@@ -8853,7 +8887,7 @@
             <p:cNvPr id="21" name="ZoneTexte 20">
               <a:extLst>
                 <a:ext uri="{FF2B5EF4-FFF2-40B4-BE49-F238E27FC236}">
-                  <a16:creationId xmlns:a16="http://schemas.microsoft.com/office/drawing/2014/main" xmlns="" id="{C2E08385-BAF9-4FDF-8E28-8EE7E0227114}"/>
+                  <a16:creationId xmlns="" xmlns:a16="http://schemas.microsoft.com/office/drawing/2014/main" id="{C2E08385-BAF9-4FDF-8E28-8EE7E0227114}"/>
                 </a:ext>
               </a:extLst>
             </p:cNvPr>
@@ -8898,72 +8932,6 @@
           </p:txBody>
         </p:sp>
       </p:grpSp>
-      <p:sp>
-        <p:nvSpPr>
-          <p:cNvPr id="22" name="Rectangle 21">
-            <a:extLst>
-              <a:ext uri="{FF2B5EF4-FFF2-40B4-BE49-F238E27FC236}">
-                <a16:creationId xmlns:a16="http://schemas.microsoft.com/office/drawing/2014/main" xmlns="" id="{0C3CA151-AB30-44D4-89DF-2892828A8829}"/>
-              </a:ext>
-            </a:extLst>
-          </p:cNvPr>
-          <p:cNvSpPr/>
-          <p:nvPr/>
-        </p:nvSpPr>
-        <p:spPr>
-          <a:xfrm>
-            <a:off x="11569148" y="0"/>
-            <a:ext cx="622852" cy="851256"/>
-          </a:xfrm>
-          <a:prstGeom prst="rect">
-            <a:avLst/>
-          </a:prstGeom>
-          <a:noFill/>
-          <a:ln>
-            <a:solidFill>
-              <a:schemeClr val="tx1">
-                <a:lumMod val="75000"/>
-                <a:lumOff val="25000"/>
-              </a:schemeClr>
-            </a:solidFill>
-          </a:ln>
-        </p:spPr>
-        <p:style>
-          <a:lnRef idx="2">
-            <a:schemeClr val="accent1">
-              <a:shade val="50000"/>
-            </a:schemeClr>
-          </a:lnRef>
-          <a:fillRef idx="1">
-            <a:schemeClr val="accent1"/>
-          </a:fillRef>
-          <a:effectRef idx="0">
-            <a:schemeClr val="accent1"/>
-          </a:effectRef>
-          <a:fontRef idx="minor">
-            <a:schemeClr val="lt1"/>
-          </a:fontRef>
-        </p:style>
-        <p:txBody>
-          <a:bodyPr rtlCol="0" anchor="ctr"/>
-          <a:lstStyle/>
-          <a:p>
-            <a:pPr algn="ctr"/>
-            <a:r>
-              <a:rPr lang="fr-FR" sz="2800" b="1" dirty="0">
-                <a:solidFill>
-                  <a:schemeClr val="tx1">
-                    <a:lumMod val="95000"/>
-                    <a:lumOff val="5000"/>
-                  </a:schemeClr>
-                </a:solidFill>
-                <a:latin typeface="Abadi Extra Light" panose="020B0204020104020204" pitchFamily="34" charset="0"/>
-              </a:rPr>
-              <a:t>3</a:t>
-            </a:r>
-          </a:p>
-        </p:txBody>
-      </p:sp>
       <p:grpSp>
         <p:nvGrpSpPr>
           <p:cNvPr id="37" name="Group 36"/>
@@ -8983,7 +8951,7 @@
             <p:cNvPr id="38" name="ZoneTexte 1">
               <a:extLst>
                 <a:ext uri="{FF2B5EF4-FFF2-40B4-BE49-F238E27FC236}">
-                  <a16:creationId xmlns:a16="http://schemas.microsoft.com/office/drawing/2014/main" xmlns="" id="{91194ABD-5326-4623-8719-6EC600089264}"/>
+                  <a16:creationId xmlns="" xmlns:a16="http://schemas.microsoft.com/office/drawing/2014/main" id="{91194ABD-5326-4623-8719-6EC600089264}"/>
                 </a:ext>
               </a:extLst>
             </p:cNvPr>
@@ -9259,7 +9227,7 @@
           <p:cNvPr id="40" name="Groupe 22">
             <a:extLst>
               <a:ext uri="{FF2B5EF4-FFF2-40B4-BE49-F238E27FC236}">
-                <a16:creationId xmlns:a16="http://schemas.microsoft.com/office/drawing/2014/main" xmlns="" id="{3A92BEEB-A1E2-4C8A-BEAD-F49C6FBF1FAC}"/>
+                <a16:creationId xmlns="" xmlns:a16="http://schemas.microsoft.com/office/drawing/2014/main" id="{3A92BEEB-A1E2-4C8A-BEAD-F49C6FBF1FAC}"/>
               </a:ext>
             </a:extLst>
           </p:cNvPr>
@@ -9279,7 +9247,7 @@
             <p:cNvPr id="41" name="Groupe 23">
               <a:extLst>
                 <a:ext uri="{FF2B5EF4-FFF2-40B4-BE49-F238E27FC236}">
-                  <a16:creationId xmlns:a16="http://schemas.microsoft.com/office/drawing/2014/main" xmlns="" id="{46FBA561-CFA6-45B6-8ADE-0FB028A6F938}"/>
+                  <a16:creationId xmlns="" xmlns:a16="http://schemas.microsoft.com/office/drawing/2014/main" id="{46FBA561-CFA6-45B6-8ADE-0FB028A6F938}"/>
                 </a:ext>
               </a:extLst>
             </p:cNvPr>
@@ -9299,7 +9267,7 @@
               <p:cNvPr id="48" name="ZoneTexte 30">
                 <a:extLst>
                   <a:ext uri="{FF2B5EF4-FFF2-40B4-BE49-F238E27FC236}">
-                    <a16:creationId xmlns:a16="http://schemas.microsoft.com/office/drawing/2014/main" xmlns="" id="{10AA42D1-AA27-44F4-AC01-7E4C28651565}"/>
+                    <a16:creationId xmlns="" xmlns:a16="http://schemas.microsoft.com/office/drawing/2014/main" id="{10AA42D1-AA27-44F4-AC01-7E4C28651565}"/>
                   </a:ext>
                 </a:extLst>
               </p:cNvPr>
@@ -9352,7 +9320,7 @@
               <p:cNvPr id="49" name="Connecteur droit 31">
                 <a:extLst>
                   <a:ext uri="{FF2B5EF4-FFF2-40B4-BE49-F238E27FC236}">
-                    <a16:creationId xmlns:a16="http://schemas.microsoft.com/office/drawing/2014/main" xmlns="" id="{B20BCB14-5A20-422E-A06B-8178F7FF14F4}"/>
+                    <a16:creationId xmlns="" xmlns:a16="http://schemas.microsoft.com/office/drawing/2014/main" id="{B20BCB14-5A20-422E-A06B-8178F7FF14F4}"/>
                   </a:ext>
                 </a:extLst>
               </p:cNvPr>
@@ -9398,7 +9366,7 @@
             <p:cNvPr id="42" name="Groupe 24">
               <a:extLst>
                 <a:ext uri="{FF2B5EF4-FFF2-40B4-BE49-F238E27FC236}">
-                  <a16:creationId xmlns:a16="http://schemas.microsoft.com/office/drawing/2014/main" xmlns="" id="{E31F5622-A2BA-4298-9BD7-5978D11BF62B}"/>
+                  <a16:creationId xmlns="" xmlns:a16="http://schemas.microsoft.com/office/drawing/2014/main" id="{E31F5622-A2BA-4298-9BD7-5978D11BF62B}"/>
                 </a:ext>
               </a:extLst>
             </p:cNvPr>
@@ -9418,7 +9386,7 @@
               <p:cNvPr id="46" name="ZoneTexte 28">
                 <a:extLst>
                   <a:ext uri="{FF2B5EF4-FFF2-40B4-BE49-F238E27FC236}">
-                    <a16:creationId xmlns:a16="http://schemas.microsoft.com/office/drawing/2014/main" xmlns="" id="{AABC5411-A25E-4B14-9255-F4390BFAFD09}"/>
+                    <a16:creationId xmlns="" xmlns:a16="http://schemas.microsoft.com/office/drawing/2014/main" id="{AABC5411-A25E-4B14-9255-F4390BFAFD09}"/>
                   </a:ext>
                 </a:extLst>
               </p:cNvPr>
@@ -9471,7 +9439,7 @@
               <p:cNvPr id="47" name="Connecteur droit 29">
                 <a:extLst>
                   <a:ext uri="{FF2B5EF4-FFF2-40B4-BE49-F238E27FC236}">
-                    <a16:creationId xmlns:a16="http://schemas.microsoft.com/office/drawing/2014/main" xmlns="" id="{DBA493D9-EAD3-491E-944D-31C23DBA7812}"/>
+                    <a16:creationId xmlns="" xmlns:a16="http://schemas.microsoft.com/office/drawing/2014/main" id="{DBA493D9-EAD3-491E-944D-31C23DBA7812}"/>
                   </a:ext>
                 </a:extLst>
               </p:cNvPr>
@@ -9517,7 +9485,7 @@
             <p:cNvPr id="43" name="Groupe 25">
               <a:extLst>
                 <a:ext uri="{FF2B5EF4-FFF2-40B4-BE49-F238E27FC236}">
-                  <a16:creationId xmlns:a16="http://schemas.microsoft.com/office/drawing/2014/main" xmlns="" id="{C9532792-E619-4EBA-B95D-536C3466862B}"/>
+                  <a16:creationId xmlns="" xmlns:a16="http://schemas.microsoft.com/office/drawing/2014/main" id="{C9532792-E619-4EBA-B95D-536C3466862B}"/>
                 </a:ext>
               </a:extLst>
             </p:cNvPr>
@@ -9537,7 +9505,7 @@
               <p:cNvPr id="44" name="ZoneTexte 26">
                 <a:extLst>
                   <a:ext uri="{FF2B5EF4-FFF2-40B4-BE49-F238E27FC236}">
-                    <a16:creationId xmlns:a16="http://schemas.microsoft.com/office/drawing/2014/main" xmlns="" id="{DAE6088A-6F59-41E8-ADFB-C6E3A2ED5CFE}"/>
+                    <a16:creationId xmlns="" xmlns:a16="http://schemas.microsoft.com/office/drawing/2014/main" id="{DAE6088A-6F59-41E8-ADFB-C6E3A2ED5CFE}"/>
                   </a:ext>
                 </a:extLst>
               </p:cNvPr>
@@ -9580,7 +9548,7 @@
               <p:cNvPr id="45" name="Connecteur droit 27">
                 <a:extLst>
                   <a:ext uri="{FF2B5EF4-FFF2-40B4-BE49-F238E27FC236}">
-                    <a16:creationId xmlns:a16="http://schemas.microsoft.com/office/drawing/2014/main" xmlns="" id="{AC47ED8C-AE50-4C27-B399-2211690DBFDC}"/>
+                    <a16:creationId xmlns="" xmlns:a16="http://schemas.microsoft.com/office/drawing/2014/main" id="{AC47ED8C-AE50-4C27-B399-2211690DBFDC}"/>
                   </a:ext>
                 </a:extLst>
               </p:cNvPr>
@@ -9620,6 +9588,81 @@
           </p:cxnSp>
         </p:grpSp>
       </p:grpSp>
+      <p:sp>
+        <p:nvSpPr>
+          <p:cNvPr id="23" name="Rectangle 22">
+            <a:extLst>
+              <a:ext uri="{FF2B5EF4-FFF2-40B4-BE49-F238E27FC236}">
+                <a16:creationId xmlns="" xmlns:a16="http://schemas.microsoft.com/office/drawing/2014/main" id="{0C3CA151-AB30-44D4-89DF-2892828A8829}"/>
+              </a:ext>
+            </a:extLst>
+          </p:cNvPr>
+          <p:cNvSpPr/>
+          <p:nvPr/>
+        </p:nvSpPr>
+        <p:spPr>
+          <a:xfrm>
+            <a:off x="11553986" y="0"/>
+            <a:ext cx="638014" cy="851256"/>
+          </a:xfrm>
+          <a:prstGeom prst="rect">
+            <a:avLst/>
+          </a:prstGeom>
+          <a:noFill/>
+          <a:ln>
+            <a:solidFill>
+              <a:schemeClr val="tx1">
+                <a:lumMod val="75000"/>
+                <a:lumOff val="25000"/>
+              </a:schemeClr>
+            </a:solidFill>
+          </a:ln>
+        </p:spPr>
+        <p:style>
+          <a:lnRef idx="2">
+            <a:schemeClr val="accent1">
+              <a:shade val="50000"/>
+            </a:schemeClr>
+          </a:lnRef>
+          <a:fillRef idx="1">
+            <a:schemeClr val="accent1"/>
+          </a:fillRef>
+          <a:effectRef idx="0">
+            <a:schemeClr val="accent1"/>
+          </a:effectRef>
+          <a:fontRef idx="minor">
+            <a:schemeClr val="lt1"/>
+          </a:fontRef>
+        </p:style>
+        <p:txBody>
+          <a:bodyPr rtlCol="0" anchor="ctr"/>
+          <a:lstStyle/>
+          <a:p>
+            <a:pPr algn="ctr"/>
+            <a:r>
+              <a:rPr lang="fr-FR" sz="2800" b="1" dirty="0" smtClean="0">
+                <a:solidFill>
+                  <a:schemeClr val="tx1">
+                    <a:lumMod val="95000"/>
+                    <a:lumOff val="5000"/>
+                  </a:schemeClr>
+                </a:solidFill>
+                <a:latin typeface="Abadi Extra Light" panose="020B0204020104020204" pitchFamily="34" charset="0"/>
+              </a:rPr>
+              <a:t>14</a:t>
+            </a:r>
+            <a:endParaRPr lang="fr-FR" sz="2800" b="1" dirty="0">
+              <a:solidFill>
+                <a:schemeClr val="tx1">
+                  <a:lumMod val="95000"/>
+                  <a:lumOff val="5000"/>
+                </a:schemeClr>
+              </a:solidFill>
+              <a:latin typeface="Abadi Extra Light" panose="020B0204020104020204" pitchFamily="34" charset="0"/>
+            </a:endParaRPr>
+          </a:p>
+        </p:txBody>
+      </p:sp>
     </p:spTree>
     <p:extLst>
       <p:ext uri="{BB962C8B-B14F-4D97-AF65-F5344CB8AC3E}">
@@ -9662,7 +9705,7 @@
           <p:cNvPr id="10" name="Picture 4" descr="RÃ©sultat de recherche d'images pour &quot;uga&quot;">
             <a:extLst>
               <a:ext uri="{FF2B5EF4-FFF2-40B4-BE49-F238E27FC236}">
-                <a16:creationId xmlns:a16="http://schemas.microsoft.com/office/drawing/2014/main" xmlns="" id="{45159814-FD32-4012-9694-D110A593A367}"/>
+                <a16:creationId xmlns="" xmlns:a16="http://schemas.microsoft.com/office/drawing/2014/main" id="{45159814-FD32-4012-9694-D110A593A367}"/>
               </a:ext>
             </a:extLst>
           </p:cNvPr>
@@ -9709,7 +9752,7 @@
           <p:cNvPr id="53" name="ZoneTexte 52">
             <a:extLst>
               <a:ext uri="{FF2B5EF4-FFF2-40B4-BE49-F238E27FC236}">
-                <a16:creationId xmlns:a16="http://schemas.microsoft.com/office/drawing/2014/main" xmlns="" id="{486036A8-D81C-40F9-98BE-042B285741F3}"/>
+                <a16:creationId xmlns="" xmlns:a16="http://schemas.microsoft.com/office/drawing/2014/main" id="{486036A8-D81C-40F9-98BE-042B285741F3}"/>
               </a:ext>
             </a:extLst>
           </p:cNvPr>
@@ -9852,7 +9895,7 @@
           <p:cNvPr id="19" name="Groupe 18">
             <a:extLst>
               <a:ext uri="{FF2B5EF4-FFF2-40B4-BE49-F238E27FC236}">
-                <a16:creationId xmlns:a16="http://schemas.microsoft.com/office/drawing/2014/main" xmlns="" id="{93799E7A-2DFE-4762-AF90-C3410A1148AE}"/>
+                <a16:creationId xmlns="" xmlns:a16="http://schemas.microsoft.com/office/drawing/2014/main" id="{93799E7A-2DFE-4762-AF90-C3410A1148AE}"/>
               </a:ext>
             </a:extLst>
           </p:cNvPr>
@@ -9872,7 +9915,7 @@
             <p:cNvPr id="20" name="Connecteur droit 19">
               <a:extLst>
                 <a:ext uri="{FF2B5EF4-FFF2-40B4-BE49-F238E27FC236}">
-                  <a16:creationId xmlns:a16="http://schemas.microsoft.com/office/drawing/2014/main" xmlns="" id="{0D958259-2332-4D5E-A898-61EC2EF804A9}"/>
+                  <a16:creationId xmlns="" xmlns:a16="http://schemas.microsoft.com/office/drawing/2014/main" id="{0D958259-2332-4D5E-A898-61EC2EF804A9}"/>
                 </a:ext>
               </a:extLst>
             </p:cNvPr>
@@ -9915,7 +9958,7 @@
             <p:cNvPr id="21" name="ZoneTexte 20">
               <a:extLst>
                 <a:ext uri="{FF2B5EF4-FFF2-40B4-BE49-F238E27FC236}">
-                  <a16:creationId xmlns:a16="http://schemas.microsoft.com/office/drawing/2014/main" xmlns="" id="{C2E08385-BAF9-4FDF-8E28-8EE7E0227114}"/>
+                  <a16:creationId xmlns="" xmlns:a16="http://schemas.microsoft.com/office/drawing/2014/main" id="{C2E08385-BAF9-4FDF-8E28-8EE7E0227114}"/>
                 </a:ext>
               </a:extLst>
             </p:cNvPr>
@@ -9972,72 +10015,6 @@
           </p:txBody>
         </p:sp>
       </p:grpSp>
-      <p:sp>
-        <p:nvSpPr>
-          <p:cNvPr id="22" name="Rectangle 21">
-            <a:extLst>
-              <a:ext uri="{FF2B5EF4-FFF2-40B4-BE49-F238E27FC236}">
-                <a16:creationId xmlns:a16="http://schemas.microsoft.com/office/drawing/2014/main" xmlns="" id="{0C3CA151-AB30-44D4-89DF-2892828A8829}"/>
-              </a:ext>
-            </a:extLst>
-          </p:cNvPr>
-          <p:cNvSpPr/>
-          <p:nvPr/>
-        </p:nvSpPr>
-        <p:spPr>
-          <a:xfrm>
-            <a:off x="11569148" y="0"/>
-            <a:ext cx="622852" cy="851256"/>
-          </a:xfrm>
-          <a:prstGeom prst="rect">
-            <a:avLst/>
-          </a:prstGeom>
-          <a:noFill/>
-          <a:ln>
-            <a:solidFill>
-              <a:schemeClr val="tx1">
-                <a:lumMod val="75000"/>
-                <a:lumOff val="25000"/>
-              </a:schemeClr>
-            </a:solidFill>
-          </a:ln>
-        </p:spPr>
-        <p:style>
-          <a:lnRef idx="2">
-            <a:schemeClr val="accent1">
-              <a:shade val="50000"/>
-            </a:schemeClr>
-          </a:lnRef>
-          <a:fillRef idx="1">
-            <a:schemeClr val="accent1"/>
-          </a:fillRef>
-          <a:effectRef idx="0">
-            <a:schemeClr val="accent1"/>
-          </a:effectRef>
-          <a:fontRef idx="minor">
-            <a:schemeClr val="lt1"/>
-          </a:fontRef>
-        </p:style>
-        <p:txBody>
-          <a:bodyPr rtlCol="0" anchor="ctr"/>
-          <a:lstStyle/>
-          <a:p>
-            <a:pPr algn="ctr"/>
-            <a:r>
-              <a:rPr lang="fr-FR" sz="2800" b="1" dirty="0">
-                <a:solidFill>
-                  <a:schemeClr val="tx1">
-                    <a:lumMod val="95000"/>
-                    <a:lumOff val="5000"/>
-                  </a:schemeClr>
-                </a:solidFill>
-                <a:latin typeface="Abadi Extra Light" panose="020B0204020104020204" pitchFamily="34" charset="0"/>
-              </a:rPr>
-              <a:t>3</a:t>
-            </a:r>
-          </a:p>
-        </p:txBody>
-      </p:sp>
       <p:grpSp>
         <p:nvGrpSpPr>
           <p:cNvPr id="37" name="Group 36"/>
@@ -10057,7 +10034,7 @@
             <p:cNvPr id="38" name="ZoneTexte 1">
               <a:extLst>
                 <a:ext uri="{FF2B5EF4-FFF2-40B4-BE49-F238E27FC236}">
-                  <a16:creationId xmlns:a16="http://schemas.microsoft.com/office/drawing/2014/main" xmlns="" id="{91194ABD-5326-4623-8719-6EC600089264}"/>
+                  <a16:creationId xmlns="" xmlns:a16="http://schemas.microsoft.com/office/drawing/2014/main" id="{91194ABD-5326-4623-8719-6EC600089264}"/>
                 </a:ext>
               </a:extLst>
             </p:cNvPr>
@@ -10333,7 +10310,7 @@
           <p:cNvPr id="40" name="Groupe 22">
             <a:extLst>
               <a:ext uri="{FF2B5EF4-FFF2-40B4-BE49-F238E27FC236}">
-                <a16:creationId xmlns:a16="http://schemas.microsoft.com/office/drawing/2014/main" xmlns="" id="{3A92BEEB-A1E2-4C8A-BEAD-F49C6FBF1FAC}"/>
+                <a16:creationId xmlns="" xmlns:a16="http://schemas.microsoft.com/office/drawing/2014/main" id="{3A92BEEB-A1E2-4C8A-BEAD-F49C6FBF1FAC}"/>
               </a:ext>
             </a:extLst>
           </p:cNvPr>
@@ -10353,7 +10330,7 @@
             <p:cNvPr id="41" name="Groupe 23">
               <a:extLst>
                 <a:ext uri="{FF2B5EF4-FFF2-40B4-BE49-F238E27FC236}">
-                  <a16:creationId xmlns:a16="http://schemas.microsoft.com/office/drawing/2014/main" xmlns="" id="{46FBA561-CFA6-45B6-8ADE-0FB028A6F938}"/>
+                  <a16:creationId xmlns="" xmlns:a16="http://schemas.microsoft.com/office/drawing/2014/main" id="{46FBA561-CFA6-45B6-8ADE-0FB028A6F938}"/>
                 </a:ext>
               </a:extLst>
             </p:cNvPr>
@@ -10373,7 +10350,7 @@
               <p:cNvPr id="48" name="ZoneTexte 30">
                 <a:extLst>
                   <a:ext uri="{FF2B5EF4-FFF2-40B4-BE49-F238E27FC236}">
-                    <a16:creationId xmlns:a16="http://schemas.microsoft.com/office/drawing/2014/main" xmlns="" id="{10AA42D1-AA27-44F4-AC01-7E4C28651565}"/>
+                    <a16:creationId xmlns="" xmlns:a16="http://schemas.microsoft.com/office/drawing/2014/main" id="{10AA42D1-AA27-44F4-AC01-7E4C28651565}"/>
                   </a:ext>
                 </a:extLst>
               </p:cNvPr>
@@ -10426,7 +10403,7 @@
               <p:cNvPr id="49" name="Connecteur droit 31">
                 <a:extLst>
                   <a:ext uri="{FF2B5EF4-FFF2-40B4-BE49-F238E27FC236}">
-                    <a16:creationId xmlns:a16="http://schemas.microsoft.com/office/drawing/2014/main" xmlns="" id="{B20BCB14-5A20-422E-A06B-8178F7FF14F4}"/>
+                    <a16:creationId xmlns="" xmlns:a16="http://schemas.microsoft.com/office/drawing/2014/main" id="{B20BCB14-5A20-422E-A06B-8178F7FF14F4}"/>
                   </a:ext>
                 </a:extLst>
               </p:cNvPr>
@@ -10472,7 +10449,7 @@
             <p:cNvPr id="42" name="Groupe 24">
               <a:extLst>
                 <a:ext uri="{FF2B5EF4-FFF2-40B4-BE49-F238E27FC236}">
-                  <a16:creationId xmlns:a16="http://schemas.microsoft.com/office/drawing/2014/main" xmlns="" id="{E31F5622-A2BA-4298-9BD7-5978D11BF62B}"/>
+                  <a16:creationId xmlns="" xmlns:a16="http://schemas.microsoft.com/office/drawing/2014/main" id="{E31F5622-A2BA-4298-9BD7-5978D11BF62B}"/>
                 </a:ext>
               </a:extLst>
             </p:cNvPr>
@@ -10492,7 +10469,7 @@
               <p:cNvPr id="46" name="ZoneTexte 28">
                 <a:extLst>
                   <a:ext uri="{FF2B5EF4-FFF2-40B4-BE49-F238E27FC236}">
-                    <a16:creationId xmlns:a16="http://schemas.microsoft.com/office/drawing/2014/main" xmlns="" id="{AABC5411-A25E-4B14-9255-F4390BFAFD09}"/>
+                    <a16:creationId xmlns="" xmlns:a16="http://schemas.microsoft.com/office/drawing/2014/main" id="{AABC5411-A25E-4B14-9255-F4390BFAFD09}"/>
                   </a:ext>
                 </a:extLst>
               </p:cNvPr>
@@ -10545,7 +10522,7 @@
               <p:cNvPr id="47" name="Connecteur droit 29">
                 <a:extLst>
                   <a:ext uri="{FF2B5EF4-FFF2-40B4-BE49-F238E27FC236}">
-                    <a16:creationId xmlns:a16="http://schemas.microsoft.com/office/drawing/2014/main" xmlns="" id="{DBA493D9-EAD3-491E-944D-31C23DBA7812}"/>
+                    <a16:creationId xmlns="" xmlns:a16="http://schemas.microsoft.com/office/drawing/2014/main" id="{DBA493D9-EAD3-491E-944D-31C23DBA7812}"/>
                   </a:ext>
                 </a:extLst>
               </p:cNvPr>
@@ -10591,7 +10568,7 @@
             <p:cNvPr id="43" name="Groupe 25">
               <a:extLst>
                 <a:ext uri="{FF2B5EF4-FFF2-40B4-BE49-F238E27FC236}">
-                  <a16:creationId xmlns:a16="http://schemas.microsoft.com/office/drawing/2014/main" xmlns="" id="{C9532792-E619-4EBA-B95D-536C3466862B}"/>
+                  <a16:creationId xmlns="" xmlns:a16="http://schemas.microsoft.com/office/drawing/2014/main" id="{C9532792-E619-4EBA-B95D-536C3466862B}"/>
                 </a:ext>
               </a:extLst>
             </p:cNvPr>
@@ -10611,7 +10588,7 @@
               <p:cNvPr id="44" name="ZoneTexte 26">
                 <a:extLst>
                   <a:ext uri="{FF2B5EF4-FFF2-40B4-BE49-F238E27FC236}">
-                    <a16:creationId xmlns:a16="http://schemas.microsoft.com/office/drawing/2014/main" xmlns="" id="{DAE6088A-6F59-41E8-ADFB-C6E3A2ED5CFE}"/>
+                    <a16:creationId xmlns="" xmlns:a16="http://schemas.microsoft.com/office/drawing/2014/main" id="{DAE6088A-6F59-41E8-ADFB-C6E3A2ED5CFE}"/>
                   </a:ext>
                 </a:extLst>
               </p:cNvPr>
@@ -10654,7 +10631,7 @@
               <p:cNvPr id="45" name="Connecteur droit 27">
                 <a:extLst>
                   <a:ext uri="{FF2B5EF4-FFF2-40B4-BE49-F238E27FC236}">
-                    <a16:creationId xmlns:a16="http://schemas.microsoft.com/office/drawing/2014/main" xmlns="" id="{AC47ED8C-AE50-4C27-B399-2211690DBFDC}"/>
+                    <a16:creationId xmlns="" xmlns:a16="http://schemas.microsoft.com/office/drawing/2014/main" id="{AC47ED8C-AE50-4C27-B399-2211690DBFDC}"/>
                   </a:ext>
                 </a:extLst>
               </p:cNvPr>
@@ -10694,6 +10671,81 @@
           </p:cxnSp>
         </p:grpSp>
       </p:grpSp>
+      <p:sp>
+        <p:nvSpPr>
+          <p:cNvPr id="23" name="Rectangle 22">
+            <a:extLst>
+              <a:ext uri="{FF2B5EF4-FFF2-40B4-BE49-F238E27FC236}">
+                <a16:creationId xmlns="" xmlns:a16="http://schemas.microsoft.com/office/drawing/2014/main" id="{0C3CA151-AB30-44D4-89DF-2892828A8829}"/>
+              </a:ext>
+            </a:extLst>
+          </p:cNvPr>
+          <p:cNvSpPr/>
+          <p:nvPr/>
+        </p:nvSpPr>
+        <p:spPr>
+          <a:xfrm>
+            <a:off x="11553986" y="0"/>
+            <a:ext cx="638014" cy="851256"/>
+          </a:xfrm>
+          <a:prstGeom prst="rect">
+            <a:avLst/>
+          </a:prstGeom>
+          <a:noFill/>
+          <a:ln>
+            <a:solidFill>
+              <a:schemeClr val="tx1">
+                <a:lumMod val="75000"/>
+                <a:lumOff val="25000"/>
+              </a:schemeClr>
+            </a:solidFill>
+          </a:ln>
+        </p:spPr>
+        <p:style>
+          <a:lnRef idx="2">
+            <a:schemeClr val="accent1">
+              <a:shade val="50000"/>
+            </a:schemeClr>
+          </a:lnRef>
+          <a:fillRef idx="1">
+            <a:schemeClr val="accent1"/>
+          </a:fillRef>
+          <a:effectRef idx="0">
+            <a:schemeClr val="accent1"/>
+          </a:effectRef>
+          <a:fontRef idx="minor">
+            <a:schemeClr val="lt1"/>
+          </a:fontRef>
+        </p:style>
+        <p:txBody>
+          <a:bodyPr rtlCol="0" anchor="ctr"/>
+          <a:lstStyle/>
+          <a:p>
+            <a:pPr algn="ctr"/>
+            <a:r>
+              <a:rPr lang="fr-FR" sz="2800" b="1" dirty="0" smtClean="0">
+                <a:solidFill>
+                  <a:schemeClr val="tx1">
+                    <a:lumMod val="95000"/>
+                    <a:lumOff val="5000"/>
+                  </a:schemeClr>
+                </a:solidFill>
+                <a:latin typeface="Abadi Extra Light" panose="020B0204020104020204" pitchFamily="34" charset="0"/>
+              </a:rPr>
+              <a:t>15</a:t>
+            </a:r>
+            <a:endParaRPr lang="fr-FR" sz="2800" b="1" dirty="0">
+              <a:solidFill>
+                <a:schemeClr val="tx1">
+                  <a:lumMod val="95000"/>
+                  <a:lumOff val="5000"/>
+                </a:schemeClr>
+              </a:solidFill>
+              <a:latin typeface="Abadi Extra Light" panose="020B0204020104020204" pitchFamily="34" charset="0"/>
+            </a:endParaRPr>
+          </a:p>
+        </p:txBody>
+      </p:sp>
     </p:spTree>
     <p:extLst>
       <p:ext uri="{BB962C8B-B14F-4D97-AF65-F5344CB8AC3E}">
@@ -10736,7 +10788,7 @@
           <p:cNvPr id="10" name="Picture 4" descr="RÃ©sultat de recherche d'images pour &quot;uga&quot;">
             <a:extLst>
               <a:ext uri="{FF2B5EF4-FFF2-40B4-BE49-F238E27FC236}">
-                <a16:creationId xmlns:a16="http://schemas.microsoft.com/office/drawing/2014/main" xmlns="" id="{45159814-FD32-4012-9694-D110A593A367}"/>
+                <a16:creationId xmlns="" xmlns:a16="http://schemas.microsoft.com/office/drawing/2014/main" id="{45159814-FD32-4012-9694-D110A593A367}"/>
               </a:ext>
             </a:extLst>
           </p:cNvPr>
@@ -10783,7 +10835,7 @@
           <p:cNvPr id="53" name="ZoneTexte 52">
             <a:extLst>
               <a:ext uri="{FF2B5EF4-FFF2-40B4-BE49-F238E27FC236}">
-                <a16:creationId xmlns:a16="http://schemas.microsoft.com/office/drawing/2014/main" xmlns="" id="{486036A8-D81C-40F9-98BE-042B285741F3}"/>
+                <a16:creationId xmlns="" xmlns:a16="http://schemas.microsoft.com/office/drawing/2014/main" id="{486036A8-D81C-40F9-98BE-042B285741F3}"/>
               </a:ext>
             </a:extLst>
           </p:cNvPr>
@@ -10872,7 +10924,7 @@
           <p:cNvPr id="19" name="Groupe 18">
             <a:extLst>
               <a:ext uri="{FF2B5EF4-FFF2-40B4-BE49-F238E27FC236}">
-                <a16:creationId xmlns:a16="http://schemas.microsoft.com/office/drawing/2014/main" xmlns="" id="{93799E7A-2DFE-4762-AF90-C3410A1148AE}"/>
+                <a16:creationId xmlns="" xmlns:a16="http://schemas.microsoft.com/office/drawing/2014/main" id="{93799E7A-2DFE-4762-AF90-C3410A1148AE}"/>
               </a:ext>
             </a:extLst>
           </p:cNvPr>
@@ -10892,7 +10944,7 @@
             <p:cNvPr id="20" name="Connecteur droit 19">
               <a:extLst>
                 <a:ext uri="{FF2B5EF4-FFF2-40B4-BE49-F238E27FC236}">
-                  <a16:creationId xmlns:a16="http://schemas.microsoft.com/office/drawing/2014/main" xmlns="" id="{0D958259-2332-4D5E-A898-61EC2EF804A9}"/>
+                  <a16:creationId xmlns="" xmlns:a16="http://schemas.microsoft.com/office/drawing/2014/main" id="{0D958259-2332-4D5E-A898-61EC2EF804A9}"/>
                 </a:ext>
               </a:extLst>
             </p:cNvPr>
@@ -10935,7 +10987,7 @@
             <p:cNvPr id="21" name="ZoneTexte 20">
               <a:extLst>
                 <a:ext uri="{FF2B5EF4-FFF2-40B4-BE49-F238E27FC236}">
-                  <a16:creationId xmlns:a16="http://schemas.microsoft.com/office/drawing/2014/main" xmlns="" id="{C2E08385-BAF9-4FDF-8E28-8EE7E0227114}"/>
+                  <a16:creationId xmlns="" xmlns:a16="http://schemas.microsoft.com/office/drawing/2014/main" id="{C2E08385-BAF9-4FDF-8E28-8EE7E0227114}"/>
                 </a:ext>
               </a:extLst>
             </p:cNvPr>
@@ -10980,72 +11032,6 @@
           </p:txBody>
         </p:sp>
       </p:grpSp>
-      <p:sp>
-        <p:nvSpPr>
-          <p:cNvPr id="22" name="Rectangle 21">
-            <a:extLst>
-              <a:ext uri="{FF2B5EF4-FFF2-40B4-BE49-F238E27FC236}">
-                <a16:creationId xmlns:a16="http://schemas.microsoft.com/office/drawing/2014/main" xmlns="" id="{0C3CA151-AB30-44D4-89DF-2892828A8829}"/>
-              </a:ext>
-            </a:extLst>
-          </p:cNvPr>
-          <p:cNvSpPr/>
-          <p:nvPr/>
-        </p:nvSpPr>
-        <p:spPr>
-          <a:xfrm>
-            <a:off x="11569148" y="0"/>
-            <a:ext cx="622852" cy="851256"/>
-          </a:xfrm>
-          <a:prstGeom prst="rect">
-            <a:avLst/>
-          </a:prstGeom>
-          <a:noFill/>
-          <a:ln>
-            <a:solidFill>
-              <a:schemeClr val="tx1">
-                <a:lumMod val="75000"/>
-                <a:lumOff val="25000"/>
-              </a:schemeClr>
-            </a:solidFill>
-          </a:ln>
-        </p:spPr>
-        <p:style>
-          <a:lnRef idx="2">
-            <a:schemeClr val="accent1">
-              <a:shade val="50000"/>
-            </a:schemeClr>
-          </a:lnRef>
-          <a:fillRef idx="1">
-            <a:schemeClr val="accent1"/>
-          </a:fillRef>
-          <a:effectRef idx="0">
-            <a:schemeClr val="accent1"/>
-          </a:effectRef>
-          <a:fontRef idx="minor">
-            <a:schemeClr val="lt1"/>
-          </a:fontRef>
-        </p:style>
-        <p:txBody>
-          <a:bodyPr rtlCol="0" anchor="ctr"/>
-          <a:lstStyle/>
-          <a:p>
-            <a:pPr algn="ctr"/>
-            <a:r>
-              <a:rPr lang="fr-FR" sz="2800" b="1" dirty="0">
-                <a:solidFill>
-                  <a:schemeClr val="tx1">
-                    <a:lumMod val="95000"/>
-                    <a:lumOff val="5000"/>
-                  </a:schemeClr>
-                </a:solidFill>
-                <a:latin typeface="Abadi Extra Light" panose="020B0204020104020204" pitchFamily="34" charset="0"/>
-              </a:rPr>
-              <a:t>3</a:t>
-            </a:r>
-          </a:p>
-        </p:txBody>
-      </p:sp>
       <p:grpSp>
         <p:nvGrpSpPr>
           <p:cNvPr id="37" name="Group 36"/>
@@ -11065,7 +11051,7 @@
             <p:cNvPr id="38" name="ZoneTexte 1">
               <a:extLst>
                 <a:ext uri="{FF2B5EF4-FFF2-40B4-BE49-F238E27FC236}">
-                  <a16:creationId xmlns:a16="http://schemas.microsoft.com/office/drawing/2014/main" xmlns="" id="{91194ABD-5326-4623-8719-6EC600089264}"/>
+                  <a16:creationId xmlns="" xmlns:a16="http://schemas.microsoft.com/office/drawing/2014/main" id="{91194ABD-5326-4623-8719-6EC600089264}"/>
                 </a:ext>
               </a:extLst>
             </p:cNvPr>
@@ -11341,7 +11327,7 @@
           <p:cNvPr id="40" name="Groupe 22">
             <a:extLst>
               <a:ext uri="{FF2B5EF4-FFF2-40B4-BE49-F238E27FC236}">
-                <a16:creationId xmlns:a16="http://schemas.microsoft.com/office/drawing/2014/main" xmlns="" id="{3A92BEEB-A1E2-4C8A-BEAD-F49C6FBF1FAC}"/>
+                <a16:creationId xmlns="" xmlns:a16="http://schemas.microsoft.com/office/drawing/2014/main" id="{3A92BEEB-A1E2-4C8A-BEAD-F49C6FBF1FAC}"/>
               </a:ext>
             </a:extLst>
           </p:cNvPr>
@@ -11361,7 +11347,7 @@
             <p:cNvPr id="41" name="Groupe 23">
               <a:extLst>
                 <a:ext uri="{FF2B5EF4-FFF2-40B4-BE49-F238E27FC236}">
-                  <a16:creationId xmlns:a16="http://schemas.microsoft.com/office/drawing/2014/main" xmlns="" id="{46FBA561-CFA6-45B6-8ADE-0FB028A6F938}"/>
+                  <a16:creationId xmlns="" xmlns:a16="http://schemas.microsoft.com/office/drawing/2014/main" id="{46FBA561-CFA6-45B6-8ADE-0FB028A6F938}"/>
                 </a:ext>
               </a:extLst>
             </p:cNvPr>
@@ -11381,7 +11367,7 @@
               <p:cNvPr id="48" name="ZoneTexte 30">
                 <a:extLst>
                   <a:ext uri="{FF2B5EF4-FFF2-40B4-BE49-F238E27FC236}">
-                    <a16:creationId xmlns:a16="http://schemas.microsoft.com/office/drawing/2014/main" xmlns="" id="{10AA42D1-AA27-44F4-AC01-7E4C28651565}"/>
+                    <a16:creationId xmlns="" xmlns:a16="http://schemas.microsoft.com/office/drawing/2014/main" id="{10AA42D1-AA27-44F4-AC01-7E4C28651565}"/>
                   </a:ext>
                 </a:extLst>
               </p:cNvPr>
@@ -11434,7 +11420,7 @@
               <p:cNvPr id="49" name="Connecteur droit 31">
                 <a:extLst>
                   <a:ext uri="{FF2B5EF4-FFF2-40B4-BE49-F238E27FC236}">
-                    <a16:creationId xmlns:a16="http://schemas.microsoft.com/office/drawing/2014/main" xmlns="" id="{B20BCB14-5A20-422E-A06B-8178F7FF14F4}"/>
+                    <a16:creationId xmlns="" xmlns:a16="http://schemas.microsoft.com/office/drawing/2014/main" id="{B20BCB14-5A20-422E-A06B-8178F7FF14F4}"/>
                   </a:ext>
                 </a:extLst>
               </p:cNvPr>
@@ -11480,7 +11466,7 @@
             <p:cNvPr id="42" name="Groupe 24">
               <a:extLst>
                 <a:ext uri="{FF2B5EF4-FFF2-40B4-BE49-F238E27FC236}">
-                  <a16:creationId xmlns:a16="http://schemas.microsoft.com/office/drawing/2014/main" xmlns="" id="{E31F5622-A2BA-4298-9BD7-5978D11BF62B}"/>
+                  <a16:creationId xmlns="" xmlns:a16="http://schemas.microsoft.com/office/drawing/2014/main" id="{E31F5622-A2BA-4298-9BD7-5978D11BF62B}"/>
                 </a:ext>
               </a:extLst>
             </p:cNvPr>
@@ -11500,7 +11486,7 @@
               <p:cNvPr id="46" name="ZoneTexte 28">
                 <a:extLst>
                   <a:ext uri="{FF2B5EF4-FFF2-40B4-BE49-F238E27FC236}">
-                    <a16:creationId xmlns:a16="http://schemas.microsoft.com/office/drawing/2014/main" xmlns="" id="{AABC5411-A25E-4B14-9255-F4390BFAFD09}"/>
+                    <a16:creationId xmlns="" xmlns:a16="http://schemas.microsoft.com/office/drawing/2014/main" id="{AABC5411-A25E-4B14-9255-F4390BFAFD09}"/>
                   </a:ext>
                 </a:extLst>
               </p:cNvPr>
@@ -11553,7 +11539,7 @@
               <p:cNvPr id="47" name="Connecteur droit 29">
                 <a:extLst>
                   <a:ext uri="{FF2B5EF4-FFF2-40B4-BE49-F238E27FC236}">
-                    <a16:creationId xmlns:a16="http://schemas.microsoft.com/office/drawing/2014/main" xmlns="" id="{DBA493D9-EAD3-491E-944D-31C23DBA7812}"/>
+                    <a16:creationId xmlns="" xmlns:a16="http://schemas.microsoft.com/office/drawing/2014/main" id="{DBA493D9-EAD3-491E-944D-31C23DBA7812}"/>
                   </a:ext>
                 </a:extLst>
               </p:cNvPr>
@@ -11599,7 +11585,7 @@
             <p:cNvPr id="43" name="Groupe 25">
               <a:extLst>
                 <a:ext uri="{FF2B5EF4-FFF2-40B4-BE49-F238E27FC236}">
-                  <a16:creationId xmlns:a16="http://schemas.microsoft.com/office/drawing/2014/main" xmlns="" id="{C9532792-E619-4EBA-B95D-536C3466862B}"/>
+                  <a16:creationId xmlns="" xmlns:a16="http://schemas.microsoft.com/office/drawing/2014/main" id="{C9532792-E619-4EBA-B95D-536C3466862B}"/>
                 </a:ext>
               </a:extLst>
             </p:cNvPr>
@@ -11619,7 +11605,7 @@
               <p:cNvPr id="44" name="ZoneTexte 26">
                 <a:extLst>
                   <a:ext uri="{FF2B5EF4-FFF2-40B4-BE49-F238E27FC236}">
-                    <a16:creationId xmlns:a16="http://schemas.microsoft.com/office/drawing/2014/main" xmlns="" id="{DAE6088A-6F59-41E8-ADFB-C6E3A2ED5CFE}"/>
+                    <a16:creationId xmlns="" xmlns:a16="http://schemas.microsoft.com/office/drawing/2014/main" id="{DAE6088A-6F59-41E8-ADFB-C6E3A2ED5CFE}"/>
                   </a:ext>
                 </a:extLst>
               </p:cNvPr>
@@ -11662,7 +11648,7 @@
               <p:cNvPr id="45" name="Connecteur droit 27">
                 <a:extLst>
                   <a:ext uri="{FF2B5EF4-FFF2-40B4-BE49-F238E27FC236}">
-                    <a16:creationId xmlns:a16="http://schemas.microsoft.com/office/drawing/2014/main" xmlns="" id="{AC47ED8C-AE50-4C27-B399-2211690DBFDC}"/>
+                    <a16:creationId xmlns="" xmlns:a16="http://schemas.microsoft.com/office/drawing/2014/main" id="{AC47ED8C-AE50-4C27-B399-2211690DBFDC}"/>
                   </a:ext>
                 </a:extLst>
               </p:cNvPr>
@@ -11702,6 +11688,81 @@
           </p:cxnSp>
         </p:grpSp>
       </p:grpSp>
+      <p:sp>
+        <p:nvSpPr>
+          <p:cNvPr id="23" name="Rectangle 22">
+            <a:extLst>
+              <a:ext uri="{FF2B5EF4-FFF2-40B4-BE49-F238E27FC236}">
+                <a16:creationId xmlns="" xmlns:a16="http://schemas.microsoft.com/office/drawing/2014/main" id="{0C3CA151-AB30-44D4-89DF-2892828A8829}"/>
+              </a:ext>
+            </a:extLst>
+          </p:cNvPr>
+          <p:cNvSpPr/>
+          <p:nvPr/>
+        </p:nvSpPr>
+        <p:spPr>
+          <a:xfrm>
+            <a:off x="11553986" y="0"/>
+            <a:ext cx="638014" cy="851256"/>
+          </a:xfrm>
+          <a:prstGeom prst="rect">
+            <a:avLst/>
+          </a:prstGeom>
+          <a:noFill/>
+          <a:ln>
+            <a:solidFill>
+              <a:schemeClr val="tx1">
+                <a:lumMod val="75000"/>
+                <a:lumOff val="25000"/>
+              </a:schemeClr>
+            </a:solidFill>
+          </a:ln>
+        </p:spPr>
+        <p:style>
+          <a:lnRef idx="2">
+            <a:schemeClr val="accent1">
+              <a:shade val="50000"/>
+            </a:schemeClr>
+          </a:lnRef>
+          <a:fillRef idx="1">
+            <a:schemeClr val="accent1"/>
+          </a:fillRef>
+          <a:effectRef idx="0">
+            <a:schemeClr val="accent1"/>
+          </a:effectRef>
+          <a:fontRef idx="minor">
+            <a:schemeClr val="lt1"/>
+          </a:fontRef>
+        </p:style>
+        <p:txBody>
+          <a:bodyPr rtlCol="0" anchor="ctr"/>
+          <a:lstStyle/>
+          <a:p>
+            <a:pPr algn="ctr"/>
+            <a:r>
+              <a:rPr lang="fr-FR" sz="2800" b="1" dirty="0" smtClean="0">
+                <a:solidFill>
+                  <a:schemeClr val="tx1">
+                    <a:lumMod val="95000"/>
+                    <a:lumOff val="5000"/>
+                  </a:schemeClr>
+                </a:solidFill>
+                <a:latin typeface="Abadi Extra Light" panose="020B0204020104020204" pitchFamily="34" charset="0"/>
+              </a:rPr>
+              <a:t>16</a:t>
+            </a:r>
+            <a:endParaRPr lang="fr-FR" sz="2800" b="1" dirty="0">
+              <a:solidFill>
+                <a:schemeClr val="tx1">
+                  <a:lumMod val="95000"/>
+                  <a:lumOff val="5000"/>
+                </a:schemeClr>
+              </a:solidFill>
+              <a:latin typeface="Abadi Extra Light" panose="020B0204020104020204" pitchFamily="34" charset="0"/>
+            </a:endParaRPr>
+          </a:p>
+        </p:txBody>
+      </p:sp>
     </p:spTree>
     <p:extLst>
       <p:ext uri="{BB962C8B-B14F-4D97-AF65-F5344CB8AC3E}">
@@ -11744,7 +11805,7 @@
           <p:cNvPr id="10" name="Picture 4" descr="RÃ©sultat de recherche d'images pour &quot;uga&quot;">
             <a:extLst>
               <a:ext uri="{FF2B5EF4-FFF2-40B4-BE49-F238E27FC236}">
-                <a16:creationId xmlns:a16="http://schemas.microsoft.com/office/drawing/2014/main" xmlns="" id="{45159814-FD32-4012-9694-D110A593A367}"/>
+                <a16:creationId xmlns="" xmlns:a16="http://schemas.microsoft.com/office/drawing/2014/main" id="{45159814-FD32-4012-9694-D110A593A367}"/>
               </a:ext>
             </a:extLst>
           </p:cNvPr>
@@ -11791,7 +11852,7 @@
           <p:cNvPr id="19" name="Groupe 18">
             <a:extLst>
               <a:ext uri="{FF2B5EF4-FFF2-40B4-BE49-F238E27FC236}">
-                <a16:creationId xmlns:a16="http://schemas.microsoft.com/office/drawing/2014/main" xmlns="" id="{93799E7A-2DFE-4762-AF90-C3410A1148AE}"/>
+                <a16:creationId xmlns="" xmlns:a16="http://schemas.microsoft.com/office/drawing/2014/main" id="{93799E7A-2DFE-4762-AF90-C3410A1148AE}"/>
               </a:ext>
             </a:extLst>
           </p:cNvPr>
@@ -11811,7 +11872,7 @@
             <p:cNvPr id="20" name="Connecteur droit 19">
               <a:extLst>
                 <a:ext uri="{FF2B5EF4-FFF2-40B4-BE49-F238E27FC236}">
-                  <a16:creationId xmlns:a16="http://schemas.microsoft.com/office/drawing/2014/main" xmlns="" id="{0D958259-2332-4D5E-A898-61EC2EF804A9}"/>
+                  <a16:creationId xmlns="" xmlns:a16="http://schemas.microsoft.com/office/drawing/2014/main" id="{0D958259-2332-4D5E-A898-61EC2EF804A9}"/>
                 </a:ext>
               </a:extLst>
             </p:cNvPr>
@@ -11854,7 +11915,7 @@
             <p:cNvPr id="21" name="ZoneTexte 20">
               <a:extLst>
                 <a:ext uri="{FF2B5EF4-FFF2-40B4-BE49-F238E27FC236}">
-                  <a16:creationId xmlns:a16="http://schemas.microsoft.com/office/drawing/2014/main" xmlns="" id="{C2E08385-BAF9-4FDF-8E28-8EE7E0227114}"/>
+                  <a16:creationId xmlns="" xmlns:a16="http://schemas.microsoft.com/office/drawing/2014/main" id="{C2E08385-BAF9-4FDF-8E28-8EE7E0227114}"/>
                 </a:ext>
               </a:extLst>
             </p:cNvPr>
@@ -11893,72 +11954,6 @@
           </p:txBody>
         </p:sp>
       </p:grpSp>
-      <p:sp>
-        <p:nvSpPr>
-          <p:cNvPr id="22" name="Rectangle 21">
-            <a:extLst>
-              <a:ext uri="{FF2B5EF4-FFF2-40B4-BE49-F238E27FC236}">
-                <a16:creationId xmlns:a16="http://schemas.microsoft.com/office/drawing/2014/main" xmlns="" id="{0C3CA151-AB30-44D4-89DF-2892828A8829}"/>
-              </a:ext>
-            </a:extLst>
-          </p:cNvPr>
-          <p:cNvSpPr/>
-          <p:nvPr/>
-        </p:nvSpPr>
-        <p:spPr>
-          <a:xfrm>
-            <a:off x="11569148" y="0"/>
-            <a:ext cx="622852" cy="851256"/>
-          </a:xfrm>
-          <a:prstGeom prst="rect">
-            <a:avLst/>
-          </a:prstGeom>
-          <a:noFill/>
-          <a:ln>
-            <a:solidFill>
-              <a:schemeClr val="tx1">
-                <a:lumMod val="75000"/>
-                <a:lumOff val="25000"/>
-              </a:schemeClr>
-            </a:solidFill>
-          </a:ln>
-        </p:spPr>
-        <p:style>
-          <a:lnRef idx="2">
-            <a:schemeClr val="accent1">
-              <a:shade val="50000"/>
-            </a:schemeClr>
-          </a:lnRef>
-          <a:fillRef idx="1">
-            <a:schemeClr val="accent1"/>
-          </a:fillRef>
-          <a:effectRef idx="0">
-            <a:schemeClr val="accent1"/>
-          </a:effectRef>
-          <a:fontRef idx="minor">
-            <a:schemeClr val="lt1"/>
-          </a:fontRef>
-        </p:style>
-        <p:txBody>
-          <a:bodyPr rtlCol="0" anchor="ctr"/>
-          <a:lstStyle/>
-          <a:p>
-            <a:pPr algn="ctr"/>
-            <a:r>
-              <a:rPr lang="fr-FR" sz="2800" b="1" dirty="0">
-                <a:solidFill>
-                  <a:schemeClr val="tx1">
-                    <a:lumMod val="95000"/>
-                    <a:lumOff val="5000"/>
-                  </a:schemeClr>
-                </a:solidFill>
-                <a:latin typeface="Abadi Extra Light" panose="020B0204020104020204" pitchFamily="34" charset="0"/>
-              </a:rPr>
-              <a:t>3</a:t>
-            </a:r>
-          </a:p>
-        </p:txBody>
-      </p:sp>
       <p:pic>
         <p:nvPicPr>
           <p:cNvPr id="3" name="Picture 2"/>
@@ -12008,7 +12003,7 @@
             <p:cNvPr id="38" name="ZoneTexte 1">
               <a:extLst>
                 <a:ext uri="{FF2B5EF4-FFF2-40B4-BE49-F238E27FC236}">
-                  <a16:creationId xmlns:a16="http://schemas.microsoft.com/office/drawing/2014/main" xmlns="" id="{91194ABD-5326-4623-8719-6EC600089264}"/>
+                  <a16:creationId xmlns="" xmlns:a16="http://schemas.microsoft.com/office/drawing/2014/main" id="{91194ABD-5326-4623-8719-6EC600089264}"/>
                 </a:ext>
               </a:extLst>
             </p:cNvPr>
@@ -12284,7 +12279,7 @@
           <p:cNvPr id="40" name="Groupe 22">
             <a:extLst>
               <a:ext uri="{FF2B5EF4-FFF2-40B4-BE49-F238E27FC236}">
-                <a16:creationId xmlns:a16="http://schemas.microsoft.com/office/drawing/2014/main" xmlns="" id="{3A92BEEB-A1E2-4C8A-BEAD-F49C6FBF1FAC}"/>
+                <a16:creationId xmlns="" xmlns:a16="http://schemas.microsoft.com/office/drawing/2014/main" id="{3A92BEEB-A1E2-4C8A-BEAD-F49C6FBF1FAC}"/>
               </a:ext>
             </a:extLst>
           </p:cNvPr>
@@ -12304,7 +12299,7 @@
             <p:cNvPr id="41" name="Groupe 23">
               <a:extLst>
                 <a:ext uri="{FF2B5EF4-FFF2-40B4-BE49-F238E27FC236}">
-                  <a16:creationId xmlns:a16="http://schemas.microsoft.com/office/drawing/2014/main" xmlns="" id="{46FBA561-CFA6-45B6-8ADE-0FB028A6F938}"/>
+                  <a16:creationId xmlns="" xmlns:a16="http://schemas.microsoft.com/office/drawing/2014/main" id="{46FBA561-CFA6-45B6-8ADE-0FB028A6F938}"/>
                 </a:ext>
               </a:extLst>
             </p:cNvPr>
@@ -12324,7 +12319,7 @@
               <p:cNvPr id="48" name="ZoneTexte 30">
                 <a:extLst>
                   <a:ext uri="{FF2B5EF4-FFF2-40B4-BE49-F238E27FC236}">
-                    <a16:creationId xmlns:a16="http://schemas.microsoft.com/office/drawing/2014/main" xmlns="" id="{10AA42D1-AA27-44F4-AC01-7E4C28651565}"/>
+                    <a16:creationId xmlns="" xmlns:a16="http://schemas.microsoft.com/office/drawing/2014/main" id="{10AA42D1-AA27-44F4-AC01-7E4C28651565}"/>
                   </a:ext>
                 </a:extLst>
               </p:cNvPr>
@@ -12377,7 +12372,7 @@
               <p:cNvPr id="49" name="Connecteur droit 31">
                 <a:extLst>
                   <a:ext uri="{FF2B5EF4-FFF2-40B4-BE49-F238E27FC236}">
-                    <a16:creationId xmlns:a16="http://schemas.microsoft.com/office/drawing/2014/main" xmlns="" id="{B20BCB14-5A20-422E-A06B-8178F7FF14F4}"/>
+                    <a16:creationId xmlns="" xmlns:a16="http://schemas.microsoft.com/office/drawing/2014/main" id="{B20BCB14-5A20-422E-A06B-8178F7FF14F4}"/>
                   </a:ext>
                 </a:extLst>
               </p:cNvPr>
@@ -12423,7 +12418,7 @@
             <p:cNvPr id="42" name="Groupe 24">
               <a:extLst>
                 <a:ext uri="{FF2B5EF4-FFF2-40B4-BE49-F238E27FC236}">
-                  <a16:creationId xmlns:a16="http://schemas.microsoft.com/office/drawing/2014/main" xmlns="" id="{E31F5622-A2BA-4298-9BD7-5978D11BF62B}"/>
+                  <a16:creationId xmlns="" xmlns:a16="http://schemas.microsoft.com/office/drawing/2014/main" id="{E31F5622-A2BA-4298-9BD7-5978D11BF62B}"/>
                 </a:ext>
               </a:extLst>
             </p:cNvPr>
@@ -12443,7 +12438,7 @@
               <p:cNvPr id="46" name="ZoneTexte 28">
                 <a:extLst>
                   <a:ext uri="{FF2B5EF4-FFF2-40B4-BE49-F238E27FC236}">
-                    <a16:creationId xmlns:a16="http://schemas.microsoft.com/office/drawing/2014/main" xmlns="" id="{AABC5411-A25E-4B14-9255-F4390BFAFD09}"/>
+                    <a16:creationId xmlns="" xmlns:a16="http://schemas.microsoft.com/office/drawing/2014/main" id="{AABC5411-A25E-4B14-9255-F4390BFAFD09}"/>
                   </a:ext>
                 </a:extLst>
               </p:cNvPr>
@@ -12496,7 +12491,7 @@
               <p:cNvPr id="47" name="Connecteur droit 29">
                 <a:extLst>
                   <a:ext uri="{FF2B5EF4-FFF2-40B4-BE49-F238E27FC236}">
-                    <a16:creationId xmlns:a16="http://schemas.microsoft.com/office/drawing/2014/main" xmlns="" id="{DBA493D9-EAD3-491E-944D-31C23DBA7812}"/>
+                    <a16:creationId xmlns="" xmlns:a16="http://schemas.microsoft.com/office/drawing/2014/main" id="{DBA493D9-EAD3-491E-944D-31C23DBA7812}"/>
                   </a:ext>
                 </a:extLst>
               </p:cNvPr>
@@ -12542,7 +12537,7 @@
             <p:cNvPr id="43" name="Groupe 25">
               <a:extLst>
                 <a:ext uri="{FF2B5EF4-FFF2-40B4-BE49-F238E27FC236}">
-                  <a16:creationId xmlns:a16="http://schemas.microsoft.com/office/drawing/2014/main" xmlns="" id="{C9532792-E619-4EBA-B95D-536C3466862B}"/>
+                  <a16:creationId xmlns="" xmlns:a16="http://schemas.microsoft.com/office/drawing/2014/main" id="{C9532792-E619-4EBA-B95D-536C3466862B}"/>
                 </a:ext>
               </a:extLst>
             </p:cNvPr>
@@ -12562,7 +12557,7 @@
               <p:cNvPr id="44" name="ZoneTexte 26">
                 <a:extLst>
                   <a:ext uri="{FF2B5EF4-FFF2-40B4-BE49-F238E27FC236}">
-                    <a16:creationId xmlns:a16="http://schemas.microsoft.com/office/drawing/2014/main" xmlns="" id="{DAE6088A-6F59-41E8-ADFB-C6E3A2ED5CFE}"/>
+                    <a16:creationId xmlns="" xmlns:a16="http://schemas.microsoft.com/office/drawing/2014/main" id="{DAE6088A-6F59-41E8-ADFB-C6E3A2ED5CFE}"/>
                   </a:ext>
                 </a:extLst>
               </p:cNvPr>
@@ -12605,7 +12600,7 @@
               <p:cNvPr id="45" name="Connecteur droit 27">
                 <a:extLst>
                   <a:ext uri="{FF2B5EF4-FFF2-40B4-BE49-F238E27FC236}">
-                    <a16:creationId xmlns:a16="http://schemas.microsoft.com/office/drawing/2014/main" xmlns="" id="{AC47ED8C-AE50-4C27-B399-2211690DBFDC}"/>
+                    <a16:creationId xmlns="" xmlns:a16="http://schemas.microsoft.com/office/drawing/2014/main" id="{AC47ED8C-AE50-4C27-B399-2211690DBFDC}"/>
                   </a:ext>
                 </a:extLst>
               </p:cNvPr>
@@ -12645,6 +12640,81 @@
           </p:cxnSp>
         </p:grpSp>
       </p:grpSp>
+      <p:sp>
+        <p:nvSpPr>
+          <p:cNvPr id="23" name="Rectangle 22">
+            <a:extLst>
+              <a:ext uri="{FF2B5EF4-FFF2-40B4-BE49-F238E27FC236}">
+                <a16:creationId xmlns="" xmlns:a16="http://schemas.microsoft.com/office/drawing/2014/main" id="{0C3CA151-AB30-44D4-89DF-2892828A8829}"/>
+              </a:ext>
+            </a:extLst>
+          </p:cNvPr>
+          <p:cNvSpPr/>
+          <p:nvPr/>
+        </p:nvSpPr>
+        <p:spPr>
+          <a:xfrm>
+            <a:off x="11553986" y="0"/>
+            <a:ext cx="638014" cy="851256"/>
+          </a:xfrm>
+          <a:prstGeom prst="rect">
+            <a:avLst/>
+          </a:prstGeom>
+          <a:noFill/>
+          <a:ln>
+            <a:solidFill>
+              <a:schemeClr val="tx1">
+                <a:lumMod val="75000"/>
+                <a:lumOff val="25000"/>
+              </a:schemeClr>
+            </a:solidFill>
+          </a:ln>
+        </p:spPr>
+        <p:style>
+          <a:lnRef idx="2">
+            <a:schemeClr val="accent1">
+              <a:shade val="50000"/>
+            </a:schemeClr>
+          </a:lnRef>
+          <a:fillRef idx="1">
+            <a:schemeClr val="accent1"/>
+          </a:fillRef>
+          <a:effectRef idx="0">
+            <a:schemeClr val="accent1"/>
+          </a:effectRef>
+          <a:fontRef idx="minor">
+            <a:schemeClr val="lt1"/>
+          </a:fontRef>
+        </p:style>
+        <p:txBody>
+          <a:bodyPr rtlCol="0" anchor="ctr"/>
+          <a:lstStyle/>
+          <a:p>
+            <a:pPr algn="ctr"/>
+            <a:r>
+              <a:rPr lang="fr-FR" sz="2800" b="1" dirty="0" smtClean="0">
+                <a:solidFill>
+                  <a:schemeClr val="tx1">
+                    <a:lumMod val="95000"/>
+                    <a:lumOff val="5000"/>
+                  </a:schemeClr>
+                </a:solidFill>
+                <a:latin typeface="Abadi Extra Light" panose="020B0204020104020204" pitchFamily="34" charset="0"/>
+              </a:rPr>
+              <a:t>17</a:t>
+            </a:r>
+            <a:endParaRPr lang="fr-FR" sz="2800" b="1" dirty="0">
+              <a:solidFill>
+                <a:schemeClr val="tx1">
+                  <a:lumMod val="95000"/>
+                  <a:lumOff val="5000"/>
+                </a:schemeClr>
+              </a:solidFill>
+              <a:latin typeface="Abadi Extra Light" panose="020B0204020104020204" pitchFamily="34" charset="0"/>
+            </a:endParaRPr>
+          </a:p>
+        </p:txBody>
+      </p:sp>
     </p:spTree>
     <p:extLst>
       <p:ext uri="{BB962C8B-B14F-4D97-AF65-F5344CB8AC3E}">
@@ -12687,7 +12757,7 @@
           <p:cNvPr id="10" name="Picture 4" descr="RÃ©sultat de recherche d'images pour &quot;uga&quot;">
             <a:extLst>
               <a:ext uri="{FF2B5EF4-FFF2-40B4-BE49-F238E27FC236}">
-                <a16:creationId xmlns:a16="http://schemas.microsoft.com/office/drawing/2014/main" xmlns="" id="{45159814-FD32-4012-9694-D110A593A367}"/>
+                <a16:creationId xmlns="" xmlns:a16="http://schemas.microsoft.com/office/drawing/2014/main" id="{45159814-FD32-4012-9694-D110A593A367}"/>
               </a:ext>
             </a:extLst>
           </p:cNvPr>
@@ -12734,7 +12804,7 @@
           <p:cNvPr id="19" name="Groupe 18">
             <a:extLst>
               <a:ext uri="{FF2B5EF4-FFF2-40B4-BE49-F238E27FC236}">
-                <a16:creationId xmlns:a16="http://schemas.microsoft.com/office/drawing/2014/main" xmlns="" id="{93799E7A-2DFE-4762-AF90-C3410A1148AE}"/>
+                <a16:creationId xmlns="" xmlns:a16="http://schemas.microsoft.com/office/drawing/2014/main" id="{93799E7A-2DFE-4762-AF90-C3410A1148AE}"/>
               </a:ext>
             </a:extLst>
           </p:cNvPr>
@@ -12754,7 +12824,7 @@
             <p:cNvPr id="20" name="Connecteur droit 19">
               <a:extLst>
                 <a:ext uri="{FF2B5EF4-FFF2-40B4-BE49-F238E27FC236}">
-                  <a16:creationId xmlns:a16="http://schemas.microsoft.com/office/drawing/2014/main" xmlns="" id="{0D958259-2332-4D5E-A898-61EC2EF804A9}"/>
+                  <a16:creationId xmlns="" xmlns:a16="http://schemas.microsoft.com/office/drawing/2014/main" id="{0D958259-2332-4D5E-A898-61EC2EF804A9}"/>
                 </a:ext>
               </a:extLst>
             </p:cNvPr>
@@ -12797,7 +12867,7 @@
             <p:cNvPr id="21" name="ZoneTexte 20">
               <a:extLst>
                 <a:ext uri="{FF2B5EF4-FFF2-40B4-BE49-F238E27FC236}">
-                  <a16:creationId xmlns:a16="http://schemas.microsoft.com/office/drawing/2014/main" xmlns="" id="{C2E08385-BAF9-4FDF-8E28-8EE7E0227114}"/>
+                  <a16:creationId xmlns="" xmlns:a16="http://schemas.microsoft.com/office/drawing/2014/main" id="{C2E08385-BAF9-4FDF-8E28-8EE7E0227114}"/>
                 </a:ext>
               </a:extLst>
             </p:cNvPr>
@@ -12847,7 +12917,7 @@
           <p:cNvPr id="22" name="Rectangle 21">
             <a:extLst>
               <a:ext uri="{FF2B5EF4-FFF2-40B4-BE49-F238E27FC236}">
-                <a16:creationId xmlns:a16="http://schemas.microsoft.com/office/drawing/2014/main" xmlns="" id="{0C3CA151-AB30-44D4-89DF-2892828A8829}"/>
+                <a16:creationId xmlns="" xmlns:a16="http://schemas.microsoft.com/office/drawing/2014/main" id="{0C3CA151-AB30-44D4-89DF-2892828A8829}"/>
               </a:ext>
             </a:extLst>
           </p:cNvPr>
@@ -12894,7 +12964,7 @@
           <a:p>
             <a:pPr algn="ctr"/>
             <a:r>
-              <a:rPr lang="fr-FR" sz="2800" b="1" dirty="0">
+              <a:rPr lang="fr-FR" sz="2800" b="1" dirty="0" smtClean="0">
                 <a:solidFill>
                   <a:schemeClr val="tx1">
                     <a:lumMod val="95000"/>
@@ -12903,8 +12973,17 @@
                 </a:solidFill>
                 <a:latin typeface="Abadi Extra Light" panose="020B0204020104020204" pitchFamily="34" charset="0"/>
               </a:rPr>
-              <a:t>3</a:t>
-            </a:r>
+              <a:t>18</a:t>
+            </a:r>
+            <a:endParaRPr lang="fr-FR" sz="2800" b="1" dirty="0">
+              <a:solidFill>
+                <a:schemeClr val="tx1">
+                  <a:lumMod val="95000"/>
+                  <a:lumOff val="5000"/>
+                </a:schemeClr>
+              </a:solidFill>
+              <a:latin typeface="Abadi Extra Light" panose="020B0204020104020204" pitchFamily="34" charset="0"/>
+            </a:endParaRPr>
           </a:p>
         </p:txBody>
       </p:sp>
@@ -13126,7 +13205,7 @@
             <p:cNvPr id="39" name="ZoneTexte 1">
               <a:extLst>
                 <a:ext uri="{FF2B5EF4-FFF2-40B4-BE49-F238E27FC236}">
-                  <a16:creationId xmlns:a16="http://schemas.microsoft.com/office/drawing/2014/main" xmlns="" id="{91194ABD-5326-4623-8719-6EC600089264}"/>
+                  <a16:creationId xmlns="" xmlns:a16="http://schemas.microsoft.com/office/drawing/2014/main" id="{91194ABD-5326-4623-8719-6EC600089264}"/>
                 </a:ext>
               </a:extLst>
             </p:cNvPr>
@@ -13462,7 +13541,7 @@
           <p:cNvPr id="10" name="Picture 4" descr="RÃ©sultat de recherche d'images pour &quot;uga&quot;">
             <a:extLst>
               <a:ext uri="{FF2B5EF4-FFF2-40B4-BE49-F238E27FC236}">
-                <a16:creationId xmlns:a16="http://schemas.microsoft.com/office/drawing/2014/main" xmlns="" id="{45159814-FD32-4012-9694-D110A593A367}"/>
+                <a16:creationId xmlns="" xmlns:a16="http://schemas.microsoft.com/office/drawing/2014/main" id="{45159814-FD32-4012-9694-D110A593A367}"/>
               </a:ext>
             </a:extLst>
           </p:cNvPr>
@@ -13509,7 +13588,7 @@
           <p:cNvPr id="53" name="ZoneTexte 52">
             <a:extLst>
               <a:ext uri="{FF2B5EF4-FFF2-40B4-BE49-F238E27FC236}">
-                <a16:creationId xmlns:a16="http://schemas.microsoft.com/office/drawing/2014/main" xmlns="" id="{486036A8-D81C-40F9-98BE-042B285741F3}"/>
+                <a16:creationId xmlns="" xmlns:a16="http://schemas.microsoft.com/office/drawing/2014/main" id="{486036A8-D81C-40F9-98BE-042B285741F3}"/>
               </a:ext>
             </a:extLst>
           </p:cNvPr>
@@ -13736,7 +13815,7 @@
           <p:cNvPr id="19" name="Groupe 18">
             <a:extLst>
               <a:ext uri="{FF2B5EF4-FFF2-40B4-BE49-F238E27FC236}">
-                <a16:creationId xmlns:a16="http://schemas.microsoft.com/office/drawing/2014/main" xmlns="" id="{93799E7A-2DFE-4762-AF90-C3410A1148AE}"/>
+                <a16:creationId xmlns="" xmlns:a16="http://schemas.microsoft.com/office/drawing/2014/main" id="{93799E7A-2DFE-4762-AF90-C3410A1148AE}"/>
               </a:ext>
             </a:extLst>
           </p:cNvPr>
@@ -13756,7 +13835,7 @@
             <p:cNvPr id="20" name="Connecteur droit 19">
               <a:extLst>
                 <a:ext uri="{FF2B5EF4-FFF2-40B4-BE49-F238E27FC236}">
-                  <a16:creationId xmlns:a16="http://schemas.microsoft.com/office/drawing/2014/main" xmlns="" id="{0D958259-2332-4D5E-A898-61EC2EF804A9}"/>
+                  <a16:creationId xmlns="" xmlns:a16="http://schemas.microsoft.com/office/drawing/2014/main" id="{0D958259-2332-4D5E-A898-61EC2EF804A9}"/>
                 </a:ext>
               </a:extLst>
             </p:cNvPr>
@@ -13799,7 +13878,7 @@
             <p:cNvPr id="21" name="ZoneTexte 20">
               <a:extLst>
                 <a:ext uri="{FF2B5EF4-FFF2-40B4-BE49-F238E27FC236}">
-                  <a16:creationId xmlns:a16="http://schemas.microsoft.com/office/drawing/2014/main" xmlns="" id="{C2E08385-BAF9-4FDF-8E28-8EE7E0227114}"/>
+                  <a16:creationId xmlns="" xmlns:a16="http://schemas.microsoft.com/office/drawing/2014/main" id="{C2E08385-BAF9-4FDF-8E28-8EE7E0227114}"/>
                 </a:ext>
               </a:extLst>
             </p:cNvPr>
@@ -13850,72 +13929,6 @@
           </p:txBody>
         </p:sp>
       </p:grpSp>
-      <p:sp>
-        <p:nvSpPr>
-          <p:cNvPr id="22" name="Rectangle 21">
-            <a:extLst>
-              <a:ext uri="{FF2B5EF4-FFF2-40B4-BE49-F238E27FC236}">
-                <a16:creationId xmlns:a16="http://schemas.microsoft.com/office/drawing/2014/main" xmlns="" id="{0C3CA151-AB30-44D4-89DF-2892828A8829}"/>
-              </a:ext>
-            </a:extLst>
-          </p:cNvPr>
-          <p:cNvSpPr/>
-          <p:nvPr/>
-        </p:nvSpPr>
-        <p:spPr>
-          <a:xfrm>
-            <a:off x="11569148" y="0"/>
-            <a:ext cx="622852" cy="851256"/>
-          </a:xfrm>
-          <a:prstGeom prst="rect">
-            <a:avLst/>
-          </a:prstGeom>
-          <a:noFill/>
-          <a:ln>
-            <a:solidFill>
-              <a:schemeClr val="tx1">
-                <a:lumMod val="75000"/>
-                <a:lumOff val="25000"/>
-              </a:schemeClr>
-            </a:solidFill>
-          </a:ln>
-        </p:spPr>
-        <p:style>
-          <a:lnRef idx="2">
-            <a:schemeClr val="accent1">
-              <a:shade val="50000"/>
-            </a:schemeClr>
-          </a:lnRef>
-          <a:fillRef idx="1">
-            <a:schemeClr val="accent1"/>
-          </a:fillRef>
-          <a:effectRef idx="0">
-            <a:schemeClr val="accent1"/>
-          </a:effectRef>
-          <a:fontRef idx="minor">
-            <a:schemeClr val="lt1"/>
-          </a:fontRef>
-        </p:style>
-        <p:txBody>
-          <a:bodyPr rtlCol="0" anchor="ctr"/>
-          <a:lstStyle/>
-          <a:p>
-            <a:pPr algn="ctr"/>
-            <a:r>
-              <a:rPr lang="fr-FR" sz="2800" b="1" dirty="0">
-                <a:solidFill>
-                  <a:schemeClr val="tx1">
-                    <a:lumMod val="95000"/>
-                    <a:lumOff val="5000"/>
-                  </a:schemeClr>
-                </a:solidFill>
-                <a:latin typeface="Abadi Extra Light" panose="020B0204020104020204" pitchFamily="34" charset="0"/>
-              </a:rPr>
-              <a:t>3</a:t>
-            </a:r>
-          </a:p>
-        </p:txBody>
-      </p:sp>
       <p:grpSp>
         <p:nvGrpSpPr>
           <p:cNvPr id="37" name="Group 36"/>
@@ -13935,7 +13948,7 @@
             <p:cNvPr id="38" name="ZoneTexte 1">
               <a:extLst>
                 <a:ext uri="{FF2B5EF4-FFF2-40B4-BE49-F238E27FC236}">
-                  <a16:creationId xmlns:a16="http://schemas.microsoft.com/office/drawing/2014/main" xmlns="" id="{91194ABD-5326-4623-8719-6EC600089264}"/>
+                  <a16:creationId xmlns="" xmlns:a16="http://schemas.microsoft.com/office/drawing/2014/main" id="{91194ABD-5326-4623-8719-6EC600089264}"/>
                 </a:ext>
               </a:extLst>
             </p:cNvPr>
@@ -14206,6 +14219,81 @@
           </p:spPr>
         </p:pic>
       </p:grpSp>
+      <p:sp>
+        <p:nvSpPr>
+          <p:cNvPr id="12" name="Rectangle 11">
+            <a:extLst>
+              <a:ext uri="{FF2B5EF4-FFF2-40B4-BE49-F238E27FC236}">
+                <a16:creationId xmlns="" xmlns:a16="http://schemas.microsoft.com/office/drawing/2014/main" id="{0C3CA151-AB30-44D4-89DF-2892828A8829}"/>
+              </a:ext>
+            </a:extLst>
+          </p:cNvPr>
+          <p:cNvSpPr/>
+          <p:nvPr/>
+        </p:nvSpPr>
+        <p:spPr>
+          <a:xfrm>
+            <a:off x="11553986" y="0"/>
+            <a:ext cx="638014" cy="851256"/>
+          </a:xfrm>
+          <a:prstGeom prst="rect">
+            <a:avLst/>
+          </a:prstGeom>
+          <a:noFill/>
+          <a:ln>
+            <a:solidFill>
+              <a:schemeClr val="tx1">
+                <a:lumMod val="75000"/>
+                <a:lumOff val="25000"/>
+              </a:schemeClr>
+            </a:solidFill>
+          </a:ln>
+        </p:spPr>
+        <p:style>
+          <a:lnRef idx="2">
+            <a:schemeClr val="accent1">
+              <a:shade val="50000"/>
+            </a:schemeClr>
+          </a:lnRef>
+          <a:fillRef idx="1">
+            <a:schemeClr val="accent1"/>
+          </a:fillRef>
+          <a:effectRef idx="0">
+            <a:schemeClr val="accent1"/>
+          </a:effectRef>
+          <a:fontRef idx="minor">
+            <a:schemeClr val="lt1"/>
+          </a:fontRef>
+        </p:style>
+        <p:txBody>
+          <a:bodyPr rtlCol="0" anchor="ctr"/>
+          <a:lstStyle/>
+          <a:p>
+            <a:pPr algn="ctr"/>
+            <a:r>
+              <a:rPr lang="fr-FR" sz="2800" b="1" dirty="0" smtClean="0">
+                <a:solidFill>
+                  <a:schemeClr val="tx1">
+                    <a:lumMod val="95000"/>
+                    <a:lumOff val="5000"/>
+                  </a:schemeClr>
+                </a:solidFill>
+                <a:latin typeface="Abadi Extra Light" panose="020B0204020104020204" pitchFamily="34" charset="0"/>
+              </a:rPr>
+              <a:t>19</a:t>
+            </a:r>
+            <a:endParaRPr lang="fr-FR" sz="2800" b="1" dirty="0">
+              <a:solidFill>
+                <a:schemeClr val="tx1">
+                  <a:lumMod val="95000"/>
+                  <a:lumOff val="5000"/>
+                </a:schemeClr>
+              </a:solidFill>
+              <a:latin typeface="Abadi Extra Light" panose="020B0204020104020204" pitchFamily="34" charset="0"/>
+            </a:endParaRPr>
+          </a:p>
+        </p:txBody>
+      </p:sp>
     </p:spTree>
     <p:extLst>
       <p:ext uri="{BB962C8B-B14F-4D97-AF65-F5344CB8AC3E}">
@@ -14248,7 +14336,7 @@
           <p:cNvPr id="8" name="Groupe 7">
             <a:extLst>
               <a:ext uri="{FF2B5EF4-FFF2-40B4-BE49-F238E27FC236}">
-                <a16:creationId xmlns:a16="http://schemas.microsoft.com/office/drawing/2014/main" xmlns="" id="{ED5B851C-11F3-4DD1-AEDB-1127781323BF}"/>
+                <a16:creationId xmlns="" xmlns:a16="http://schemas.microsoft.com/office/drawing/2014/main" id="{ED5B851C-11F3-4DD1-AEDB-1127781323BF}"/>
               </a:ext>
             </a:extLst>
           </p:cNvPr>
@@ -14268,7 +14356,7 @@
             <p:cNvPr id="6" name="Connecteur droit 5">
               <a:extLst>
                 <a:ext uri="{FF2B5EF4-FFF2-40B4-BE49-F238E27FC236}">
-                  <a16:creationId xmlns:a16="http://schemas.microsoft.com/office/drawing/2014/main" xmlns="" id="{20DC168E-E1D3-4652-956D-060CA6E6533A}"/>
+                  <a16:creationId xmlns="" xmlns:a16="http://schemas.microsoft.com/office/drawing/2014/main" id="{20DC168E-E1D3-4652-956D-060CA6E6533A}"/>
                 </a:ext>
               </a:extLst>
             </p:cNvPr>
@@ -14311,7 +14399,7 @@
             <p:cNvPr id="7" name="ZoneTexte 6">
               <a:extLst>
                 <a:ext uri="{FF2B5EF4-FFF2-40B4-BE49-F238E27FC236}">
-                  <a16:creationId xmlns:a16="http://schemas.microsoft.com/office/drawing/2014/main" xmlns="" id="{FA5A3328-7F17-4CB0-B60A-88A2470597EE}"/>
+                  <a16:creationId xmlns="" xmlns:a16="http://schemas.microsoft.com/office/drawing/2014/main" id="{FA5A3328-7F17-4CB0-B60A-88A2470597EE}"/>
                 </a:ext>
               </a:extLst>
             </p:cNvPr>
@@ -14352,7 +14440,7 @@
           <p:cNvPr id="10" name="Picture 4" descr="RÃ©sultat de recherche d'images pour &quot;uga&quot;">
             <a:extLst>
               <a:ext uri="{FF2B5EF4-FFF2-40B4-BE49-F238E27FC236}">
-                <a16:creationId xmlns:a16="http://schemas.microsoft.com/office/drawing/2014/main" xmlns="" id="{45159814-FD32-4012-9694-D110A593A367}"/>
+                <a16:creationId xmlns="" xmlns:a16="http://schemas.microsoft.com/office/drawing/2014/main" id="{45159814-FD32-4012-9694-D110A593A367}"/>
               </a:ext>
             </a:extLst>
           </p:cNvPr>
@@ -14399,7 +14487,7 @@
           <p:cNvPr id="13" name="ZoneTexte 12">
             <a:extLst>
               <a:ext uri="{FF2B5EF4-FFF2-40B4-BE49-F238E27FC236}">
-                <a16:creationId xmlns:a16="http://schemas.microsoft.com/office/drawing/2014/main" xmlns="" id="{15AB0F3E-958E-4218-9FFC-AD204BB3F1FD}"/>
+                <a16:creationId xmlns="" xmlns:a16="http://schemas.microsoft.com/office/drawing/2014/main" id="{15AB0F3E-958E-4218-9FFC-AD204BB3F1FD}"/>
               </a:ext>
             </a:extLst>
           </p:cNvPr>
@@ -14634,7 +14722,7 @@
             <p:cNvPr id="2" name="ZoneTexte 1">
               <a:extLst>
                 <a:ext uri="{FF2B5EF4-FFF2-40B4-BE49-F238E27FC236}">
-                  <a16:creationId xmlns:a16="http://schemas.microsoft.com/office/drawing/2014/main" xmlns="" id="{91194ABD-5326-4623-8719-6EC600089264}"/>
+                  <a16:creationId xmlns="" xmlns:a16="http://schemas.microsoft.com/office/drawing/2014/main" id="{91194ABD-5326-4623-8719-6EC600089264}"/>
                 </a:ext>
               </a:extLst>
             </p:cNvPr>
@@ -14947,7 +15035,7 @@
           <p:cNvPr id="7" name="ZoneTexte 6">
             <a:extLst>
               <a:ext uri="{FF2B5EF4-FFF2-40B4-BE49-F238E27FC236}">
-                <a16:creationId xmlns="" xmlns:a16="http://schemas.microsoft.com/office/drawing/2014/main" id="{FA5A3328-7F17-4CB0-B60A-88A2470597EE}"/>
+                <a16:creationId xmlns:a16="http://schemas.microsoft.com/office/drawing/2014/main" xmlns="" id="{FA5A3328-7F17-4CB0-B60A-88A2470597EE}"/>
               </a:ext>
             </a:extLst>
           </p:cNvPr>
@@ -15005,7 +15093,7 @@
           <p:cNvPr id="10" name="Picture 4" descr="RÃ©sultat de recherche d'images pour &quot;uga&quot;">
             <a:extLst>
               <a:ext uri="{FF2B5EF4-FFF2-40B4-BE49-F238E27FC236}">
-                <a16:creationId xmlns="" xmlns:a16="http://schemas.microsoft.com/office/drawing/2014/main" id="{45159814-FD32-4012-9694-D110A593A367}"/>
+                <a16:creationId xmlns:a16="http://schemas.microsoft.com/office/drawing/2014/main" xmlns="" id="{45159814-FD32-4012-9694-D110A593A367}"/>
               </a:ext>
             </a:extLst>
           </p:cNvPr>
@@ -15052,7 +15140,7 @@
           <p:cNvPr id="9" name="ZoneTexte 8">
             <a:extLst>
               <a:ext uri="{FF2B5EF4-FFF2-40B4-BE49-F238E27FC236}">
-                <a16:creationId xmlns="" xmlns:a16="http://schemas.microsoft.com/office/drawing/2014/main" id="{3B6427B8-AB0D-4A88-A33A-671763D3AFE1}"/>
+                <a16:creationId xmlns:a16="http://schemas.microsoft.com/office/drawing/2014/main" xmlns="" id="{3B6427B8-AB0D-4A88-A33A-671763D3AFE1}"/>
               </a:ext>
             </a:extLst>
           </p:cNvPr>
@@ -15142,7 +15230,7 @@
             <p:cNvPr id="14" name="ZoneTexte 1">
               <a:extLst>
                 <a:ext uri="{FF2B5EF4-FFF2-40B4-BE49-F238E27FC236}">
-                  <a16:creationId xmlns:a16="http://schemas.microsoft.com/office/drawing/2014/main" xmlns="" id="{91194ABD-5326-4623-8719-6EC600089264}"/>
+                  <a16:creationId xmlns="" xmlns:a16="http://schemas.microsoft.com/office/drawing/2014/main" id="{91194ABD-5326-4623-8719-6EC600089264}"/>
                 </a:ext>
               </a:extLst>
             </p:cNvPr>
@@ -15423,6 +15511,13 @@
   <p:clrMapOvr>
     <a:masterClrMapping/>
   </p:clrMapOvr>
+  <p:timing>
+    <p:tnLst>
+      <p:par>
+        <p:cTn id="1" dur="indefinite" restart="never" nodeType="tmRoot"/>
+      </p:par>
+    </p:tnLst>
+  </p:timing>
 </p:sld>
 </file>
 
@@ -15448,7 +15543,7 @@
           <p:cNvPr id="10" name="Picture 4" descr="RÃ©sultat de recherche d'images pour &quot;uga&quot;">
             <a:extLst>
               <a:ext uri="{FF2B5EF4-FFF2-40B4-BE49-F238E27FC236}">
-                <a16:creationId xmlns="" xmlns:a16="http://schemas.microsoft.com/office/drawing/2014/main" id="{45159814-FD32-4012-9694-D110A593A367}"/>
+                <a16:creationId xmlns:a16="http://schemas.microsoft.com/office/drawing/2014/main" xmlns="" id="{45159814-FD32-4012-9694-D110A593A367}"/>
               </a:ext>
             </a:extLst>
           </p:cNvPr>
@@ -15495,7 +15590,7 @@
           <p:cNvPr id="53" name="ZoneTexte 52">
             <a:extLst>
               <a:ext uri="{FF2B5EF4-FFF2-40B4-BE49-F238E27FC236}">
-                <a16:creationId xmlns="" xmlns:a16="http://schemas.microsoft.com/office/drawing/2014/main" id="{486036A8-D81C-40F9-98BE-042B285741F3}"/>
+                <a16:creationId xmlns:a16="http://schemas.microsoft.com/office/drawing/2014/main" xmlns="" id="{486036A8-D81C-40F9-98BE-042B285741F3}"/>
               </a:ext>
             </a:extLst>
           </p:cNvPr>
@@ -15587,7 +15682,7 @@
           <p:cNvPr id="19" name="Groupe 18">
             <a:extLst>
               <a:ext uri="{FF2B5EF4-FFF2-40B4-BE49-F238E27FC236}">
-                <a16:creationId xmlns="" xmlns:a16="http://schemas.microsoft.com/office/drawing/2014/main" id="{93799E7A-2DFE-4762-AF90-C3410A1148AE}"/>
+                <a16:creationId xmlns:a16="http://schemas.microsoft.com/office/drawing/2014/main" xmlns="" id="{93799E7A-2DFE-4762-AF90-C3410A1148AE}"/>
               </a:ext>
             </a:extLst>
           </p:cNvPr>
@@ -15607,7 +15702,7 @@
             <p:cNvPr id="20" name="Connecteur droit 19">
               <a:extLst>
                 <a:ext uri="{FF2B5EF4-FFF2-40B4-BE49-F238E27FC236}">
-                  <a16:creationId xmlns="" xmlns:a16="http://schemas.microsoft.com/office/drawing/2014/main" id="{0D958259-2332-4D5E-A898-61EC2EF804A9}"/>
+                  <a16:creationId xmlns:a16="http://schemas.microsoft.com/office/drawing/2014/main" xmlns="" id="{0D958259-2332-4D5E-A898-61EC2EF804A9}"/>
                 </a:ext>
               </a:extLst>
             </p:cNvPr>
@@ -15650,7 +15745,7 @@
             <p:cNvPr id="21" name="ZoneTexte 20">
               <a:extLst>
                 <a:ext uri="{FF2B5EF4-FFF2-40B4-BE49-F238E27FC236}">
-                  <a16:creationId xmlns="" xmlns:a16="http://schemas.microsoft.com/office/drawing/2014/main" id="{C2E08385-BAF9-4FDF-8E28-8EE7E0227114}"/>
+                  <a16:creationId xmlns:a16="http://schemas.microsoft.com/office/drawing/2014/main" xmlns="" id="{C2E08385-BAF9-4FDF-8E28-8EE7E0227114}"/>
                 </a:ext>
               </a:extLst>
             </p:cNvPr>
@@ -15707,7 +15802,7 @@
           <p:cNvPr id="22" name="Rectangle 21">
             <a:extLst>
               <a:ext uri="{FF2B5EF4-FFF2-40B4-BE49-F238E27FC236}">
-                <a16:creationId xmlns="" xmlns:a16="http://schemas.microsoft.com/office/drawing/2014/main" id="{0C3CA151-AB30-44D4-89DF-2892828A8829}"/>
+                <a16:creationId xmlns:a16="http://schemas.microsoft.com/office/drawing/2014/main" xmlns="" id="{0C3CA151-AB30-44D4-89DF-2892828A8829}"/>
               </a:ext>
             </a:extLst>
           </p:cNvPr>
@@ -15787,7 +15882,7 @@
             <p:cNvPr id="38" name="ZoneTexte 1">
               <a:extLst>
                 <a:ext uri="{FF2B5EF4-FFF2-40B4-BE49-F238E27FC236}">
-                  <a16:creationId xmlns:a16="http://schemas.microsoft.com/office/drawing/2014/main" xmlns="" id="{91194ABD-5326-4623-8719-6EC600089264}"/>
+                  <a16:creationId xmlns="" xmlns:a16="http://schemas.microsoft.com/office/drawing/2014/main" id="{91194ABD-5326-4623-8719-6EC600089264}"/>
                 </a:ext>
               </a:extLst>
             </p:cNvPr>
@@ -16063,7 +16158,7 @@
           <p:cNvPr id="40" name="Groupe 22">
             <a:extLst>
               <a:ext uri="{FF2B5EF4-FFF2-40B4-BE49-F238E27FC236}">
-                <a16:creationId xmlns:a16="http://schemas.microsoft.com/office/drawing/2014/main" xmlns="" id="{3A92BEEB-A1E2-4C8A-BEAD-F49C6FBF1FAC}"/>
+                <a16:creationId xmlns="" xmlns:a16="http://schemas.microsoft.com/office/drawing/2014/main" id="{3A92BEEB-A1E2-4C8A-BEAD-F49C6FBF1FAC}"/>
               </a:ext>
             </a:extLst>
           </p:cNvPr>
@@ -16083,7 +16178,7 @@
             <p:cNvPr id="41" name="Groupe 23">
               <a:extLst>
                 <a:ext uri="{FF2B5EF4-FFF2-40B4-BE49-F238E27FC236}">
-                  <a16:creationId xmlns:a16="http://schemas.microsoft.com/office/drawing/2014/main" xmlns="" id="{46FBA561-CFA6-45B6-8ADE-0FB028A6F938}"/>
+                  <a16:creationId xmlns="" xmlns:a16="http://schemas.microsoft.com/office/drawing/2014/main" id="{46FBA561-CFA6-45B6-8ADE-0FB028A6F938}"/>
                 </a:ext>
               </a:extLst>
             </p:cNvPr>
@@ -16103,7 +16198,7 @@
               <p:cNvPr id="48" name="ZoneTexte 30">
                 <a:extLst>
                   <a:ext uri="{FF2B5EF4-FFF2-40B4-BE49-F238E27FC236}">
-                    <a16:creationId xmlns:a16="http://schemas.microsoft.com/office/drawing/2014/main" xmlns="" id="{10AA42D1-AA27-44F4-AC01-7E4C28651565}"/>
+                    <a16:creationId xmlns="" xmlns:a16="http://schemas.microsoft.com/office/drawing/2014/main" id="{10AA42D1-AA27-44F4-AC01-7E4C28651565}"/>
                   </a:ext>
                 </a:extLst>
               </p:cNvPr>
@@ -16146,7 +16241,7 @@
               <p:cNvPr id="49" name="Connecteur droit 31">
                 <a:extLst>
                   <a:ext uri="{FF2B5EF4-FFF2-40B4-BE49-F238E27FC236}">
-                    <a16:creationId xmlns:a16="http://schemas.microsoft.com/office/drawing/2014/main" xmlns="" id="{B20BCB14-5A20-422E-A06B-8178F7FF14F4}"/>
+                    <a16:creationId xmlns="" xmlns:a16="http://schemas.microsoft.com/office/drawing/2014/main" id="{B20BCB14-5A20-422E-A06B-8178F7FF14F4}"/>
                   </a:ext>
                 </a:extLst>
               </p:cNvPr>
@@ -16190,7 +16285,7 @@
             <p:cNvPr id="42" name="Groupe 24">
               <a:extLst>
                 <a:ext uri="{FF2B5EF4-FFF2-40B4-BE49-F238E27FC236}">
-                  <a16:creationId xmlns:a16="http://schemas.microsoft.com/office/drawing/2014/main" xmlns="" id="{E31F5622-A2BA-4298-9BD7-5978D11BF62B}"/>
+                  <a16:creationId xmlns="" xmlns:a16="http://schemas.microsoft.com/office/drawing/2014/main" id="{E31F5622-A2BA-4298-9BD7-5978D11BF62B}"/>
                 </a:ext>
               </a:extLst>
             </p:cNvPr>
@@ -16210,7 +16305,7 @@
               <p:cNvPr id="46" name="ZoneTexte 28">
                 <a:extLst>
                   <a:ext uri="{FF2B5EF4-FFF2-40B4-BE49-F238E27FC236}">
-                    <a16:creationId xmlns:a16="http://schemas.microsoft.com/office/drawing/2014/main" xmlns="" id="{AABC5411-A25E-4B14-9255-F4390BFAFD09}"/>
+                    <a16:creationId xmlns="" xmlns:a16="http://schemas.microsoft.com/office/drawing/2014/main" id="{AABC5411-A25E-4B14-9255-F4390BFAFD09}"/>
                   </a:ext>
                 </a:extLst>
               </p:cNvPr>
@@ -16263,7 +16358,7 @@
               <p:cNvPr id="47" name="Connecteur droit 29">
                 <a:extLst>
                   <a:ext uri="{FF2B5EF4-FFF2-40B4-BE49-F238E27FC236}">
-                    <a16:creationId xmlns:a16="http://schemas.microsoft.com/office/drawing/2014/main" xmlns="" id="{DBA493D9-EAD3-491E-944D-31C23DBA7812}"/>
+                    <a16:creationId xmlns="" xmlns:a16="http://schemas.microsoft.com/office/drawing/2014/main" id="{DBA493D9-EAD3-491E-944D-31C23DBA7812}"/>
                   </a:ext>
                 </a:extLst>
               </p:cNvPr>
@@ -16309,7 +16404,7 @@
             <p:cNvPr id="43" name="Groupe 25">
               <a:extLst>
                 <a:ext uri="{FF2B5EF4-FFF2-40B4-BE49-F238E27FC236}">
-                  <a16:creationId xmlns:a16="http://schemas.microsoft.com/office/drawing/2014/main" xmlns="" id="{C9532792-E619-4EBA-B95D-536C3466862B}"/>
+                  <a16:creationId xmlns="" xmlns:a16="http://schemas.microsoft.com/office/drawing/2014/main" id="{C9532792-E619-4EBA-B95D-536C3466862B}"/>
                 </a:ext>
               </a:extLst>
             </p:cNvPr>
@@ -16329,7 +16424,7 @@
               <p:cNvPr id="44" name="ZoneTexte 26">
                 <a:extLst>
                   <a:ext uri="{FF2B5EF4-FFF2-40B4-BE49-F238E27FC236}">
-                    <a16:creationId xmlns:a16="http://schemas.microsoft.com/office/drawing/2014/main" xmlns="" id="{DAE6088A-6F59-41E8-ADFB-C6E3A2ED5CFE}"/>
+                    <a16:creationId xmlns="" xmlns:a16="http://schemas.microsoft.com/office/drawing/2014/main" id="{DAE6088A-6F59-41E8-ADFB-C6E3A2ED5CFE}"/>
                   </a:ext>
                 </a:extLst>
               </p:cNvPr>
@@ -16382,7 +16477,7 @@
               <p:cNvPr id="45" name="Connecteur droit 27">
                 <a:extLst>
                   <a:ext uri="{FF2B5EF4-FFF2-40B4-BE49-F238E27FC236}">
-                    <a16:creationId xmlns:a16="http://schemas.microsoft.com/office/drawing/2014/main" xmlns="" id="{AC47ED8C-AE50-4C27-B399-2211690DBFDC}"/>
+                    <a16:creationId xmlns="" xmlns:a16="http://schemas.microsoft.com/office/drawing/2014/main" id="{AC47ED8C-AE50-4C27-B399-2211690DBFDC}"/>
                   </a:ext>
                 </a:extLst>
               </p:cNvPr>
@@ -16528,7 +16623,7 @@
           <p:cNvPr id="10" name="Picture 4" descr="RÃ©sultat de recherche d'images pour &quot;uga&quot;">
             <a:extLst>
               <a:ext uri="{FF2B5EF4-FFF2-40B4-BE49-F238E27FC236}">
-                <a16:creationId xmlns="" xmlns:a16="http://schemas.microsoft.com/office/drawing/2014/main" id="{45159814-FD32-4012-9694-D110A593A367}"/>
+                <a16:creationId xmlns:a16="http://schemas.microsoft.com/office/drawing/2014/main" xmlns="" id="{45159814-FD32-4012-9694-D110A593A367}"/>
               </a:ext>
             </a:extLst>
           </p:cNvPr>
@@ -16575,7 +16670,7 @@
           <p:cNvPr id="22" name="Rectangle 21">
             <a:extLst>
               <a:ext uri="{FF2B5EF4-FFF2-40B4-BE49-F238E27FC236}">
-                <a16:creationId xmlns="" xmlns:a16="http://schemas.microsoft.com/office/drawing/2014/main" id="{0C3CA151-AB30-44D4-89DF-2892828A8829}"/>
+                <a16:creationId xmlns:a16="http://schemas.microsoft.com/office/drawing/2014/main" xmlns="" id="{0C3CA151-AB30-44D4-89DF-2892828A8829}"/>
               </a:ext>
             </a:extLst>
           </p:cNvPr>
@@ -16622,7 +16717,7 @@
           <a:p>
             <a:pPr algn="ctr"/>
             <a:r>
-              <a:rPr lang="fr-FR" sz="2800" b="1" dirty="0">
+              <a:rPr lang="fr-FR" sz="2800" b="1" dirty="0" smtClean="0">
                 <a:solidFill>
                   <a:schemeClr val="tx1">
                     <a:lumMod val="95000"/>
@@ -16631,8 +16726,17 @@
                 </a:solidFill>
                 <a:latin typeface="Abadi Extra Light" panose="020B0204020104020204" pitchFamily="34" charset="0"/>
               </a:rPr>
-              <a:t>3</a:t>
-            </a:r>
+              <a:t>4</a:t>
+            </a:r>
+            <a:endParaRPr lang="fr-FR" sz="2800" b="1" dirty="0">
+              <a:solidFill>
+                <a:schemeClr val="tx1">
+                  <a:lumMod val="95000"/>
+                  <a:lumOff val="5000"/>
+                </a:schemeClr>
+              </a:solidFill>
+              <a:latin typeface="Abadi Extra Light" panose="020B0204020104020204" pitchFamily="34" charset="0"/>
+            </a:endParaRPr>
           </a:p>
         </p:txBody>
       </p:sp>
@@ -16641,7 +16745,7 @@
           <p:cNvPr id="39" name="Groupe 18">
             <a:extLst>
               <a:ext uri="{FF2B5EF4-FFF2-40B4-BE49-F238E27FC236}">
-                <a16:creationId xmlns:a16="http://schemas.microsoft.com/office/drawing/2014/main" xmlns="" id="{93799E7A-2DFE-4762-AF90-C3410A1148AE}"/>
+                <a16:creationId xmlns="" xmlns:a16="http://schemas.microsoft.com/office/drawing/2014/main" id="{93799E7A-2DFE-4762-AF90-C3410A1148AE}"/>
               </a:ext>
             </a:extLst>
           </p:cNvPr>
@@ -16661,7 +16765,7 @@
             <p:cNvPr id="40" name="Connecteur droit 19">
               <a:extLst>
                 <a:ext uri="{FF2B5EF4-FFF2-40B4-BE49-F238E27FC236}">
-                  <a16:creationId xmlns:a16="http://schemas.microsoft.com/office/drawing/2014/main" xmlns="" id="{0D958259-2332-4D5E-A898-61EC2EF804A9}"/>
+                  <a16:creationId xmlns="" xmlns:a16="http://schemas.microsoft.com/office/drawing/2014/main" id="{0D958259-2332-4D5E-A898-61EC2EF804A9}"/>
                 </a:ext>
               </a:extLst>
             </p:cNvPr>
@@ -16704,7 +16808,7 @@
             <p:cNvPr id="41" name="ZoneTexte 20">
               <a:extLst>
                 <a:ext uri="{FF2B5EF4-FFF2-40B4-BE49-F238E27FC236}">
-                  <a16:creationId xmlns:a16="http://schemas.microsoft.com/office/drawing/2014/main" xmlns="" id="{C2E08385-BAF9-4FDF-8E28-8EE7E0227114}"/>
+                  <a16:creationId xmlns="" xmlns:a16="http://schemas.microsoft.com/office/drawing/2014/main" id="{C2E08385-BAF9-4FDF-8E28-8EE7E0227114}"/>
                 </a:ext>
               </a:extLst>
             </p:cNvPr>
@@ -16787,7 +16891,7 @@
             <p:cNvPr id="44" name="ZoneTexte 1">
               <a:extLst>
                 <a:ext uri="{FF2B5EF4-FFF2-40B4-BE49-F238E27FC236}">
-                  <a16:creationId xmlns:a16="http://schemas.microsoft.com/office/drawing/2014/main" xmlns="" id="{91194ABD-5326-4623-8719-6EC600089264}"/>
+                  <a16:creationId xmlns="" xmlns:a16="http://schemas.microsoft.com/office/drawing/2014/main" id="{91194ABD-5326-4623-8719-6EC600089264}"/>
                 </a:ext>
               </a:extLst>
             </p:cNvPr>
@@ -17063,7 +17167,7 @@
           <p:cNvPr id="46" name="Groupe 22">
             <a:extLst>
               <a:ext uri="{FF2B5EF4-FFF2-40B4-BE49-F238E27FC236}">
-                <a16:creationId xmlns:a16="http://schemas.microsoft.com/office/drawing/2014/main" xmlns="" id="{3A92BEEB-A1E2-4C8A-BEAD-F49C6FBF1FAC}"/>
+                <a16:creationId xmlns="" xmlns:a16="http://schemas.microsoft.com/office/drawing/2014/main" id="{3A92BEEB-A1E2-4C8A-BEAD-F49C6FBF1FAC}"/>
               </a:ext>
             </a:extLst>
           </p:cNvPr>
@@ -17083,7 +17187,7 @@
             <p:cNvPr id="47" name="Groupe 23">
               <a:extLst>
                 <a:ext uri="{FF2B5EF4-FFF2-40B4-BE49-F238E27FC236}">
-                  <a16:creationId xmlns:a16="http://schemas.microsoft.com/office/drawing/2014/main" xmlns="" id="{46FBA561-CFA6-45B6-8ADE-0FB028A6F938}"/>
+                  <a16:creationId xmlns="" xmlns:a16="http://schemas.microsoft.com/office/drawing/2014/main" id="{46FBA561-CFA6-45B6-8ADE-0FB028A6F938}"/>
                 </a:ext>
               </a:extLst>
             </p:cNvPr>
@@ -17103,7 +17207,7 @@
               <p:cNvPr id="54" name="ZoneTexte 30">
                 <a:extLst>
                   <a:ext uri="{FF2B5EF4-FFF2-40B4-BE49-F238E27FC236}">
-                    <a16:creationId xmlns:a16="http://schemas.microsoft.com/office/drawing/2014/main" xmlns="" id="{10AA42D1-AA27-44F4-AC01-7E4C28651565}"/>
+                    <a16:creationId xmlns="" xmlns:a16="http://schemas.microsoft.com/office/drawing/2014/main" id="{10AA42D1-AA27-44F4-AC01-7E4C28651565}"/>
                   </a:ext>
                 </a:extLst>
               </p:cNvPr>
@@ -17146,7 +17250,7 @@
               <p:cNvPr id="55" name="Connecteur droit 31">
                 <a:extLst>
                   <a:ext uri="{FF2B5EF4-FFF2-40B4-BE49-F238E27FC236}">
-                    <a16:creationId xmlns:a16="http://schemas.microsoft.com/office/drawing/2014/main" xmlns="" id="{B20BCB14-5A20-422E-A06B-8178F7FF14F4}"/>
+                    <a16:creationId xmlns="" xmlns:a16="http://schemas.microsoft.com/office/drawing/2014/main" id="{B20BCB14-5A20-422E-A06B-8178F7FF14F4}"/>
                   </a:ext>
                 </a:extLst>
               </p:cNvPr>
@@ -17190,7 +17294,7 @@
             <p:cNvPr id="48" name="Groupe 24">
               <a:extLst>
                 <a:ext uri="{FF2B5EF4-FFF2-40B4-BE49-F238E27FC236}">
-                  <a16:creationId xmlns:a16="http://schemas.microsoft.com/office/drawing/2014/main" xmlns="" id="{E31F5622-A2BA-4298-9BD7-5978D11BF62B}"/>
+                  <a16:creationId xmlns="" xmlns:a16="http://schemas.microsoft.com/office/drawing/2014/main" id="{E31F5622-A2BA-4298-9BD7-5978D11BF62B}"/>
                 </a:ext>
               </a:extLst>
             </p:cNvPr>
@@ -17210,7 +17314,7 @@
               <p:cNvPr id="52" name="ZoneTexte 28">
                 <a:extLst>
                   <a:ext uri="{FF2B5EF4-FFF2-40B4-BE49-F238E27FC236}">
-                    <a16:creationId xmlns:a16="http://schemas.microsoft.com/office/drawing/2014/main" xmlns="" id="{AABC5411-A25E-4B14-9255-F4390BFAFD09}"/>
+                    <a16:creationId xmlns="" xmlns:a16="http://schemas.microsoft.com/office/drawing/2014/main" id="{AABC5411-A25E-4B14-9255-F4390BFAFD09}"/>
                   </a:ext>
                 </a:extLst>
               </p:cNvPr>
@@ -17263,7 +17367,7 @@
               <p:cNvPr id="53" name="Connecteur droit 29">
                 <a:extLst>
                   <a:ext uri="{FF2B5EF4-FFF2-40B4-BE49-F238E27FC236}">
-                    <a16:creationId xmlns:a16="http://schemas.microsoft.com/office/drawing/2014/main" xmlns="" id="{DBA493D9-EAD3-491E-944D-31C23DBA7812}"/>
+                    <a16:creationId xmlns="" xmlns:a16="http://schemas.microsoft.com/office/drawing/2014/main" id="{DBA493D9-EAD3-491E-944D-31C23DBA7812}"/>
                   </a:ext>
                 </a:extLst>
               </p:cNvPr>
@@ -17309,7 +17413,7 @@
             <p:cNvPr id="49" name="Groupe 25">
               <a:extLst>
                 <a:ext uri="{FF2B5EF4-FFF2-40B4-BE49-F238E27FC236}">
-                  <a16:creationId xmlns:a16="http://schemas.microsoft.com/office/drawing/2014/main" xmlns="" id="{C9532792-E619-4EBA-B95D-536C3466862B}"/>
+                  <a16:creationId xmlns="" xmlns:a16="http://schemas.microsoft.com/office/drawing/2014/main" id="{C9532792-E619-4EBA-B95D-536C3466862B}"/>
                 </a:ext>
               </a:extLst>
             </p:cNvPr>
@@ -17329,7 +17433,7 @@
               <p:cNvPr id="50" name="ZoneTexte 26">
                 <a:extLst>
                   <a:ext uri="{FF2B5EF4-FFF2-40B4-BE49-F238E27FC236}">
-                    <a16:creationId xmlns:a16="http://schemas.microsoft.com/office/drawing/2014/main" xmlns="" id="{DAE6088A-6F59-41E8-ADFB-C6E3A2ED5CFE}"/>
+                    <a16:creationId xmlns="" xmlns:a16="http://schemas.microsoft.com/office/drawing/2014/main" id="{DAE6088A-6F59-41E8-ADFB-C6E3A2ED5CFE}"/>
                   </a:ext>
                 </a:extLst>
               </p:cNvPr>
@@ -17382,7 +17486,7 @@
               <p:cNvPr id="51" name="Connecteur droit 27">
                 <a:extLst>
                   <a:ext uri="{FF2B5EF4-FFF2-40B4-BE49-F238E27FC236}">
-                    <a16:creationId xmlns:a16="http://schemas.microsoft.com/office/drawing/2014/main" xmlns="" id="{AC47ED8C-AE50-4C27-B399-2211690DBFDC}"/>
+                    <a16:creationId xmlns="" xmlns:a16="http://schemas.microsoft.com/office/drawing/2014/main" id="{AC47ED8C-AE50-4C27-B399-2211690DBFDC}"/>
                   </a:ext>
                 </a:extLst>
               </p:cNvPr>
@@ -17466,7 +17570,7 @@
           <p:cNvPr id="10" name="Picture 4" descr="RÃ©sultat de recherche d'images pour &quot;uga&quot;">
             <a:extLst>
               <a:ext uri="{FF2B5EF4-FFF2-40B4-BE49-F238E27FC236}">
-                <a16:creationId xmlns="" xmlns:a16="http://schemas.microsoft.com/office/drawing/2014/main" id="{45159814-FD32-4012-9694-D110A593A367}"/>
+                <a16:creationId xmlns:a16="http://schemas.microsoft.com/office/drawing/2014/main" xmlns="" id="{45159814-FD32-4012-9694-D110A593A367}"/>
               </a:ext>
             </a:extLst>
           </p:cNvPr>
@@ -17513,7 +17617,7 @@
           <p:cNvPr id="53" name="ZoneTexte 52">
             <a:extLst>
               <a:ext uri="{FF2B5EF4-FFF2-40B4-BE49-F238E27FC236}">
-                <a16:creationId xmlns="" xmlns:a16="http://schemas.microsoft.com/office/drawing/2014/main" id="{486036A8-D81C-40F9-98BE-042B285741F3}"/>
+                <a16:creationId xmlns:a16="http://schemas.microsoft.com/office/drawing/2014/main" xmlns="" id="{486036A8-D81C-40F9-98BE-042B285741F3}"/>
               </a:ext>
             </a:extLst>
           </p:cNvPr>
@@ -17594,7 +17698,7 @@
           <p:cNvPr id="19" name="Groupe 18">
             <a:extLst>
               <a:ext uri="{FF2B5EF4-FFF2-40B4-BE49-F238E27FC236}">
-                <a16:creationId xmlns="" xmlns:a16="http://schemas.microsoft.com/office/drawing/2014/main" id="{93799E7A-2DFE-4762-AF90-C3410A1148AE}"/>
+                <a16:creationId xmlns:a16="http://schemas.microsoft.com/office/drawing/2014/main" xmlns="" id="{93799E7A-2DFE-4762-AF90-C3410A1148AE}"/>
               </a:ext>
             </a:extLst>
           </p:cNvPr>
@@ -17614,7 +17718,7 @@
             <p:cNvPr id="20" name="Connecteur droit 19">
               <a:extLst>
                 <a:ext uri="{FF2B5EF4-FFF2-40B4-BE49-F238E27FC236}">
-                  <a16:creationId xmlns="" xmlns:a16="http://schemas.microsoft.com/office/drawing/2014/main" id="{0D958259-2332-4D5E-A898-61EC2EF804A9}"/>
+                  <a16:creationId xmlns:a16="http://schemas.microsoft.com/office/drawing/2014/main" xmlns="" id="{0D958259-2332-4D5E-A898-61EC2EF804A9}"/>
                 </a:ext>
               </a:extLst>
             </p:cNvPr>
@@ -17657,7 +17761,7 @@
             <p:cNvPr id="21" name="ZoneTexte 20">
               <a:extLst>
                 <a:ext uri="{FF2B5EF4-FFF2-40B4-BE49-F238E27FC236}">
-                  <a16:creationId xmlns="" xmlns:a16="http://schemas.microsoft.com/office/drawing/2014/main" id="{C2E08385-BAF9-4FDF-8E28-8EE7E0227114}"/>
+                  <a16:creationId xmlns:a16="http://schemas.microsoft.com/office/drawing/2014/main" xmlns="" id="{C2E08385-BAF9-4FDF-8E28-8EE7E0227114}"/>
                 </a:ext>
               </a:extLst>
             </p:cNvPr>
@@ -17731,7 +17835,7 @@
           <p:cNvPr id="22" name="Rectangle 21">
             <a:extLst>
               <a:ext uri="{FF2B5EF4-FFF2-40B4-BE49-F238E27FC236}">
-                <a16:creationId xmlns="" xmlns:a16="http://schemas.microsoft.com/office/drawing/2014/main" id="{0C3CA151-AB30-44D4-89DF-2892828A8829}"/>
+                <a16:creationId xmlns:a16="http://schemas.microsoft.com/office/drawing/2014/main" xmlns="" id="{0C3CA151-AB30-44D4-89DF-2892828A8829}"/>
               </a:ext>
             </a:extLst>
           </p:cNvPr>
@@ -17778,7 +17882,7 @@
           <a:p>
             <a:pPr algn="ctr"/>
             <a:r>
-              <a:rPr lang="fr-FR" sz="2800" b="1" dirty="0">
+              <a:rPr lang="fr-FR" sz="2800" b="1" dirty="0" smtClean="0">
                 <a:solidFill>
                   <a:schemeClr val="tx1">
                     <a:lumMod val="95000"/>
@@ -17787,8 +17891,17 @@
                 </a:solidFill>
                 <a:latin typeface="Abadi Extra Light" panose="020B0204020104020204" pitchFamily="34" charset="0"/>
               </a:rPr>
-              <a:t>3</a:t>
-            </a:r>
+              <a:t>5</a:t>
+            </a:r>
+            <a:endParaRPr lang="fr-FR" sz="2800" b="1" dirty="0">
+              <a:solidFill>
+                <a:schemeClr val="tx1">
+                  <a:lumMod val="95000"/>
+                  <a:lumOff val="5000"/>
+                </a:schemeClr>
+              </a:solidFill>
+              <a:latin typeface="Abadi Extra Light" panose="020B0204020104020204" pitchFamily="34" charset="0"/>
+            </a:endParaRPr>
           </a:p>
         </p:txBody>
       </p:sp>
@@ -17891,7 +18004,7 @@
             <p:cNvPr id="40" name="ZoneTexte 1">
               <a:extLst>
                 <a:ext uri="{FF2B5EF4-FFF2-40B4-BE49-F238E27FC236}">
-                  <a16:creationId xmlns:a16="http://schemas.microsoft.com/office/drawing/2014/main" xmlns="" id="{91194ABD-5326-4623-8719-6EC600089264}"/>
+                  <a16:creationId xmlns="" xmlns:a16="http://schemas.microsoft.com/office/drawing/2014/main" id="{91194ABD-5326-4623-8719-6EC600089264}"/>
                 </a:ext>
               </a:extLst>
             </p:cNvPr>
@@ -18167,7 +18280,7 @@
           <p:cNvPr id="42" name="Groupe 22">
             <a:extLst>
               <a:ext uri="{FF2B5EF4-FFF2-40B4-BE49-F238E27FC236}">
-                <a16:creationId xmlns:a16="http://schemas.microsoft.com/office/drawing/2014/main" xmlns="" id="{3A92BEEB-A1E2-4C8A-BEAD-F49C6FBF1FAC}"/>
+                <a16:creationId xmlns="" xmlns:a16="http://schemas.microsoft.com/office/drawing/2014/main" id="{3A92BEEB-A1E2-4C8A-BEAD-F49C6FBF1FAC}"/>
               </a:ext>
             </a:extLst>
           </p:cNvPr>
@@ -18187,7 +18300,7 @@
             <p:cNvPr id="43" name="Groupe 23">
               <a:extLst>
                 <a:ext uri="{FF2B5EF4-FFF2-40B4-BE49-F238E27FC236}">
-                  <a16:creationId xmlns:a16="http://schemas.microsoft.com/office/drawing/2014/main" xmlns="" id="{46FBA561-CFA6-45B6-8ADE-0FB028A6F938}"/>
+                  <a16:creationId xmlns="" xmlns:a16="http://schemas.microsoft.com/office/drawing/2014/main" id="{46FBA561-CFA6-45B6-8ADE-0FB028A6F938}"/>
                 </a:ext>
               </a:extLst>
             </p:cNvPr>
@@ -18207,7 +18320,7 @@
               <p:cNvPr id="50" name="ZoneTexte 30">
                 <a:extLst>
                   <a:ext uri="{FF2B5EF4-FFF2-40B4-BE49-F238E27FC236}">
-                    <a16:creationId xmlns:a16="http://schemas.microsoft.com/office/drawing/2014/main" xmlns="" id="{10AA42D1-AA27-44F4-AC01-7E4C28651565}"/>
+                    <a16:creationId xmlns="" xmlns:a16="http://schemas.microsoft.com/office/drawing/2014/main" id="{10AA42D1-AA27-44F4-AC01-7E4C28651565}"/>
                   </a:ext>
                 </a:extLst>
               </p:cNvPr>
@@ -18250,7 +18363,7 @@
               <p:cNvPr id="51" name="Connecteur droit 31">
                 <a:extLst>
                   <a:ext uri="{FF2B5EF4-FFF2-40B4-BE49-F238E27FC236}">
-                    <a16:creationId xmlns:a16="http://schemas.microsoft.com/office/drawing/2014/main" xmlns="" id="{B20BCB14-5A20-422E-A06B-8178F7FF14F4}"/>
+                    <a16:creationId xmlns="" xmlns:a16="http://schemas.microsoft.com/office/drawing/2014/main" id="{B20BCB14-5A20-422E-A06B-8178F7FF14F4}"/>
                   </a:ext>
                 </a:extLst>
               </p:cNvPr>
@@ -18294,7 +18407,7 @@
             <p:cNvPr id="44" name="Groupe 24">
               <a:extLst>
                 <a:ext uri="{FF2B5EF4-FFF2-40B4-BE49-F238E27FC236}">
-                  <a16:creationId xmlns:a16="http://schemas.microsoft.com/office/drawing/2014/main" xmlns="" id="{E31F5622-A2BA-4298-9BD7-5978D11BF62B}"/>
+                  <a16:creationId xmlns="" xmlns:a16="http://schemas.microsoft.com/office/drawing/2014/main" id="{E31F5622-A2BA-4298-9BD7-5978D11BF62B}"/>
                 </a:ext>
               </a:extLst>
             </p:cNvPr>
@@ -18314,7 +18427,7 @@
               <p:cNvPr id="48" name="ZoneTexte 28">
                 <a:extLst>
                   <a:ext uri="{FF2B5EF4-FFF2-40B4-BE49-F238E27FC236}">
-                    <a16:creationId xmlns:a16="http://schemas.microsoft.com/office/drawing/2014/main" xmlns="" id="{AABC5411-A25E-4B14-9255-F4390BFAFD09}"/>
+                    <a16:creationId xmlns="" xmlns:a16="http://schemas.microsoft.com/office/drawing/2014/main" id="{AABC5411-A25E-4B14-9255-F4390BFAFD09}"/>
                   </a:ext>
                 </a:extLst>
               </p:cNvPr>
@@ -18367,7 +18480,7 @@
               <p:cNvPr id="49" name="Connecteur droit 29">
                 <a:extLst>
                   <a:ext uri="{FF2B5EF4-FFF2-40B4-BE49-F238E27FC236}">
-                    <a16:creationId xmlns:a16="http://schemas.microsoft.com/office/drawing/2014/main" xmlns="" id="{DBA493D9-EAD3-491E-944D-31C23DBA7812}"/>
+                    <a16:creationId xmlns="" xmlns:a16="http://schemas.microsoft.com/office/drawing/2014/main" id="{DBA493D9-EAD3-491E-944D-31C23DBA7812}"/>
                   </a:ext>
                 </a:extLst>
               </p:cNvPr>
@@ -18413,7 +18526,7 @@
             <p:cNvPr id="45" name="Groupe 25">
               <a:extLst>
                 <a:ext uri="{FF2B5EF4-FFF2-40B4-BE49-F238E27FC236}">
-                  <a16:creationId xmlns:a16="http://schemas.microsoft.com/office/drawing/2014/main" xmlns="" id="{C9532792-E619-4EBA-B95D-536C3466862B}"/>
+                  <a16:creationId xmlns="" xmlns:a16="http://schemas.microsoft.com/office/drawing/2014/main" id="{C9532792-E619-4EBA-B95D-536C3466862B}"/>
                 </a:ext>
               </a:extLst>
             </p:cNvPr>
@@ -18433,7 +18546,7 @@
               <p:cNvPr id="46" name="ZoneTexte 26">
                 <a:extLst>
                   <a:ext uri="{FF2B5EF4-FFF2-40B4-BE49-F238E27FC236}">
-                    <a16:creationId xmlns:a16="http://schemas.microsoft.com/office/drawing/2014/main" xmlns="" id="{DAE6088A-6F59-41E8-ADFB-C6E3A2ED5CFE}"/>
+                    <a16:creationId xmlns="" xmlns:a16="http://schemas.microsoft.com/office/drawing/2014/main" id="{DAE6088A-6F59-41E8-ADFB-C6E3A2ED5CFE}"/>
                   </a:ext>
                 </a:extLst>
               </p:cNvPr>
@@ -18486,7 +18599,7 @@
               <p:cNvPr id="47" name="Connecteur droit 27">
                 <a:extLst>
                   <a:ext uri="{FF2B5EF4-FFF2-40B4-BE49-F238E27FC236}">
-                    <a16:creationId xmlns:a16="http://schemas.microsoft.com/office/drawing/2014/main" xmlns="" id="{AC47ED8C-AE50-4C27-B399-2211690DBFDC}"/>
+                    <a16:creationId xmlns="" xmlns:a16="http://schemas.microsoft.com/office/drawing/2014/main" id="{AC47ED8C-AE50-4C27-B399-2211690DBFDC}"/>
                   </a:ext>
                 </a:extLst>
               </p:cNvPr>
@@ -18570,7 +18683,7 @@
           <p:cNvPr id="10" name="Picture 4" descr="RÃ©sultat de recherche d'images pour &quot;uga&quot;">
             <a:extLst>
               <a:ext uri="{FF2B5EF4-FFF2-40B4-BE49-F238E27FC236}">
-                <a16:creationId xmlns:a16="http://schemas.microsoft.com/office/drawing/2014/main" xmlns="" id="{45159814-FD32-4012-9694-D110A593A367}"/>
+                <a16:creationId xmlns="" xmlns:a16="http://schemas.microsoft.com/office/drawing/2014/main" id="{45159814-FD32-4012-9694-D110A593A367}"/>
               </a:ext>
             </a:extLst>
           </p:cNvPr>
@@ -18617,7 +18730,7 @@
           <p:cNvPr id="53" name="ZoneTexte 52">
             <a:extLst>
               <a:ext uri="{FF2B5EF4-FFF2-40B4-BE49-F238E27FC236}">
-                <a16:creationId xmlns:a16="http://schemas.microsoft.com/office/drawing/2014/main" xmlns="" id="{486036A8-D81C-40F9-98BE-042B285741F3}"/>
+                <a16:creationId xmlns="" xmlns:a16="http://schemas.microsoft.com/office/drawing/2014/main" id="{486036A8-D81C-40F9-98BE-042B285741F3}"/>
               </a:ext>
             </a:extLst>
           </p:cNvPr>
@@ -18794,7 +18907,7 @@
           <p:cNvPr id="19" name="Groupe 18">
             <a:extLst>
               <a:ext uri="{FF2B5EF4-FFF2-40B4-BE49-F238E27FC236}">
-                <a16:creationId xmlns:a16="http://schemas.microsoft.com/office/drawing/2014/main" xmlns="" id="{93799E7A-2DFE-4762-AF90-C3410A1148AE}"/>
+                <a16:creationId xmlns="" xmlns:a16="http://schemas.microsoft.com/office/drawing/2014/main" id="{93799E7A-2DFE-4762-AF90-C3410A1148AE}"/>
               </a:ext>
             </a:extLst>
           </p:cNvPr>
@@ -18814,7 +18927,7 @@
             <p:cNvPr id="20" name="Connecteur droit 19">
               <a:extLst>
                 <a:ext uri="{FF2B5EF4-FFF2-40B4-BE49-F238E27FC236}">
-                  <a16:creationId xmlns:a16="http://schemas.microsoft.com/office/drawing/2014/main" xmlns="" id="{0D958259-2332-4D5E-A898-61EC2EF804A9}"/>
+                  <a16:creationId xmlns="" xmlns:a16="http://schemas.microsoft.com/office/drawing/2014/main" id="{0D958259-2332-4D5E-A898-61EC2EF804A9}"/>
                 </a:ext>
               </a:extLst>
             </p:cNvPr>
@@ -18857,7 +18970,7 @@
             <p:cNvPr id="21" name="ZoneTexte 20">
               <a:extLst>
                 <a:ext uri="{FF2B5EF4-FFF2-40B4-BE49-F238E27FC236}">
-                  <a16:creationId xmlns:a16="http://schemas.microsoft.com/office/drawing/2014/main" xmlns="" id="{C2E08385-BAF9-4FDF-8E28-8EE7E0227114}"/>
+                  <a16:creationId xmlns="" xmlns:a16="http://schemas.microsoft.com/office/drawing/2014/main" id="{C2E08385-BAF9-4FDF-8E28-8EE7E0227114}"/>
                 </a:ext>
               </a:extLst>
             </p:cNvPr>
@@ -18904,7 +19017,7 @@
           <p:cNvPr id="23" name="Groupe 22">
             <a:extLst>
               <a:ext uri="{FF2B5EF4-FFF2-40B4-BE49-F238E27FC236}">
-                <a16:creationId xmlns:a16="http://schemas.microsoft.com/office/drawing/2014/main" xmlns="" id="{3A92BEEB-A1E2-4C8A-BEAD-F49C6FBF1FAC}"/>
+                <a16:creationId xmlns="" xmlns:a16="http://schemas.microsoft.com/office/drawing/2014/main" id="{3A92BEEB-A1E2-4C8A-BEAD-F49C6FBF1FAC}"/>
               </a:ext>
             </a:extLst>
           </p:cNvPr>
@@ -18924,7 +19037,7 @@
             <p:cNvPr id="24" name="Groupe 23">
               <a:extLst>
                 <a:ext uri="{FF2B5EF4-FFF2-40B4-BE49-F238E27FC236}">
-                  <a16:creationId xmlns:a16="http://schemas.microsoft.com/office/drawing/2014/main" xmlns="" id="{46FBA561-CFA6-45B6-8ADE-0FB028A6F938}"/>
+                  <a16:creationId xmlns="" xmlns:a16="http://schemas.microsoft.com/office/drawing/2014/main" id="{46FBA561-CFA6-45B6-8ADE-0FB028A6F938}"/>
                 </a:ext>
               </a:extLst>
             </p:cNvPr>
@@ -18944,7 +19057,7 @@
               <p:cNvPr id="31" name="ZoneTexte 30">
                 <a:extLst>
                   <a:ext uri="{FF2B5EF4-FFF2-40B4-BE49-F238E27FC236}">
-                    <a16:creationId xmlns:a16="http://schemas.microsoft.com/office/drawing/2014/main" xmlns="" id="{10AA42D1-AA27-44F4-AC01-7E4C28651565}"/>
+                    <a16:creationId xmlns="" xmlns:a16="http://schemas.microsoft.com/office/drawing/2014/main" id="{10AA42D1-AA27-44F4-AC01-7E4C28651565}"/>
                   </a:ext>
                 </a:extLst>
               </p:cNvPr>
@@ -18997,7 +19110,7 @@
               <p:cNvPr id="32" name="Connecteur droit 31">
                 <a:extLst>
                   <a:ext uri="{FF2B5EF4-FFF2-40B4-BE49-F238E27FC236}">
-                    <a16:creationId xmlns:a16="http://schemas.microsoft.com/office/drawing/2014/main" xmlns="" id="{B20BCB14-5A20-422E-A06B-8178F7FF14F4}"/>
+                    <a16:creationId xmlns="" xmlns:a16="http://schemas.microsoft.com/office/drawing/2014/main" id="{B20BCB14-5A20-422E-A06B-8178F7FF14F4}"/>
                   </a:ext>
                 </a:extLst>
               </p:cNvPr>
@@ -19043,7 +19156,7 @@
             <p:cNvPr id="25" name="Groupe 24">
               <a:extLst>
                 <a:ext uri="{FF2B5EF4-FFF2-40B4-BE49-F238E27FC236}">
-                  <a16:creationId xmlns:a16="http://schemas.microsoft.com/office/drawing/2014/main" xmlns="" id="{E31F5622-A2BA-4298-9BD7-5978D11BF62B}"/>
+                  <a16:creationId xmlns="" xmlns:a16="http://schemas.microsoft.com/office/drawing/2014/main" id="{E31F5622-A2BA-4298-9BD7-5978D11BF62B}"/>
                 </a:ext>
               </a:extLst>
             </p:cNvPr>
@@ -19063,7 +19176,7 @@
               <p:cNvPr id="29" name="ZoneTexte 28">
                 <a:extLst>
                   <a:ext uri="{FF2B5EF4-FFF2-40B4-BE49-F238E27FC236}">
-                    <a16:creationId xmlns:a16="http://schemas.microsoft.com/office/drawing/2014/main" xmlns="" id="{AABC5411-A25E-4B14-9255-F4390BFAFD09}"/>
+                    <a16:creationId xmlns="" xmlns:a16="http://schemas.microsoft.com/office/drawing/2014/main" id="{AABC5411-A25E-4B14-9255-F4390BFAFD09}"/>
                   </a:ext>
                 </a:extLst>
               </p:cNvPr>
@@ -19106,7 +19219,7 @@
               <p:cNvPr id="30" name="Connecteur droit 29">
                 <a:extLst>
                   <a:ext uri="{FF2B5EF4-FFF2-40B4-BE49-F238E27FC236}">
-                    <a16:creationId xmlns:a16="http://schemas.microsoft.com/office/drawing/2014/main" xmlns="" id="{DBA493D9-EAD3-491E-944D-31C23DBA7812}"/>
+                    <a16:creationId xmlns="" xmlns:a16="http://schemas.microsoft.com/office/drawing/2014/main" id="{DBA493D9-EAD3-491E-944D-31C23DBA7812}"/>
                   </a:ext>
                 </a:extLst>
               </p:cNvPr>
@@ -19150,7 +19263,7 @@
             <p:cNvPr id="26" name="Groupe 25">
               <a:extLst>
                 <a:ext uri="{FF2B5EF4-FFF2-40B4-BE49-F238E27FC236}">
-                  <a16:creationId xmlns:a16="http://schemas.microsoft.com/office/drawing/2014/main" xmlns="" id="{C9532792-E619-4EBA-B95D-536C3466862B}"/>
+                  <a16:creationId xmlns="" xmlns:a16="http://schemas.microsoft.com/office/drawing/2014/main" id="{C9532792-E619-4EBA-B95D-536C3466862B}"/>
                 </a:ext>
               </a:extLst>
             </p:cNvPr>
@@ -19170,7 +19283,7 @@
               <p:cNvPr id="27" name="ZoneTexte 26">
                 <a:extLst>
                   <a:ext uri="{FF2B5EF4-FFF2-40B4-BE49-F238E27FC236}">
-                    <a16:creationId xmlns:a16="http://schemas.microsoft.com/office/drawing/2014/main" xmlns="" id="{DAE6088A-6F59-41E8-ADFB-C6E3A2ED5CFE}"/>
+                    <a16:creationId xmlns="" xmlns:a16="http://schemas.microsoft.com/office/drawing/2014/main" id="{DAE6088A-6F59-41E8-ADFB-C6E3A2ED5CFE}"/>
                   </a:ext>
                 </a:extLst>
               </p:cNvPr>
@@ -19223,7 +19336,7 @@
               <p:cNvPr id="28" name="Connecteur droit 27">
                 <a:extLst>
                   <a:ext uri="{FF2B5EF4-FFF2-40B4-BE49-F238E27FC236}">
-                    <a16:creationId xmlns:a16="http://schemas.microsoft.com/office/drawing/2014/main" xmlns="" id="{AC47ED8C-AE50-4C27-B399-2211690DBFDC}"/>
+                    <a16:creationId xmlns="" xmlns:a16="http://schemas.microsoft.com/office/drawing/2014/main" id="{AC47ED8C-AE50-4C27-B399-2211690DBFDC}"/>
                   </a:ext>
                 </a:extLst>
               </p:cNvPr>
@@ -19270,7 +19383,7 @@
           <p:cNvPr id="22" name="Rectangle 21">
             <a:extLst>
               <a:ext uri="{FF2B5EF4-FFF2-40B4-BE49-F238E27FC236}">
-                <a16:creationId xmlns:a16="http://schemas.microsoft.com/office/drawing/2014/main" xmlns="" id="{0C3CA151-AB30-44D4-89DF-2892828A8829}"/>
+                <a16:creationId xmlns="" xmlns:a16="http://schemas.microsoft.com/office/drawing/2014/main" id="{0C3CA151-AB30-44D4-89DF-2892828A8829}"/>
               </a:ext>
             </a:extLst>
           </p:cNvPr>
@@ -19317,7 +19430,7 @@
           <a:p>
             <a:pPr algn="ctr"/>
             <a:r>
-              <a:rPr lang="fr-FR" sz="2800" b="1" dirty="0">
+              <a:rPr lang="fr-FR" sz="2800" b="1" dirty="0" smtClean="0">
                 <a:solidFill>
                   <a:schemeClr val="tx1">
                     <a:lumMod val="95000"/>
@@ -19326,8 +19439,17 @@
                 </a:solidFill>
                 <a:latin typeface="Abadi Extra Light" panose="020B0204020104020204" pitchFamily="34" charset="0"/>
               </a:rPr>
-              <a:t>3</a:t>
-            </a:r>
+              <a:t>6</a:t>
+            </a:r>
+            <a:endParaRPr lang="fr-FR" sz="2800" b="1" dirty="0">
+              <a:solidFill>
+                <a:schemeClr val="tx1">
+                  <a:lumMod val="95000"/>
+                  <a:lumOff val="5000"/>
+                </a:schemeClr>
+              </a:solidFill>
+              <a:latin typeface="Abadi Extra Light" panose="020B0204020104020204" pitchFamily="34" charset="0"/>
+            </a:endParaRPr>
           </a:p>
         </p:txBody>
       </p:sp>
@@ -19350,7 +19472,7 @@
             <p:cNvPr id="38" name="ZoneTexte 1">
               <a:extLst>
                 <a:ext uri="{FF2B5EF4-FFF2-40B4-BE49-F238E27FC236}">
-                  <a16:creationId xmlns:a16="http://schemas.microsoft.com/office/drawing/2014/main" xmlns="" id="{91194ABD-5326-4623-8719-6EC600089264}"/>
+                  <a16:creationId xmlns="" xmlns:a16="http://schemas.microsoft.com/office/drawing/2014/main" id="{91194ABD-5326-4623-8719-6EC600089264}"/>
                 </a:ext>
               </a:extLst>
             </p:cNvPr>
@@ -19663,7 +19785,7 @@
           <p:cNvPr id="10" name="Picture 4" descr="RÃ©sultat de recherche d'images pour &quot;uga&quot;">
             <a:extLst>
               <a:ext uri="{FF2B5EF4-FFF2-40B4-BE49-F238E27FC236}">
-                <a16:creationId xmlns:a16="http://schemas.microsoft.com/office/drawing/2014/main" xmlns="" id="{45159814-FD32-4012-9694-D110A593A367}"/>
+                <a16:creationId xmlns="" xmlns:a16="http://schemas.microsoft.com/office/drawing/2014/main" id="{45159814-FD32-4012-9694-D110A593A367}"/>
               </a:ext>
             </a:extLst>
           </p:cNvPr>
@@ -19710,7 +19832,7 @@
           <p:cNvPr id="53" name="ZoneTexte 52">
             <a:extLst>
               <a:ext uri="{FF2B5EF4-FFF2-40B4-BE49-F238E27FC236}">
-                <a16:creationId xmlns:a16="http://schemas.microsoft.com/office/drawing/2014/main" xmlns="" id="{486036A8-D81C-40F9-98BE-042B285741F3}"/>
+                <a16:creationId xmlns="" xmlns:a16="http://schemas.microsoft.com/office/drawing/2014/main" id="{486036A8-D81C-40F9-98BE-042B285741F3}"/>
               </a:ext>
             </a:extLst>
           </p:cNvPr>
@@ -20315,7 +20437,7 @@
           <p:cNvPr id="19" name="Groupe 18">
             <a:extLst>
               <a:ext uri="{FF2B5EF4-FFF2-40B4-BE49-F238E27FC236}">
-                <a16:creationId xmlns:a16="http://schemas.microsoft.com/office/drawing/2014/main" xmlns="" id="{93799E7A-2DFE-4762-AF90-C3410A1148AE}"/>
+                <a16:creationId xmlns="" xmlns:a16="http://schemas.microsoft.com/office/drawing/2014/main" id="{93799E7A-2DFE-4762-AF90-C3410A1148AE}"/>
               </a:ext>
             </a:extLst>
           </p:cNvPr>
@@ -20335,7 +20457,7 @@
             <p:cNvPr id="20" name="Connecteur droit 19">
               <a:extLst>
                 <a:ext uri="{FF2B5EF4-FFF2-40B4-BE49-F238E27FC236}">
-                  <a16:creationId xmlns:a16="http://schemas.microsoft.com/office/drawing/2014/main" xmlns="" id="{0D958259-2332-4D5E-A898-61EC2EF804A9}"/>
+                  <a16:creationId xmlns="" xmlns:a16="http://schemas.microsoft.com/office/drawing/2014/main" id="{0D958259-2332-4D5E-A898-61EC2EF804A9}"/>
                 </a:ext>
               </a:extLst>
             </p:cNvPr>
@@ -20378,7 +20500,7 @@
             <p:cNvPr id="21" name="ZoneTexte 20">
               <a:extLst>
                 <a:ext uri="{FF2B5EF4-FFF2-40B4-BE49-F238E27FC236}">
-                  <a16:creationId xmlns:a16="http://schemas.microsoft.com/office/drawing/2014/main" xmlns="" id="{C2E08385-BAF9-4FDF-8E28-8EE7E0227114}"/>
+                  <a16:creationId xmlns="" xmlns:a16="http://schemas.microsoft.com/office/drawing/2014/main" id="{C2E08385-BAF9-4FDF-8E28-8EE7E0227114}"/>
                 </a:ext>
               </a:extLst>
             </p:cNvPr>
@@ -20417,7 +20539,7 @@
           <p:cNvPr id="22" name="Rectangle 21">
             <a:extLst>
               <a:ext uri="{FF2B5EF4-FFF2-40B4-BE49-F238E27FC236}">
-                <a16:creationId xmlns:a16="http://schemas.microsoft.com/office/drawing/2014/main" xmlns="" id="{0C3CA151-AB30-44D4-89DF-2892828A8829}"/>
+                <a16:creationId xmlns="" xmlns:a16="http://schemas.microsoft.com/office/drawing/2014/main" id="{0C3CA151-AB30-44D4-89DF-2892828A8829}"/>
               </a:ext>
             </a:extLst>
           </p:cNvPr>
@@ -20464,7 +20586,7 @@
           <a:p>
             <a:pPr algn="ctr"/>
             <a:r>
-              <a:rPr lang="fr-FR" sz="2800" b="1" dirty="0">
+              <a:rPr lang="fr-FR" sz="2800" b="1" dirty="0" smtClean="0">
                 <a:solidFill>
                   <a:schemeClr val="tx1">
                     <a:lumMod val="95000"/>
@@ -20473,8 +20595,17 @@
                 </a:solidFill>
                 <a:latin typeface="Abadi Extra Light" panose="020B0204020104020204" pitchFamily="34" charset="0"/>
               </a:rPr>
-              <a:t>3</a:t>
-            </a:r>
+              <a:t>7</a:t>
+            </a:r>
+            <a:endParaRPr lang="fr-FR" sz="2800" b="1" dirty="0">
+              <a:solidFill>
+                <a:schemeClr val="tx1">
+                  <a:lumMod val="95000"/>
+                  <a:lumOff val="5000"/>
+                </a:schemeClr>
+              </a:solidFill>
+              <a:latin typeface="Abadi Extra Light" panose="020B0204020104020204" pitchFamily="34" charset="0"/>
+            </a:endParaRPr>
           </a:p>
         </p:txBody>
       </p:sp>
@@ -20497,7 +20628,7 @@
             <p:cNvPr id="38" name="ZoneTexte 1">
               <a:extLst>
                 <a:ext uri="{FF2B5EF4-FFF2-40B4-BE49-F238E27FC236}">
-                  <a16:creationId xmlns:a16="http://schemas.microsoft.com/office/drawing/2014/main" xmlns="" id="{91194ABD-5326-4623-8719-6EC600089264}"/>
+                  <a16:creationId xmlns="" xmlns:a16="http://schemas.microsoft.com/office/drawing/2014/main" id="{91194ABD-5326-4623-8719-6EC600089264}"/>
                 </a:ext>
               </a:extLst>
             </p:cNvPr>
@@ -20773,7 +20904,7 @@
           <p:cNvPr id="33" name="Groupe 22">
             <a:extLst>
               <a:ext uri="{FF2B5EF4-FFF2-40B4-BE49-F238E27FC236}">
-                <a16:creationId xmlns:a16="http://schemas.microsoft.com/office/drawing/2014/main" xmlns="" id="{3A92BEEB-A1E2-4C8A-BEAD-F49C6FBF1FAC}"/>
+                <a16:creationId xmlns="" xmlns:a16="http://schemas.microsoft.com/office/drawing/2014/main" id="{3A92BEEB-A1E2-4C8A-BEAD-F49C6FBF1FAC}"/>
               </a:ext>
             </a:extLst>
           </p:cNvPr>
@@ -20793,7 +20924,7 @@
             <p:cNvPr id="34" name="Groupe 23">
               <a:extLst>
                 <a:ext uri="{FF2B5EF4-FFF2-40B4-BE49-F238E27FC236}">
-                  <a16:creationId xmlns:a16="http://schemas.microsoft.com/office/drawing/2014/main" xmlns="" id="{46FBA561-CFA6-45B6-8ADE-0FB028A6F938}"/>
+                  <a16:creationId xmlns="" xmlns:a16="http://schemas.microsoft.com/office/drawing/2014/main" id="{46FBA561-CFA6-45B6-8ADE-0FB028A6F938}"/>
                 </a:ext>
               </a:extLst>
             </p:cNvPr>
@@ -20813,7 +20944,7 @@
               <p:cNvPr id="44" name="ZoneTexte 30">
                 <a:extLst>
                   <a:ext uri="{FF2B5EF4-FFF2-40B4-BE49-F238E27FC236}">
-                    <a16:creationId xmlns:a16="http://schemas.microsoft.com/office/drawing/2014/main" xmlns="" id="{10AA42D1-AA27-44F4-AC01-7E4C28651565}"/>
+                    <a16:creationId xmlns="" xmlns:a16="http://schemas.microsoft.com/office/drawing/2014/main" id="{10AA42D1-AA27-44F4-AC01-7E4C28651565}"/>
                   </a:ext>
                 </a:extLst>
               </p:cNvPr>
@@ -20866,7 +20997,7 @@
               <p:cNvPr id="45" name="Connecteur droit 31">
                 <a:extLst>
                   <a:ext uri="{FF2B5EF4-FFF2-40B4-BE49-F238E27FC236}">
-                    <a16:creationId xmlns:a16="http://schemas.microsoft.com/office/drawing/2014/main" xmlns="" id="{B20BCB14-5A20-422E-A06B-8178F7FF14F4}"/>
+                    <a16:creationId xmlns="" xmlns:a16="http://schemas.microsoft.com/office/drawing/2014/main" id="{B20BCB14-5A20-422E-A06B-8178F7FF14F4}"/>
                   </a:ext>
                 </a:extLst>
               </p:cNvPr>
@@ -20912,7 +21043,7 @@
             <p:cNvPr id="35" name="Groupe 24">
               <a:extLst>
                 <a:ext uri="{FF2B5EF4-FFF2-40B4-BE49-F238E27FC236}">
-                  <a16:creationId xmlns:a16="http://schemas.microsoft.com/office/drawing/2014/main" xmlns="" id="{E31F5622-A2BA-4298-9BD7-5978D11BF62B}"/>
+                  <a16:creationId xmlns="" xmlns:a16="http://schemas.microsoft.com/office/drawing/2014/main" id="{E31F5622-A2BA-4298-9BD7-5978D11BF62B}"/>
                 </a:ext>
               </a:extLst>
             </p:cNvPr>
@@ -20932,7 +21063,7 @@
               <p:cNvPr id="42" name="ZoneTexte 28">
                 <a:extLst>
                   <a:ext uri="{FF2B5EF4-FFF2-40B4-BE49-F238E27FC236}">
-                    <a16:creationId xmlns:a16="http://schemas.microsoft.com/office/drawing/2014/main" xmlns="" id="{AABC5411-A25E-4B14-9255-F4390BFAFD09}"/>
+                    <a16:creationId xmlns="" xmlns:a16="http://schemas.microsoft.com/office/drawing/2014/main" id="{AABC5411-A25E-4B14-9255-F4390BFAFD09}"/>
                   </a:ext>
                 </a:extLst>
               </p:cNvPr>
@@ -20975,7 +21106,7 @@
               <p:cNvPr id="43" name="Connecteur droit 29">
                 <a:extLst>
                   <a:ext uri="{FF2B5EF4-FFF2-40B4-BE49-F238E27FC236}">
-                    <a16:creationId xmlns:a16="http://schemas.microsoft.com/office/drawing/2014/main" xmlns="" id="{DBA493D9-EAD3-491E-944D-31C23DBA7812}"/>
+                    <a16:creationId xmlns="" xmlns:a16="http://schemas.microsoft.com/office/drawing/2014/main" id="{DBA493D9-EAD3-491E-944D-31C23DBA7812}"/>
                   </a:ext>
                 </a:extLst>
               </p:cNvPr>
@@ -21019,7 +21150,7 @@
             <p:cNvPr id="36" name="Groupe 25">
               <a:extLst>
                 <a:ext uri="{FF2B5EF4-FFF2-40B4-BE49-F238E27FC236}">
-                  <a16:creationId xmlns:a16="http://schemas.microsoft.com/office/drawing/2014/main" xmlns="" id="{C9532792-E619-4EBA-B95D-536C3466862B}"/>
+                  <a16:creationId xmlns="" xmlns:a16="http://schemas.microsoft.com/office/drawing/2014/main" id="{C9532792-E619-4EBA-B95D-536C3466862B}"/>
                 </a:ext>
               </a:extLst>
             </p:cNvPr>
@@ -21039,7 +21170,7 @@
               <p:cNvPr id="40" name="ZoneTexte 26">
                 <a:extLst>
                   <a:ext uri="{FF2B5EF4-FFF2-40B4-BE49-F238E27FC236}">
-                    <a16:creationId xmlns:a16="http://schemas.microsoft.com/office/drawing/2014/main" xmlns="" id="{DAE6088A-6F59-41E8-ADFB-C6E3A2ED5CFE}"/>
+                    <a16:creationId xmlns="" xmlns:a16="http://schemas.microsoft.com/office/drawing/2014/main" id="{DAE6088A-6F59-41E8-ADFB-C6E3A2ED5CFE}"/>
                   </a:ext>
                 </a:extLst>
               </p:cNvPr>
@@ -21092,7 +21223,7 @@
               <p:cNvPr id="41" name="Connecteur droit 27">
                 <a:extLst>
                   <a:ext uri="{FF2B5EF4-FFF2-40B4-BE49-F238E27FC236}">
-                    <a16:creationId xmlns:a16="http://schemas.microsoft.com/office/drawing/2014/main" xmlns="" id="{AC47ED8C-AE50-4C27-B399-2211690DBFDC}"/>
+                    <a16:creationId xmlns="" xmlns:a16="http://schemas.microsoft.com/office/drawing/2014/main" id="{AC47ED8C-AE50-4C27-B399-2211690DBFDC}"/>
                   </a:ext>
                 </a:extLst>
               </p:cNvPr>
@@ -21176,7 +21307,7 @@
           <p:cNvPr id="10" name="Picture 4" descr="RÃ©sultat de recherche d'images pour &quot;uga&quot;">
             <a:extLst>
               <a:ext uri="{FF2B5EF4-FFF2-40B4-BE49-F238E27FC236}">
-                <a16:creationId xmlns:a16="http://schemas.microsoft.com/office/drawing/2014/main" xmlns="" id="{45159814-FD32-4012-9694-D110A593A367}"/>
+                <a16:creationId xmlns="" xmlns:a16="http://schemas.microsoft.com/office/drawing/2014/main" id="{45159814-FD32-4012-9694-D110A593A367}"/>
               </a:ext>
             </a:extLst>
           </p:cNvPr>
@@ -21223,7 +21354,7 @@
           <p:cNvPr id="53" name="ZoneTexte 52">
             <a:extLst>
               <a:ext uri="{FF2B5EF4-FFF2-40B4-BE49-F238E27FC236}">
-                <a16:creationId xmlns:a16="http://schemas.microsoft.com/office/drawing/2014/main" xmlns="" id="{486036A8-D81C-40F9-98BE-042B285741F3}"/>
+                <a16:creationId xmlns="" xmlns:a16="http://schemas.microsoft.com/office/drawing/2014/main" id="{486036A8-D81C-40F9-98BE-042B285741F3}"/>
               </a:ext>
             </a:extLst>
           </p:cNvPr>
@@ -22042,15 +22173,6 @@
               </a:rPr>
               <a:t> of the model</a:t>
             </a:r>
-            <a:endParaRPr lang="fr-FR" sz="2000" dirty="0">
-              <a:solidFill>
-                <a:schemeClr val="tx1">
-                  <a:lumMod val="95000"/>
-                  <a:lumOff val="5000"/>
-                </a:schemeClr>
-              </a:solidFill>
-              <a:latin typeface="Abadi Extra Light"/>
-            </a:endParaRPr>
           </a:p>
         </p:txBody>
       </p:sp>
@@ -22059,7 +22181,7 @@
           <p:cNvPr id="19" name="Groupe 18">
             <a:extLst>
               <a:ext uri="{FF2B5EF4-FFF2-40B4-BE49-F238E27FC236}">
-                <a16:creationId xmlns:a16="http://schemas.microsoft.com/office/drawing/2014/main" xmlns="" id="{93799E7A-2DFE-4762-AF90-C3410A1148AE}"/>
+                <a16:creationId xmlns="" xmlns:a16="http://schemas.microsoft.com/office/drawing/2014/main" id="{93799E7A-2DFE-4762-AF90-C3410A1148AE}"/>
               </a:ext>
             </a:extLst>
           </p:cNvPr>
@@ -22079,7 +22201,7 @@
             <p:cNvPr id="20" name="Connecteur droit 19">
               <a:extLst>
                 <a:ext uri="{FF2B5EF4-FFF2-40B4-BE49-F238E27FC236}">
-                  <a16:creationId xmlns:a16="http://schemas.microsoft.com/office/drawing/2014/main" xmlns="" id="{0D958259-2332-4D5E-A898-61EC2EF804A9}"/>
+                  <a16:creationId xmlns="" xmlns:a16="http://schemas.microsoft.com/office/drawing/2014/main" id="{0D958259-2332-4D5E-A898-61EC2EF804A9}"/>
                 </a:ext>
               </a:extLst>
             </p:cNvPr>
@@ -22122,7 +22244,7 @@
             <p:cNvPr id="21" name="ZoneTexte 20">
               <a:extLst>
                 <a:ext uri="{FF2B5EF4-FFF2-40B4-BE49-F238E27FC236}">
-                  <a16:creationId xmlns:a16="http://schemas.microsoft.com/office/drawing/2014/main" xmlns="" id="{C2E08385-BAF9-4FDF-8E28-8EE7E0227114}"/>
+                  <a16:creationId xmlns="" xmlns:a16="http://schemas.microsoft.com/office/drawing/2014/main" id="{C2E08385-BAF9-4FDF-8E28-8EE7E0227114}"/>
                 </a:ext>
               </a:extLst>
             </p:cNvPr>
@@ -22161,7 +22283,7 @@
           <p:cNvPr id="22" name="Rectangle 21">
             <a:extLst>
               <a:ext uri="{FF2B5EF4-FFF2-40B4-BE49-F238E27FC236}">
-                <a16:creationId xmlns:a16="http://schemas.microsoft.com/office/drawing/2014/main" xmlns="" id="{0C3CA151-AB30-44D4-89DF-2892828A8829}"/>
+                <a16:creationId xmlns="" xmlns:a16="http://schemas.microsoft.com/office/drawing/2014/main" id="{0C3CA151-AB30-44D4-89DF-2892828A8829}"/>
               </a:ext>
             </a:extLst>
           </p:cNvPr>
@@ -22208,7 +22330,7 @@
           <a:p>
             <a:pPr algn="ctr"/>
             <a:r>
-              <a:rPr lang="fr-FR" sz="2800" b="1" dirty="0">
+              <a:rPr lang="fr-FR" sz="2800" b="1" dirty="0" smtClean="0">
                 <a:solidFill>
                   <a:schemeClr val="tx1">
                     <a:lumMod val="95000"/>
@@ -22217,8 +22339,17 @@
                 </a:solidFill>
                 <a:latin typeface="Abadi Extra Light" panose="020B0204020104020204" pitchFamily="34" charset="0"/>
               </a:rPr>
-              <a:t>3</a:t>
-            </a:r>
+              <a:t>8</a:t>
+            </a:r>
+            <a:endParaRPr lang="fr-FR" sz="2800" b="1" dirty="0">
+              <a:solidFill>
+                <a:schemeClr val="tx1">
+                  <a:lumMod val="95000"/>
+                  <a:lumOff val="5000"/>
+                </a:schemeClr>
+              </a:solidFill>
+              <a:latin typeface="Abadi Extra Light" panose="020B0204020104020204" pitchFamily="34" charset="0"/>
+            </a:endParaRPr>
           </a:p>
         </p:txBody>
       </p:sp>
@@ -22241,7 +22372,7 @@
             <p:cNvPr id="38" name="ZoneTexte 1">
               <a:extLst>
                 <a:ext uri="{FF2B5EF4-FFF2-40B4-BE49-F238E27FC236}">
-                  <a16:creationId xmlns:a16="http://schemas.microsoft.com/office/drawing/2014/main" xmlns="" id="{91194ABD-5326-4623-8719-6EC600089264}"/>
+                  <a16:creationId xmlns="" xmlns:a16="http://schemas.microsoft.com/office/drawing/2014/main" id="{91194ABD-5326-4623-8719-6EC600089264}"/>
                 </a:ext>
               </a:extLst>
             </p:cNvPr>
@@ -22517,7 +22648,7 @@
           <p:cNvPr id="33" name="Groupe 22">
             <a:extLst>
               <a:ext uri="{FF2B5EF4-FFF2-40B4-BE49-F238E27FC236}">
-                <a16:creationId xmlns:a16="http://schemas.microsoft.com/office/drawing/2014/main" xmlns="" id="{3A92BEEB-A1E2-4C8A-BEAD-F49C6FBF1FAC}"/>
+                <a16:creationId xmlns="" xmlns:a16="http://schemas.microsoft.com/office/drawing/2014/main" id="{3A92BEEB-A1E2-4C8A-BEAD-F49C6FBF1FAC}"/>
               </a:ext>
             </a:extLst>
           </p:cNvPr>
@@ -22537,7 +22668,7 @@
             <p:cNvPr id="34" name="Groupe 23">
               <a:extLst>
                 <a:ext uri="{FF2B5EF4-FFF2-40B4-BE49-F238E27FC236}">
-                  <a16:creationId xmlns:a16="http://schemas.microsoft.com/office/drawing/2014/main" xmlns="" id="{46FBA561-CFA6-45B6-8ADE-0FB028A6F938}"/>
+                  <a16:creationId xmlns="" xmlns:a16="http://schemas.microsoft.com/office/drawing/2014/main" id="{46FBA561-CFA6-45B6-8ADE-0FB028A6F938}"/>
                 </a:ext>
               </a:extLst>
             </p:cNvPr>
@@ -22557,7 +22688,7 @@
               <p:cNvPr id="44" name="ZoneTexte 30">
                 <a:extLst>
                   <a:ext uri="{FF2B5EF4-FFF2-40B4-BE49-F238E27FC236}">
-                    <a16:creationId xmlns:a16="http://schemas.microsoft.com/office/drawing/2014/main" xmlns="" id="{10AA42D1-AA27-44F4-AC01-7E4C28651565}"/>
+                    <a16:creationId xmlns="" xmlns:a16="http://schemas.microsoft.com/office/drawing/2014/main" id="{10AA42D1-AA27-44F4-AC01-7E4C28651565}"/>
                   </a:ext>
                 </a:extLst>
               </p:cNvPr>
@@ -22610,7 +22741,7 @@
               <p:cNvPr id="45" name="Connecteur droit 31">
                 <a:extLst>
                   <a:ext uri="{FF2B5EF4-FFF2-40B4-BE49-F238E27FC236}">
-                    <a16:creationId xmlns:a16="http://schemas.microsoft.com/office/drawing/2014/main" xmlns="" id="{B20BCB14-5A20-422E-A06B-8178F7FF14F4}"/>
+                    <a16:creationId xmlns="" xmlns:a16="http://schemas.microsoft.com/office/drawing/2014/main" id="{B20BCB14-5A20-422E-A06B-8178F7FF14F4}"/>
                   </a:ext>
                 </a:extLst>
               </p:cNvPr>
@@ -22656,7 +22787,7 @@
             <p:cNvPr id="35" name="Groupe 24">
               <a:extLst>
                 <a:ext uri="{FF2B5EF4-FFF2-40B4-BE49-F238E27FC236}">
-                  <a16:creationId xmlns:a16="http://schemas.microsoft.com/office/drawing/2014/main" xmlns="" id="{E31F5622-A2BA-4298-9BD7-5978D11BF62B}"/>
+                  <a16:creationId xmlns="" xmlns:a16="http://schemas.microsoft.com/office/drawing/2014/main" id="{E31F5622-A2BA-4298-9BD7-5978D11BF62B}"/>
                 </a:ext>
               </a:extLst>
             </p:cNvPr>
@@ -22676,7 +22807,7 @@
               <p:cNvPr id="42" name="ZoneTexte 28">
                 <a:extLst>
                   <a:ext uri="{FF2B5EF4-FFF2-40B4-BE49-F238E27FC236}">
-                    <a16:creationId xmlns:a16="http://schemas.microsoft.com/office/drawing/2014/main" xmlns="" id="{AABC5411-A25E-4B14-9255-F4390BFAFD09}"/>
+                    <a16:creationId xmlns="" xmlns:a16="http://schemas.microsoft.com/office/drawing/2014/main" id="{AABC5411-A25E-4B14-9255-F4390BFAFD09}"/>
                   </a:ext>
                 </a:extLst>
               </p:cNvPr>
@@ -22719,7 +22850,7 @@
               <p:cNvPr id="43" name="Connecteur droit 29">
                 <a:extLst>
                   <a:ext uri="{FF2B5EF4-FFF2-40B4-BE49-F238E27FC236}">
-                    <a16:creationId xmlns:a16="http://schemas.microsoft.com/office/drawing/2014/main" xmlns="" id="{DBA493D9-EAD3-491E-944D-31C23DBA7812}"/>
+                    <a16:creationId xmlns="" xmlns:a16="http://schemas.microsoft.com/office/drawing/2014/main" id="{DBA493D9-EAD3-491E-944D-31C23DBA7812}"/>
                   </a:ext>
                 </a:extLst>
               </p:cNvPr>
@@ -22763,7 +22894,7 @@
             <p:cNvPr id="36" name="Groupe 25">
               <a:extLst>
                 <a:ext uri="{FF2B5EF4-FFF2-40B4-BE49-F238E27FC236}">
-                  <a16:creationId xmlns:a16="http://schemas.microsoft.com/office/drawing/2014/main" xmlns="" id="{C9532792-E619-4EBA-B95D-536C3466862B}"/>
+                  <a16:creationId xmlns="" xmlns:a16="http://schemas.microsoft.com/office/drawing/2014/main" id="{C9532792-E619-4EBA-B95D-536C3466862B}"/>
                 </a:ext>
               </a:extLst>
             </p:cNvPr>
@@ -22783,7 +22914,7 @@
               <p:cNvPr id="40" name="ZoneTexte 26">
                 <a:extLst>
                   <a:ext uri="{FF2B5EF4-FFF2-40B4-BE49-F238E27FC236}">
-                    <a16:creationId xmlns:a16="http://schemas.microsoft.com/office/drawing/2014/main" xmlns="" id="{DAE6088A-6F59-41E8-ADFB-C6E3A2ED5CFE}"/>
+                    <a16:creationId xmlns="" xmlns:a16="http://schemas.microsoft.com/office/drawing/2014/main" id="{DAE6088A-6F59-41E8-ADFB-C6E3A2ED5CFE}"/>
                   </a:ext>
                 </a:extLst>
               </p:cNvPr>
@@ -22836,7 +22967,7 @@
               <p:cNvPr id="41" name="Connecteur droit 27">
                 <a:extLst>
                   <a:ext uri="{FF2B5EF4-FFF2-40B4-BE49-F238E27FC236}">
-                    <a16:creationId xmlns:a16="http://schemas.microsoft.com/office/drawing/2014/main" xmlns="" id="{AC47ED8C-AE50-4C27-B399-2211690DBFDC}"/>
+                    <a16:creationId xmlns="" xmlns:a16="http://schemas.microsoft.com/office/drawing/2014/main" id="{AC47ED8C-AE50-4C27-B399-2211690DBFDC}"/>
                   </a:ext>
                 </a:extLst>
               </p:cNvPr>
@@ -22920,7 +23051,7 @@
           <p:cNvPr id="10" name="Picture 4" descr="RÃ©sultat de recherche d'images pour &quot;uga&quot;">
             <a:extLst>
               <a:ext uri="{FF2B5EF4-FFF2-40B4-BE49-F238E27FC236}">
-                <a16:creationId xmlns:a16="http://schemas.microsoft.com/office/drawing/2014/main" xmlns="" id="{45159814-FD32-4012-9694-D110A593A367}"/>
+                <a16:creationId xmlns="" xmlns:a16="http://schemas.microsoft.com/office/drawing/2014/main" id="{45159814-FD32-4012-9694-D110A593A367}"/>
               </a:ext>
             </a:extLst>
           </p:cNvPr>
@@ -22967,7 +23098,7 @@
           <p:cNvPr id="53" name="ZoneTexte 52">
             <a:extLst>
               <a:ext uri="{FF2B5EF4-FFF2-40B4-BE49-F238E27FC236}">
-                <a16:creationId xmlns:a16="http://schemas.microsoft.com/office/drawing/2014/main" xmlns="" id="{486036A8-D81C-40F9-98BE-042B285741F3}"/>
+                <a16:creationId xmlns="" xmlns:a16="http://schemas.microsoft.com/office/drawing/2014/main" id="{486036A8-D81C-40F9-98BE-042B285741F3}"/>
               </a:ext>
             </a:extLst>
           </p:cNvPr>
@@ -23631,15 +23762,6 @@
               </a:rPr>
               <a:t>)</a:t>
             </a:r>
-            <a:endParaRPr lang="fr-FR" sz="2000" dirty="0">
-              <a:solidFill>
-                <a:schemeClr val="tx1">
-                  <a:lumMod val="95000"/>
-                  <a:lumOff val="5000"/>
-                </a:schemeClr>
-              </a:solidFill>
-              <a:latin typeface="Abadi Extra Light"/>
-            </a:endParaRPr>
           </a:p>
         </p:txBody>
       </p:sp>
@@ -23648,7 +23770,7 @@
           <p:cNvPr id="19" name="Groupe 18">
             <a:extLst>
               <a:ext uri="{FF2B5EF4-FFF2-40B4-BE49-F238E27FC236}">
-                <a16:creationId xmlns:a16="http://schemas.microsoft.com/office/drawing/2014/main" xmlns="" id="{93799E7A-2DFE-4762-AF90-C3410A1148AE}"/>
+                <a16:creationId xmlns="" xmlns:a16="http://schemas.microsoft.com/office/drawing/2014/main" id="{93799E7A-2DFE-4762-AF90-C3410A1148AE}"/>
               </a:ext>
             </a:extLst>
           </p:cNvPr>
@@ -23668,7 +23790,7 @@
             <p:cNvPr id="20" name="Connecteur droit 19">
               <a:extLst>
                 <a:ext uri="{FF2B5EF4-FFF2-40B4-BE49-F238E27FC236}">
-                  <a16:creationId xmlns:a16="http://schemas.microsoft.com/office/drawing/2014/main" xmlns="" id="{0D958259-2332-4D5E-A898-61EC2EF804A9}"/>
+                  <a16:creationId xmlns="" xmlns:a16="http://schemas.microsoft.com/office/drawing/2014/main" id="{0D958259-2332-4D5E-A898-61EC2EF804A9}"/>
                 </a:ext>
               </a:extLst>
             </p:cNvPr>
@@ -23711,7 +23833,7 @@
             <p:cNvPr id="21" name="ZoneTexte 20">
               <a:extLst>
                 <a:ext uri="{FF2B5EF4-FFF2-40B4-BE49-F238E27FC236}">
-                  <a16:creationId xmlns:a16="http://schemas.microsoft.com/office/drawing/2014/main" xmlns="" id="{C2E08385-BAF9-4FDF-8E28-8EE7E0227114}"/>
+                  <a16:creationId xmlns="" xmlns:a16="http://schemas.microsoft.com/office/drawing/2014/main" id="{C2E08385-BAF9-4FDF-8E28-8EE7E0227114}"/>
                 </a:ext>
               </a:extLst>
             </p:cNvPr>
@@ -23758,7 +23880,7 @@
           <p:cNvPr id="22" name="Rectangle 21">
             <a:extLst>
               <a:ext uri="{FF2B5EF4-FFF2-40B4-BE49-F238E27FC236}">
-                <a16:creationId xmlns:a16="http://schemas.microsoft.com/office/drawing/2014/main" xmlns="" id="{0C3CA151-AB30-44D4-89DF-2892828A8829}"/>
+                <a16:creationId xmlns="" xmlns:a16="http://schemas.microsoft.com/office/drawing/2014/main" id="{0C3CA151-AB30-44D4-89DF-2892828A8829}"/>
               </a:ext>
             </a:extLst>
           </p:cNvPr>
@@ -23805,7 +23927,7 @@
           <a:p>
             <a:pPr algn="ctr"/>
             <a:r>
-              <a:rPr lang="fr-FR" sz="2800" b="1" dirty="0">
+              <a:rPr lang="fr-FR" sz="2800" b="1" dirty="0" smtClean="0">
                 <a:solidFill>
                   <a:schemeClr val="tx1">
                     <a:lumMod val="95000"/>
@@ -23814,8 +23936,17 @@
                 </a:solidFill>
                 <a:latin typeface="Abadi Extra Light" panose="020B0204020104020204" pitchFamily="34" charset="0"/>
               </a:rPr>
-              <a:t>3</a:t>
-            </a:r>
+              <a:t>9</a:t>
+            </a:r>
+            <a:endParaRPr lang="fr-FR" sz="2800" b="1" dirty="0">
+              <a:solidFill>
+                <a:schemeClr val="tx1">
+                  <a:lumMod val="95000"/>
+                  <a:lumOff val="5000"/>
+                </a:schemeClr>
+              </a:solidFill>
+              <a:latin typeface="Abadi Extra Light" panose="020B0204020104020204" pitchFamily="34" charset="0"/>
+            </a:endParaRPr>
           </a:p>
         </p:txBody>
       </p:sp>
@@ -23838,7 +23969,7 @@
             <p:cNvPr id="38" name="ZoneTexte 1">
               <a:extLst>
                 <a:ext uri="{FF2B5EF4-FFF2-40B4-BE49-F238E27FC236}">
-                  <a16:creationId xmlns:a16="http://schemas.microsoft.com/office/drawing/2014/main" xmlns="" id="{91194ABD-5326-4623-8719-6EC600089264}"/>
+                  <a16:creationId xmlns="" xmlns:a16="http://schemas.microsoft.com/office/drawing/2014/main" id="{91194ABD-5326-4623-8719-6EC600089264}"/>
                 </a:ext>
               </a:extLst>
             </p:cNvPr>
@@ -24114,7 +24245,7 @@
           <p:cNvPr id="33" name="Groupe 22">
             <a:extLst>
               <a:ext uri="{FF2B5EF4-FFF2-40B4-BE49-F238E27FC236}">
-                <a16:creationId xmlns:a16="http://schemas.microsoft.com/office/drawing/2014/main" xmlns="" id="{3A92BEEB-A1E2-4C8A-BEAD-F49C6FBF1FAC}"/>
+                <a16:creationId xmlns="" xmlns:a16="http://schemas.microsoft.com/office/drawing/2014/main" id="{3A92BEEB-A1E2-4C8A-BEAD-F49C6FBF1FAC}"/>
               </a:ext>
             </a:extLst>
           </p:cNvPr>
@@ -24134,7 +24265,7 @@
             <p:cNvPr id="34" name="Groupe 23">
               <a:extLst>
                 <a:ext uri="{FF2B5EF4-FFF2-40B4-BE49-F238E27FC236}">
-                  <a16:creationId xmlns:a16="http://schemas.microsoft.com/office/drawing/2014/main" xmlns="" id="{46FBA561-CFA6-45B6-8ADE-0FB028A6F938}"/>
+                  <a16:creationId xmlns="" xmlns:a16="http://schemas.microsoft.com/office/drawing/2014/main" id="{46FBA561-CFA6-45B6-8ADE-0FB028A6F938}"/>
                 </a:ext>
               </a:extLst>
             </p:cNvPr>
@@ -24154,7 +24285,7 @@
               <p:cNvPr id="44" name="ZoneTexte 30">
                 <a:extLst>
                   <a:ext uri="{FF2B5EF4-FFF2-40B4-BE49-F238E27FC236}">
-                    <a16:creationId xmlns:a16="http://schemas.microsoft.com/office/drawing/2014/main" xmlns="" id="{10AA42D1-AA27-44F4-AC01-7E4C28651565}"/>
+                    <a16:creationId xmlns="" xmlns:a16="http://schemas.microsoft.com/office/drawing/2014/main" id="{10AA42D1-AA27-44F4-AC01-7E4C28651565}"/>
                   </a:ext>
                 </a:extLst>
               </p:cNvPr>
@@ -24207,7 +24338,7 @@
               <p:cNvPr id="45" name="Connecteur droit 31">
                 <a:extLst>
                   <a:ext uri="{FF2B5EF4-FFF2-40B4-BE49-F238E27FC236}">
-                    <a16:creationId xmlns:a16="http://schemas.microsoft.com/office/drawing/2014/main" xmlns="" id="{B20BCB14-5A20-422E-A06B-8178F7FF14F4}"/>
+                    <a16:creationId xmlns="" xmlns:a16="http://schemas.microsoft.com/office/drawing/2014/main" id="{B20BCB14-5A20-422E-A06B-8178F7FF14F4}"/>
                   </a:ext>
                 </a:extLst>
               </p:cNvPr>
@@ -24253,7 +24384,7 @@
             <p:cNvPr id="35" name="Groupe 24">
               <a:extLst>
                 <a:ext uri="{FF2B5EF4-FFF2-40B4-BE49-F238E27FC236}">
-                  <a16:creationId xmlns:a16="http://schemas.microsoft.com/office/drawing/2014/main" xmlns="" id="{E31F5622-A2BA-4298-9BD7-5978D11BF62B}"/>
+                  <a16:creationId xmlns="" xmlns:a16="http://schemas.microsoft.com/office/drawing/2014/main" id="{E31F5622-A2BA-4298-9BD7-5978D11BF62B}"/>
                 </a:ext>
               </a:extLst>
             </p:cNvPr>
@@ -24273,7 +24404,7 @@
               <p:cNvPr id="42" name="ZoneTexte 28">
                 <a:extLst>
                   <a:ext uri="{FF2B5EF4-FFF2-40B4-BE49-F238E27FC236}">
-                    <a16:creationId xmlns:a16="http://schemas.microsoft.com/office/drawing/2014/main" xmlns="" id="{AABC5411-A25E-4B14-9255-F4390BFAFD09}"/>
+                    <a16:creationId xmlns="" xmlns:a16="http://schemas.microsoft.com/office/drawing/2014/main" id="{AABC5411-A25E-4B14-9255-F4390BFAFD09}"/>
                   </a:ext>
                 </a:extLst>
               </p:cNvPr>
@@ -24316,7 +24447,7 @@
               <p:cNvPr id="43" name="Connecteur droit 29">
                 <a:extLst>
                   <a:ext uri="{FF2B5EF4-FFF2-40B4-BE49-F238E27FC236}">
-                    <a16:creationId xmlns:a16="http://schemas.microsoft.com/office/drawing/2014/main" xmlns="" id="{DBA493D9-EAD3-491E-944D-31C23DBA7812}"/>
+                    <a16:creationId xmlns="" xmlns:a16="http://schemas.microsoft.com/office/drawing/2014/main" id="{DBA493D9-EAD3-491E-944D-31C23DBA7812}"/>
                   </a:ext>
                 </a:extLst>
               </p:cNvPr>
@@ -24360,7 +24491,7 @@
             <p:cNvPr id="36" name="Groupe 25">
               <a:extLst>
                 <a:ext uri="{FF2B5EF4-FFF2-40B4-BE49-F238E27FC236}">
-                  <a16:creationId xmlns:a16="http://schemas.microsoft.com/office/drawing/2014/main" xmlns="" id="{C9532792-E619-4EBA-B95D-536C3466862B}"/>
+                  <a16:creationId xmlns="" xmlns:a16="http://schemas.microsoft.com/office/drawing/2014/main" id="{C9532792-E619-4EBA-B95D-536C3466862B}"/>
                 </a:ext>
               </a:extLst>
             </p:cNvPr>
@@ -24380,7 +24511,7 @@
               <p:cNvPr id="40" name="ZoneTexte 26">
                 <a:extLst>
                   <a:ext uri="{FF2B5EF4-FFF2-40B4-BE49-F238E27FC236}">
-                    <a16:creationId xmlns:a16="http://schemas.microsoft.com/office/drawing/2014/main" xmlns="" id="{DAE6088A-6F59-41E8-ADFB-C6E3A2ED5CFE}"/>
+                    <a16:creationId xmlns="" xmlns:a16="http://schemas.microsoft.com/office/drawing/2014/main" id="{DAE6088A-6F59-41E8-ADFB-C6E3A2ED5CFE}"/>
                   </a:ext>
                 </a:extLst>
               </p:cNvPr>
@@ -24433,7 +24564,7 @@
               <p:cNvPr id="41" name="Connecteur droit 27">
                 <a:extLst>
                   <a:ext uri="{FF2B5EF4-FFF2-40B4-BE49-F238E27FC236}">
-                    <a16:creationId xmlns:a16="http://schemas.microsoft.com/office/drawing/2014/main" xmlns="" id="{AC47ED8C-AE50-4C27-B399-2211690DBFDC}"/>
+                    <a16:creationId xmlns="" xmlns:a16="http://schemas.microsoft.com/office/drawing/2014/main" id="{AC47ED8C-AE50-4C27-B399-2211690DBFDC}"/>
                   </a:ext>
                 </a:extLst>
               </p:cNvPr>
